--- a/origin_draws/Brief Introduction of SocketPro ACF.pptx
+++ b/origin_draws/Brief Introduction of SocketPro ACF.pptx
@@ -130,6 +130,22 @@
       </a:defRPr>
     </a:lvl9pPr>
   </p:defaultTextStyle>
+  <p:extLst>
+    <p:ext uri="{EFAFB233-063F-42B5-8137-9DF3F51BA10A}">
+      <p15:sldGuideLst xmlns:p15="http://schemas.microsoft.com/office/powerpoint/2012/main">
+        <p15:guide id="1" orient="horz" pos="2160">
+          <p15:clr>
+            <a:srgbClr val="A4A3A4"/>
+          </p15:clr>
+        </p15:guide>
+        <p15:guide id="2" pos="2880">
+          <p15:clr>
+            <a:srgbClr val="A4A3A4"/>
+          </p15:clr>
+        </p15:guide>
+      </p15:sldGuideLst>
+    </p:ext>
+  </p:extLst>
 </p:presentation>
 </file>
 
@@ -216,7 +232,7 @@
             <a:fld id="{9BC56ADA-002F-472C-9EA3-B74CE6ADAE9E}" type="datetimeFigureOut">
               <a:rPr lang="en-US" smtClean="0"/>
               <a:pPr/>
-              <a:t>10/14/2017</a:t>
+              <a:t>10/25/2018</a:t>
             </a:fld>
             <a:endParaRPr lang="en-US"/>
           </a:p>
@@ -282,38 +298,37 @@
           <a:p>
             <a:pPr lvl="0"/>
             <a:r>
-              <a:rPr lang="en-US" smtClean="0"/>
+              <a:rPr lang="en-US"/>
               <a:t>Click to edit Master text styles</a:t>
             </a:r>
           </a:p>
           <a:p>
             <a:pPr lvl="1"/>
             <a:r>
-              <a:rPr lang="en-US" smtClean="0"/>
+              <a:rPr lang="en-US"/>
               <a:t>Second level</a:t>
             </a:r>
           </a:p>
           <a:p>
             <a:pPr lvl="2"/>
             <a:r>
-              <a:rPr lang="en-US" smtClean="0"/>
+              <a:rPr lang="en-US"/>
               <a:t>Third level</a:t>
             </a:r>
           </a:p>
           <a:p>
             <a:pPr lvl="3"/>
             <a:r>
-              <a:rPr lang="en-US" smtClean="0"/>
+              <a:rPr lang="en-US"/>
               <a:t>Fourth level</a:t>
             </a:r>
           </a:p>
           <a:p>
             <a:pPr lvl="4"/>
             <a:r>
-              <a:rPr lang="en-US" smtClean="0"/>
+              <a:rPr lang="en-US"/>
               <a:t>Fifth level</a:t>
             </a:r>
-            <a:endParaRPr lang="en-US"/>
           </a:p>
         </p:txBody>
       </p:sp>
@@ -555,7 +570,7 @@
           <a:bodyPr wrap="none" anchor="ctr"/>
           <a:lstStyle/>
           <a:p>
-            <a:endParaRPr lang="en-US" smtClean="0"/>
+            <a:endParaRPr lang="en-US"/>
           </a:p>
         </p:txBody>
       </p:sp>
@@ -640,7 +655,7 @@
           <a:bodyPr wrap="none" anchor="ctr"/>
           <a:lstStyle/>
           <a:p>
-            <a:endParaRPr lang="en-US" smtClean="0"/>
+            <a:endParaRPr lang="en-US"/>
           </a:p>
         </p:txBody>
       </p:sp>
@@ -725,7 +740,7 @@
           <a:bodyPr wrap="none" anchor="ctr"/>
           <a:lstStyle/>
           <a:p>
-            <a:endParaRPr lang="en-US" smtClean="0"/>
+            <a:endParaRPr lang="en-US"/>
           </a:p>
         </p:txBody>
       </p:sp>
@@ -810,7 +825,7 @@
           <a:bodyPr wrap="none" anchor="ctr"/>
           <a:lstStyle/>
           <a:p>
-            <a:endParaRPr lang="en-US" smtClean="0"/>
+            <a:endParaRPr lang="en-US"/>
           </a:p>
         </p:txBody>
       </p:sp>
@@ -895,7 +910,7 @@
           <a:bodyPr wrap="none" anchor="ctr"/>
           <a:lstStyle/>
           <a:p>
-            <a:endParaRPr lang="en-US" smtClean="0"/>
+            <a:endParaRPr lang="en-US"/>
           </a:p>
         </p:txBody>
       </p:sp>
@@ -945,10 +960,9 @@
           <a:lstStyle/>
           <a:p>
             <a:r>
-              <a:rPr lang="en-US" smtClean="0"/>
+              <a:rPr lang="en-US"/>
               <a:t>Click to edit Master title style</a:t>
             </a:r>
-            <a:endParaRPr lang="en-US"/>
           </a:p>
         </p:txBody>
       </p:sp>
@@ -1064,10 +1078,9 @@
           </a:lstStyle>
           <a:p>
             <a:r>
-              <a:rPr lang="en-US" smtClean="0"/>
+              <a:rPr lang="en-US"/>
               <a:t>Click to edit Master subtitle style</a:t>
             </a:r>
-            <a:endParaRPr lang="en-US"/>
           </a:p>
         </p:txBody>
       </p:sp>
@@ -1089,7 +1102,7 @@
             <a:fld id="{D2B0725E-F383-4DF3-9A54-987712E05A1E}" type="datetimeFigureOut">
               <a:rPr lang="en-US" smtClean="0"/>
               <a:pPr/>
-              <a:t>10/14/2017</a:t>
+              <a:t>10/25/2018</a:t>
             </a:fld>
             <a:endParaRPr lang="en-US"/>
           </a:p>
@@ -1179,10 +1192,9 @@
           <a:lstStyle/>
           <a:p>
             <a:r>
-              <a:rPr lang="en-US" smtClean="0"/>
+              <a:rPr lang="en-US"/>
               <a:t>Click to edit Master title style</a:t>
             </a:r>
-            <a:endParaRPr lang="en-US"/>
           </a:p>
         </p:txBody>
       </p:sp>
@@ -1203,38 +1215,37 @@
           <a:p>
             <a:pPr lvl="0"/>
             <a:r>
-              <a:rPr lang="en-US" smtClean="0"/>
+              <a:rPr lang="en-US"/>
               <a:t>Click to edit Master text styles</a:t>
             </a:r>
           </a:p>
           <a:p>
             <a:pPr lvl="1"/>
             <a:r>
-              <a:rPr lang="en-US" smtClean="0"/>
+              <a:rPr lang="en-US"/>
               <a:t>Second level</a:t>
             </a:r>
           </a:p>
           <a:p>
             <a:pPr lvl="2"/>
             <a:r>
-              <a:rPr lang="en-US" smtClean="0"/>
+              <a:rPr lang="en-US"/>
               <a:t>Third level</a:t>
             </a:r>
           </a:p>
           <a:p>
             <a:pPr lvl="3"/>
             <a:r>
-              <a:rPr lang="en-US" smtClean="0"/>
+              <a:rPr lang="en-US"/>
               <a:t>Fourth level</a:t>
             </a:r>
           </a:p>
           <a:p>
             <a:pPr lvl="4"/>
             <a:r>
-              <a:rPr lang="en-US" smtClean="0"/>
+              <a:rPr lang="en-US"/>
               <a:t>Fifth level</a:t>
             </a:r>
-            <a:endParaRPr lang="en-US"/>
           </a:p>
         </p:txBody>
       </p:sp>
@@ -1256,7 +1267,7 @@
             <a:fld id="{D2B0725E-F383-4DF3-9A54-987712E05A1E}" type="datetimeFigureOut">
               <a:rPr lang="en-US" smtClean="0"/>
               <a:pPr/>
-              <a:t>10/14/2017</a:t>
+              <a:t>10/25/2018</a:t>
             </a:fld>
             <a:endParaRPr lang="en-US"/>
           </a:p>
@@ -1351,10 +1362,9 @@
           <a:lstStyle/>
           <a:p>
             <a:r>
-              <a:rPr lang="en-US" smtClean="0"/>
+              <a:rPr lang="en-US"/>
               <a:t>Click to edit Master title style</a:t>
             </a:r>
-            <a:endParaRPr lang="en-US"/>
           </a:p>
         </p:txBody>
       </p:sp>
@@ -1380,38 +1390,37 @@
           <a:p>
             <a:pPr lvl="0"/>
             <a:r>
-              <a:rPr lang="en-US" smtClean="0"/>
+              <a:rPr lang="en-US"/>
               <a:t>Click to edit Master text styles</a:t>
             </a:r>
           </a:p>
           <a:p>
             <a:pPr lvl="1"/>
             <a:r>
-              <a:rPr lang="en-US" smtClean="0"/>
+              <a:rPr lang="en-US"/>
               <a:t>Second level</a:t>
             </a:r>
           </a:p>
           <a:p>
             <a:pPr lvl="2"/>
             <a:r>
-              <a:rPr lang="en-US" smtClean="0"/>
+              <a:rPr lang="en-US"/>
               <a:t>Third level</a:t>
             </a:r>
           </a:p>
           <a:p>
             <a:pPr lvl="3"/>
             <a:r>
-              <a:rPr lang="en-US" smtClean="0"/>
+              <a:rPr lang="en-US"/>
               <a:t>Fourth level</a:t>
             </a:r>
           </a:p>
           <a:p>
             <a:pPr lvl="4"/>
             <a:r>
-              <a:rPr lang="en-US" smtClean="0"/>
+              <a:rPr lang="en-US"/>
               <a:t>Fifth level</a:t>
             </a:r>
-            <a:endParaRPr lang="en-US"/>
           </a:p>
         </p:txBody>
       </p:sp>
@@ -1433,7 +1442,7 @@
             <a:fld id="{D2B0725E-F383-4DF3-9A54-987712E05A1E}" type="datetimeFigureOut">
               <a:rPr lang="en-US" smtClean="0"/>
               <a:pPr/>
-              <a:t>10/14/2017</a:t>
+              <a:t>10/25/2018</a:t>
             </a:fld>
             <a:endParaRPr lang="en-US"/>
           </a:p>
@@ -1523,10 +1532,9 @@
           <a:lstStyle/>
           <a:p>
             <a:r>
-              <a:rPr lang="en-US" smtClean="0"/>
+              <a:rPr lang="en-US"/>
               <a:t>Click to edit Master title style</a:t>
             </a:r>
-            <a:endParaRPr lang="en-US"/>
           </a:p>
         </p:txBody>
       </p:sp>
@@ -1547,38 +1555,37 @@
           <a:p>
             <a:pPr lvl="0"/>
             <a:r>
-              <a:rPr lang="en-US" smtClean="0"/>
+              <a:rPr lang="en-US"/>
               <a:t>Click to edit Master text styles</a:t>
             </a:r>
           </a:p>
           <a:p>
             <a:pPr lvl="1"/>
             <a:r>
-              <a:rPr lang="en-US" smtClean="0"/>
+              <a:rPr lang="en-US"/>
               <a:t>Second level</a:t>
             </a:r>
           </a:p>
           <a:p>
             <a:pPr lvl="2"/>
             <a:r>
-              <a:rPr lang="en-US" smtClean="0"/>
+              <a:rPr lang="en-US"/>
               <a:t>Third level</a:t>
             </a:r>
           </a:p>
           <a:p>
             <a:pPr lvl="3"/>
             <a:r>
-              <a:rPr lang="en-US" smtClean="0"/>
+              <a:rPr lang="en-US"/>
               <a:t>Fourth level</a:t>
             </a:r>
           </a:p>
           <a:p>
             <a:pPr lvl="4"/>
             <a:r>
-              <a:rPr lang="en-US" smtClean="0"/>
+              <a:rPr lang="en-US"/>
               <a:t>Fifth level</a:t>
             </a:r>
-            <a:endParaRPr lang="en-US"/>
           </a:p>
         </p:txBody>
       </p:sp>
@@ -1600,7 +1607,7 @@
             <a:fld id="{D2B0725E-F383-4DF3-9A54-987712E05A1E}" type="datetimeFigureOut">
               <a:rPr lang="en-US" smtClean="0"/>
               <a:pPr/>
-              <a:t>10/14/2017</a:t>
+              <a:t>10/25/2018</a:t>
             </a:fld>
             <a:endParaRPr lang="en-US"/>
           </a:p>
@@ -1699,10 +1706,9 @@
           </a:lstStyle>
           <a:p>
             <a:r>
-              <a:rPr lang="en-US" smtClean="0"/>
+              <a:rPr lang="en-US"/>
               <a:t>Click to edit Master title style</a:t>
             </a:r>
-            <a:endParaRPr lang="en-US"/>
           </a:p>
         </p:txBody>
       </p:sp>
@@ -1819,7 +1825,7 @@
           <a:p>
             <a:pPr lvl="0"/>
             <a:r>
-              <a:rPr lang="en-US" smtClean="0"/>
+              <a:rPr lang="en-US"/>
               <a:t>Click to edit Master text styles</a:t>
             </a:r>
           </a:p>
@@ -1843,7 +1849,7 @@
             <a:fld id="{D2B0725E-F383-4DF3-9A54-987712E05A1E}" type="datetimeFigureOut">
               <a:rPr lang="en-US" smtClean="0"/>
               <a:pPr/>
-              <a:t>10/14/2017</a:t>
+              <a:t>10/25/2018</a:t>
             </a:fld>
             <a:endParaRPr lang="en-US"/>
           </a:p>
@@ -1933,10 +1939,9 @@
           <a:lstStyle/>
           <a:p>
             <a:r>
-              <a:rPr lang="en-US" smtClean="0"/>
+              <a:rPr lang="en-US"/>
               <a:t>Click to edit Master title style</a:t>
             </a:r>
-            <a:endParaRPr lang="en-US"/>
           </a:p>
         </p:txBody>
       </p:sp>
@@ -1990,38 +1995,37 @@
           <a:p>
             <a:pPr lvl="0"/>
             <a:r>
-              <a:rPr lang="en-US" smtClean="0"/>
+              <a:rPr lang="en-US"/>
               <a:t>Click to edit Master text styles</a:t>
             </a:r>
           </a:p>
           <a:p>
             <a:pPr lvl="1"/>
             <a:r>
-              <a:rPr lang="en-US" smtClean="0"/>
+              <a:rPr lang="en-US"/>
               <a:t>Second level</a:t>
             </a:r>
           </a:p>
           <a:p>
             <a:pPr lvl="2"/>
             <a:r>
-              <a:rPr lang="en-US" smtClean="0"/>
+              <a:rPr lang="en-US"/>
               <a:t>Third level</a:t>
             </a:r>
           </a:p>
           <a:p>
             <a:pPr lvl="3"/>
             <a:r>
-              <a:rPr lang="en-US" smtClean="0"/>
+              <a:rPr lang="en-US"/>
               <a:t>Fourth level</a:t>
             </a:r>
           </a:p>
           <a:p>
             <a:pPr lvl="4"/>
             <a:r>
-              <a:rPr lang="en-US" smtClean="0"/>
+              <a:rPr lang="en-US"/>
               <a:t>Fifth level</a:t>
             </a:r>
-            <a:endParaRPr lang="en-US"/>
           </a:p>
         </p:txBody>
       </p:sp>
@@ -2075,38 +2079,37 @@
           <a:p>
             <a:pPr lvl="0"/>
             <a:r>
-              <a:rPr lang="en-US" smtClean="0"/>
+              <a:rPr lang="en-US"/>
               <a:t>Click to edit Master text styles</a:t>
             </a:r>
           </a:p>
           <a:p>
             <a:pPr lvl="1"/>
             <a:r>
-              <a:rPr lang="en-US" smtClean="0"/>
+              <a:rPr lang="en-US"/>
               <a:t>Second level</a:t>
             </a:r>
           </a:p>
           <a:p>
             <a:pPr lvl="2"/>
             <a:r>
-              <a:rPr lang="en-US" smtClean="0"/>
+              <a:rPr lang="en-US"/>
               <a:t>Third level</a:t>
             </a:r>
           </a:p>
           <a:p>
             <a:pPr lvl="3"/>
             <a:r>
-              <a:rPr lang="en-US" smtClean="0"/>
+              <a:rPr lang="en-US"/>
               <a:t>Fourth level</a:t>
             </a:r>
           </a:p>
           <a:p>
             <a:pPr lvl="4"/>
             <a:r>
-              <a:rPr lang="en-US" smtClean="0"/>
+              <a:rPr lang="en-US"/>
               <a:t>Fifth level</a:t>
             </a:r>
-            <a:endParaRPr lang="en-US"/>
           </a:p>
         </p:txBody>
       </p:sp>
@@ -2128,7 +2131,7 @@
             <a:fld id="{D2B0725E-F383-4DF3-9A54-987712E05A1E}" type="datetimeFigureOut">
               <a:rPr lang="en-US" smtClean="0"/>
               <a:pPr/>
-              <a:t>10/14/2017</a:t>
+              <a:t>10/25/2018</a:t>
             </a:fld>
             <a:endParaRPr lang="en-US"/>
           </a:p>
@@ -2222,10 +2225,9 @@
           </a:lstStyle>
           <a:p>
             <a:r>
-              <a:rPr lang="en-US" smtClean="0"/>
+              <a:rPr lang="en-US"/>
               <a:t>Click to edit Master title style</a:t>
             </a:r>
-            <a:endParaRPr lang="en-US"/>
           </a:p>
         </p:txBody>
       </p:sp>
@@ -2288,7 +2290,7 @@
           <a:p>
             <a:pPr lvl="0"/>
             <a:r>
-              <a:rPr lang="en-US" smtClean="0"/>
+              <a:rPr lang="en-US"/>
               <a:t>Click to edit Master text styles</a:t>
             </a:r>
           </a:p>
@@ -2344,38 +2346,37 @@
           <a:p>
             <a:pPr lvl="0"/>
             <a:r>
-              <a:rPr lang="en-US" smtClean="0"/>
+              <a:rPr lang="en-US"/>
               <a:t>Click to edit Master text styles</a:t>
             </a:r>
           </a:p>
           <a:p>
             <a:pPr lvl="1"/>
             <a:r>
-              <a:rPr lang="en-US" smtClean="0"/>
+              <a:rPr lang="en-US"/>
               <a:t>Second level</a:t>
             </a:r>
           </a:p>
           <a:p>
             <a:pPr lvl="2"/>
             <a:r>
-              <a:rPr lang="en-US" smtClean="0"/>
+              <a:rPr lang="en-US"/>
               <a:t>Third level</a:t>
             </a:r>
           </a:p>
           <a:p>
             <a:pPr lvl="3"/>
             <a:r>
-              <a:rPr lang="en-US" smtClean="0"/>
+              <a:rPr lang="en-US"/>
               <a:t>Fourth level</a:t>
             </a:r>
           </a:p>
           <a:p>
             <a:pPr lvl="4"/>
             <a:r>
-              <a:rPr lang="en-US" smtClean="0"/>
+              <a:rPr lang="en-US"/>
               <a:t>Fifth level</a:t>
             </a:r>
-            <a:endParaRPr lang="en-US"/>
           </a:p>
         </p:txBody>
       </p:sp>
@@ -2438,7 +2439,7 @@
           <a:p>
             <a:pPr lvl="0"/>
             <a:r>
-              <a:rPr lang="en-US" smtClean="0"/>
+              <a:rPr lang="en-US"/>
               <a:t>Click to edit Master text styles</a:t>
             </a:r>
           </a:p>
@@ -2494,38 +2495,37 @@
           <a:p>
             <a:pPr lvl="0"/>
             <a:r>
-              <a:rPr lang="en-US" smtClean="0"/>
+              <a:rPr lang="en-US"/>
               <a:t>Click to edit Master text styles</a:t>
             </a:r>
           </a:p>
           <a:p>
             <a:pPr lvl="1"/>
             <a:r>
-              <a:rPr lang="en-US" smtClean="0"/>
+              <a:rPr lang="en-US"/>
               <a:t>Second level</a:t>
             </a:r>
           </a:p>
           <a:p>
             <a:pPr lvl="2"/>
             <a:r>
-              <a:rPr lang="en-US" smtClean="0"/>
+              <a:rPr lang="en-US"/>
               <a:t>Third level</a:t>
             </a:r>
           </a:p>
           <a:p>
             <a:pPr lvl="3"/>
             <a:r>
-              <a:rPr lang="en-US" smtClean="0"/>
+              <a:rPr lang="en-US"/>
               <a:t>Fourth level</a:t>
             </a:r>
           </a:p>
           <a:p>
             <a:pPr lvl="4"/>
             <a:r>
-              <a:rPr lang="en-US" smtClean="0"/>
+              <a:rPr lang="en-US"/>
               <a:t>Fifth level</a:t>
             </a:r>
-            <a:endParaRPr lang="en-US"/>
           </a:p>
         </p:txBody>
       </p:sp>
@@ -2547,7 +2547,7 @@
             <a:fld id="{D2B0725E-F383-4DF3-9A54-987712E05A1E}" type="datetimeFigureOut">
               <a:rPr lang="en-US" smtClean="0"/>
               <a:pPr/>
-              <a:t>10/14/2017</a:t>
+              <a:t>10/25/2018</a:t>
             </a:fld>
             <a:endParaRPr lang="en-US"/>
           </a:p>
@@ -2637,10 +2637,9 @@
           <a:lstStyle/>
           <a:p>
             <a:r>
-              <a:rPr lang="en-US" smtClean="0"/>
+              <a:rPr lang="en-US"/>
               <a:t>Click to edit Master title style</a:t>
             </a:r>
-            <a:endParaRPr lang="en-US"/>
           </a:p>
         </p:txBody>
       </p:sp>
@@ -2662,7 +2661,7 @@
             <a:fld id="{D2B0725E-F383-4DF3-9A54-987712E05A1E}" type="datetimeFigureOut">
               <a:rPr lang="en-US" smtClean="0"/>
               <a:pPr/>
-              <a:t>10/14/2017</a:t>
+              <a:t>10/25/2018</a:t>
             </a:fld>
             <a:endParaRPr lang="en-US"/>
           </a:p>
@@ -2754,7 +2753,7 @@
             <a:fld id="{D2B0725E-F383-4DF3-9A54-987712E05A1E}" type="datetimeFigureOut">
               <a:rPr lang="en-US" smtClean="0"/>
               <a:pPr/>
-              <a:t>10/14/2017</a:t>
+              <a:t>10/25/2018</a:t>
             </a:fld>
             <a:endParaRPr lang="en-US"/>
           </a:p>
@@ -2853,10 +2852,9 @@
           </a:lstStyle>
           <a:p>
             <a:r>
-              <a:rPr lang="en-US" smtClean="0"/>
+              <a:rPr lang="en-US"/>
               <a:t>Click to edit Master title style</a:t>
             </a:r>
-            <a:endParaRPr lang="en-US"/>
           </a:p>
         </p:txBody>
       </p:sp>
@@ -2910,38 +2908,37 @@
           <a:p>
             <a:pPr lvl="0"/>
             <a:r>
-              <a:rPr lang="en-US" smtClean="0"/>
+              <a:rPr lang="en-US"/>
               <a:t>Click to edit Master text styles</a:t>
             </a:r>
           </a:p>
           <a:p>
             <a:pPr lvl="1"/>
             <a:r>
-              <a:rPr lang="en-US" smtClean="0"/>
+              <a:rPr lang="en-US"/>
               <a:t>Second level</a:t>
             </a:r>
           </a:p>
           <a:p>
             <a:pPr lvl="2"/>
             <a:r>
-              <a:rPr lang="en-US" smtClean="0"/>
+              <a:rPr lang="en-US"/>
               <a:t>Third level</a:t>
             </a:r>
           </a:p>
           <a:p>
             <a:pPr lvl="3"/>
             <a:r>
-              <a:rPr lang="en-US" smtClean="0"/>
+              <a:rPr lang="en-US"/>
               <a:t>Fourth level</a:t>
             </a:r>
           </a:p>
           <a:p>
             <a:pPr lvl="4"/>
             <a:r>
-              <a:rPr lang="en-US" smtClean="0"/>
+              <a:rPr lang="en-US"/>
               <a:t>Fifth level</a:t>
             </a:r>
-            <a:endParaRPr lang="en-US"/>
           </a:p>
         </p:txBody>
       </p:sp>
@@ -3004,7 +3001,7 @@
           <a:p>
             <a:pPr lvl="0"/>
             <a:r>
-              <a:rPr lang="en-US" smtClean="0"/>
+              <a:rPr lang="en-US"/>
               <a:t>Click to edit Master text styles</a:t>
             </a:r>
           </a:p>
@@ -3028,7 +3025,7 @@
             <a:fld id="{D2B0725E-F383-4DF3-9A54-987712E05A1E}" type="datetimeFigureOut">
               <a:rPr lang="en-US" smtClean="0"/>
               <a:pPr/>
-              <a:t>10/14/2017</a:t>
+              <a:t>10/25/2018</a:t>
             </a:fld>
             <a:endParaRPr lang="en-US"/>
           </a:p>
@@ -3127,10 +3124,9 @@
           </a:lstStyle>
           <a:p>
             <a:r>
-              <a:rPr lang="en-US" smtClean="0"/>
+              <a:rPr lang="en-US"/>
               <a:t>Click to edit Master title style</a:t>
             </a:r>
-            <a:endParaRPr lang="en-US"/>
           </a:p>
         </p:txBody>
       </p:sp>
@@ -3254,7 +3250,7 @@
           <a:p>
             <a:pPr lvl="0"/>
             <a:r>
-              <a:rPr lang="en-US" smtClean="0"/>
+              <a:rPr lang="en-US"/>
               <a:t>Click to edit Master text styles</a:t>
             </a:r>
           </a:p>
@@ -3278,7 +3274,7 @@
             <a:fld id="{D2B0725E-F383-4DF3-9A54-987712E05A1E}" type="datetimeFigureOut">
               <a:rPr lang="en-US" smtClean="0"/>
               <a:pPr/>
-              <a:t>10/14/2017</a:t>
+              <a:t>10/25/2018</a:t>
             </a:fld>
             <a:endParaRPr lang="en-US"/>
           </a:p>
@@ -3383,10 +3379,9 @@
           <a:lstStyle/>
           <a:p>
             <a:r>
-              <a:rPr lang="en-US" smtClean="0"/>
+              <a:rPr lang="en-US"/>
               <a:t>Click to edit Master title style</a:t>
             </a:r>
-            <a:endParaRPr lang="en-US"/>
           </a:p>
         </p:txBody>
       </p:sp>
@@ -3417,38 +3412,37 @@
           <a:p>
             <a:pPr lvl="0"/>
             <a:r>
-              <a:rPr lang="en-US" smtClean="0"/>
+              <a:rPr lang="en-US"/>
               <a:t>Click to edit Master text styles</a:t>
             </a:r>
           </a:p>
           <a:p>
             <a:pPr lvl="1"/>
             <a:r>
-              <a:rPr lang="en-US" smtClean="0"/>
+              <a:rPr lang="en-US"/>
               <a:t>Second level</a:t>
             </a:r>
           </a:p>
           <a:p>
             <a:pPr lvl="2"/>
             <a:r>
-              <a:rPr lang="en-US" smtClean="0"/>
+              <a:rPr lang="en-US"/>
               <a:t>Third level</a:t>
             </a:r>
           </a:p>
           <a:p>
             <a:pPr lvl="3"/>
             <a:r>
-              <a:rPr lang="en-US" smtClean="0"/>
+              <a:rPr lang="en-US"/>
               <a:t>Fourth level</a:t>
             </a:r>
           </a:p>
           <a:p>
             <a:pPr lvl="4"/>
             <a:r>
-              <a:rPr lang="en-US" smtClean="0"/>
+              <a:rPr lang="en-US"/>
               <a:t>Fifth level</a:t>
             </a:r>
-            <a:endParaRPr lang="en-US"/>
           </a:p>
         </p:txBody>
       </p:sp>
@@ -3488,7 +3482,7 @@
             <a:fld id="{D2B0725E-F383-4DF3-9A54-987712E05A1E}" type="datetimeFigureOut">
               <a:rPr lang="en-US" smtClean="0"/>
               <a:pPr/>
-              <a:t>10/14/2017</a:t>
+              <a:t>10/25/2018</a:t>
             </a:fld>
             <a:endParaRPr lang="en-US"/>
           </a:p>
@@ -3882,18 +3876,17 @@
           <a:lstStyle/>
           <a:p>
             <a:r>
-              <a:rPr lang="en-US" b="1" dirty="0" smtClean="0"/>
+              <a:rPr lang="en-US" b="1" dirty="0"/>
               <a:t>Brief Introduction of </a:t>
             </a:r>
             <a:r>
-              <a:rPr lang="en-US" b="1" dirty="0" err="1" smtClean="0"/>
+              <a:rPr lang="en-US" b="1" dirty="0" err="1"/>
               <a:t>SocketPro</a:t>
             </a:r>
             <a:r>
-              <a:rPr lang="en-US" b="1" dirty="0" smtClean="0"/>
+              <a:rPr lang="en-US" b="1" dirty="0"/>
               <a:t> Asynchronous Communication Framework for WAN</a:t>
             </a:r>
-            <a:endParaRPr lang="en-US" b="1" dirty="0"/>
           </a:p>
         </p:txBody>
       </p:sp>
@@ -3920,10 +3913,9 @@
           <a:lstStyle/>
           <a:p>
             <a:r>
-              <a:rPr lang="en-US" dirty="0" smtClean="0"/>
-              <a:t>Continuous Request Sending and Returning for the Highest Network Efficiency and Throughput</a:t>
-            </a:r>
-            <a:endParaRPr lang="en-US" dirty="0"/>
+              <a:rPr lang="en-US" dirty="0"/>
+              <a:t>Continuous Request Sending and Processing for the Highest Network Efficiency and Throughput</a:t>
+            </a:r>
           </a:p>
         </p:txBody>
       </p:sp>
@@ -3950,14 +3942,13 @@
           <a:lstStyle/>
           <a:p>
             <a:r>
-              <a:rPr lang="en-US" sz="2400" dirty="0" err="1" smtClean="0"/>
+              <a:rPr lang="en-US" sz="2400" dirty="0" err="1"/>
               <a:t>Yuancai</a:t>
             </a:r>
             <a:r>
-              <a:rPr lang="en-US" sz="2400" dirty="0" smtClean="0"/>
+              <a:rPr lang="en-US" sz="2400" dirty="0"/>
               <a:t> (Charlie) Ye</a:t>
             </a:r>
-            <a:endParaRPr lang="en-US" sz="2400" dirty="0"/>
           </a:p>
         </p:txBody>
       </p:sp>
@@ -3966,13 +3957,6 @@
   <p:clrMapOvr>
     <a:masterClrMapping/>
   </p:clrMapOvr>
-  <p:timing>
-    <p:tnLst>
-      <p:par>
-        <p:cTn id="1" dur="indefinite" restart="never" nodeType="tmRoot"/>
-      </p:par>
-    </p:tnLst>
-  </p:timing>
 </p:sld>
 </file>
 
@@ -4009,10 +3993,9 @@
           <a:lstStyle/>
           <a:p>
             <a:r>
-              <a:rPr lang="en-US" b="1" dirty="0" smtClean="0"/>
+              <a:rPr lang="en-US" b="1" dirty="0"/>
               <a:t>Client/Server Pattern</a:t>
             </a:r>
-            <a:endParaRPr lang="en-US" b="1" dirty="0"/>
           </a:p>
         </p:txBody>
       </p:sp>
@@ -4094,25 +4077,20 @@
           <a:lstStyle/>
           <a:p>
             <a:r>
-              <a:rPr lang="en-US" b="1" dirty="0" err="1" smtClean="0"/>
+              <a:rPr lang="en-US" b="1" dirty="0" err="1"/>
               <a:t>SocketPro</a:t>
             </a:r>
             <a:r>
-              <a:rPr lang="en-US" b="1" dirty="0" smtClean="0"/>
+              <a:rPr lang="en-US" b="1" dirty="0"/>
               <a:t> Subscribe/Publish</a:t>
             </a:r>
-            <a:r>
-              <a:rPr lang="en-US" dirty="0" smtClean="0"/>
-              <a:t/>
-            </a:r>
             <a:br>
-              <a:rPr lang="en-US" dirty="0" smtClean="0"/>
+              <a:rPr lang="en-US" dirty="0"/>
             </a:br>
             <a:r>
-              <a:rPr lang="en-US" sz="2700" dirty="0" smtClean="0"/>
+              <a:rPr lang="en-US" sz="2700" dirty="0"/>
               <a:t>(Internet chat or online messaging) </a:t>
             </a:r>
-            <a:endParaRPr lang="en-US" sz="2700" dirty="0"/>
           </a:p>
         </p:txBody>
       </p:sp>
@@ -4224,22 +4202,13 @@
           <a:lstStyle/>
           <a:p>
             <a:r>
-              <a:rPr lang="en-US" b="1" dirty="0" err="1" smtClean="0"/>
+              <a:rPr lang="en-US" b="1" dirty="0" err="1"/>
               <a:t>SocketPro</a:t>
             </a:r>
             <a:r>
-              <a:rPr lang="en-US" b="1" dirty="0" smtClean="0"/>
-              <a:t> Persistent </a:t>
-            </a:r>
-            <a:r>
               <a:rPr lang="en-US" b="1" dirty="0"/>
-              <a:t>M</a:t>
-            </a:r>
-            <a:r>
-              <a:rPr lang="en-US" b="1" dirty="0" smtClean="0"/>
-              <a:t>essage Queue</a:t>
-            </a:r>
-            <a:endParaRPr lang="en-US" b="1" dirty="0"/>
+              <a:t> Persistent Message Queue</a:t>
+            </a:r>
           </a:p>
         </p:txBody>
       </p:sp>
@@ -4298,19 +4267,19 @@
           <a:lstStyle/>
           <a:p>
             <a:r>
-              <a:rPr lang="en-US" sz="2000" b="1" dirty="0" smtClean="0"/>
+              <a:rPr lang="en-US" sz="2000" b="1" dirty="0"/>
               <a:t>Advantages of </a:t>
             </a:r>
             <a:r>
-              <a:rPr lang="en-US" sz="2000" b="1" dirty="0" err="1" smtClean="0"/>
+              <a:rPr lang="en-US" sz="2000" b="1" dirty="0" err="1"/>
               <a:t>SocketPro</a:t>
             </a:r>
             <a:r>
-              <a:rPr lang="en-US" sz="2000" b="1" dirty="0" smtClean="0"/>
+              <a:rPr lang="en-US" sz="2000" b="1" dirty="0"/>
               <a:t> over </a:t>
             </a:r>
             <a:r>
-              <a:rPr lang="en-US" sz="2000" b="1" dirty="0" smtClean="0">
+              <a:rPr lang="en-US" sz="2000" b="1" dirty="0">
                 <a:solidFill>
                   <a:srgbClr val="0070C0"/>
                 </a:solidFill>
@@ -4318,7 +4287,7 @@
               <a:t>Kafka</a:t>
             </a:r>
             <a:r>
-              <a:rPr lang="en-US" sz="2000" b="1" dirty="0" smtClean="0"/>
+              <a:rPr lang="en-US" sz="2000" b="1" dirty="0"/>
               <a:t>:</a:t>
             </a:r>
           </a:p>
@@ -4351,7 +4320,7 @@
               <a:buAutoNum type="arabicPeriod"/>
             </a:pPr>
             <a:r>
-              <a:rPr lang="en-US" dirty="0" smtClean="0"/>
+              <a:rPr lang="en-US" dirty="0"/>
               <a:t>Manual transaction</a:t>
             </a:r>
           </a:p>
@@ -4361,7 +4330,7 @@
               <a:buAutoNum type="arabicPeriod"/>
             </a:pPr>
             <a:r>
-              <a:rPr lang="en-US" dirty="0" smtClean="0"/>
+              <a:rPr lang="en-US" dirty="0"/>
               <a:t>Queue sharable among multiple consumers</a:t>
             </a:r>
           </a:p>
@@ -4371,7 +4340,7 @@
               <a:buAutoNum type="arabicPeriod"/>
             </a:pPr>
             <a:r>
-              <a:rPr lang="en-US" dirty="0" smtClean="0"/>
+              <a:rPr lang="en-US" dirty="0"/>
               <a:t>Real-time message availability event (low latency)</a:t>
             </a:r>
           </a:p>
@@ -4381,7 +4350,7 @@
               <a:buAutoNum type="arabicPeriod"/>
             </a:pPr>
             <a:r>
-              <a:rPr lang="en-US" dirty="0" smtClean="0"/>
+              <a:rPr lang="en-US" dirty="0"/>
               <a:t>No configuration settings</a:t>
             </a:r>
           </a:p>
@@ -4391,7 +4360,7 @@
               <a:buAutoNum type="arabicPeriod"/>
             </a:pPr>
             <a:r>
-              <a:rPr lang="en-US" dirty="0" smtClean="0"/>
+              <a:rPr lang="en-US" dirty="0"/>
               <a:t>Faster than Kafka in message writing</a:t>
             </a:r>
           </a:p>
@@ -4401,7 +4370,7 @@
               <a:buAutoNum type="arabicPeriod"/>
             </a:pPr>
             <a:r>
-              <a:rPr lang="en-US" dirty="0" smtClean="0"/>
+              <a:rPr lang="en-US" dirty="0"/>
               <a:t>Select a portion of requests to be queued persistently</a:t>
             </a:r>
           </a:p>
@@ -4411,7 +4380,7 @@
               <a:buAutoNum type="arabicPeriod"/>
             </a:pPr>
             <a:r>
-              <a:rPr lang="en-US" dirty="0" smtClean="0"/>
+              <a:rPr lang="en-US" dirty="0"/>
               <a:t>No message loss as messages can be backed up at provider side</a:t>
             </a:r>
           </a:p>
@@ -4467,21 +4436,20 @@
           <a:lstStyle/>
           <a:p>
             <a:r>
-              <a:rPr lang="en-US" dirty="0" smtClean="0"/>
+              <a:rPr lang="en-US" dirty="0"/>
               <a:t>Performance Comparison between</a:t>
             </a:r>
             <a:br>
-              <a:rPr lang="en-US" dirty="0" smtClean="0"/>
+              <a:rPr lang="en-US" dirty="0"/>
             </a:br>
             <a:r>
-              <a:rPr lang="en-US" sz="3600" dirty="0" err="1" smtClean="0"/>
+              <a:rPr lang="en-US" sz="3600" dirty="0" err="1"/>
               <a:t>SocketPro</a:t>
             </a:r>
             <a:r>
-              <a:rPr lang="en-US" sz="3600" dirty="0" smtClean="0"/>
+              <a:rPr lang="en-US" sz="3600" dirty="0"/>
               <a:t> Persistent Queue and Kafka</a:t>
             </a:r>
-            <a:endParaRPr lang="en-US" sz="3600" dirty="0"/>
           </a:p>
         </p:txBody>
       </p:sp>
@@ -4555,14 +4523,13 @@
           <a:lstStyle/>
           <a:p>
             <a:r>
-              <a:rPr lang="en-US" sz="3600" b="1" dirty="0" err="1" smtClean="0"/>
+              <a:rPr lang="en-US" sz="3600" b="1" dirty="0" err="1"/>
               <a:t>SocketPro</a:t>
             </a:r>
             <a:r>
-              <a:rPr lang="en-US" sz="3600" b="1" dirty="0" smtClean="0"/>
+              <a:rPr lang="en-US" sz="3600" b="1" dirty="0"/>
               <a:t> Server Request Routing for Loading Balance with Fault Tolerance</a:t>
             </a:r>
-            <a:endParaRPr lang="en-US" sz="3600" b="1" dirty="0"/>
           </a:p>
         </p:txBody>
       </p:sp>
@@ -4646,31 +4613,23 @@
           <a:lstStyle/>
           <a:p>
             <a:r>
-              <a:rPr lang="en-US" b="1" dirty="0" err="1" smtClean="0"/>
+              <a:rPr lang="en-US" b="1" dirty="0" err="1"/>
               <a:t>SocketPro</a:t>
             </a:r>
             <a:r>
-              <a:rPr lang="en-US" b="1" dirty="0" smtClean="0"/>
+              <a:rPr lang="en-US" b="1" dirty="0"/>
               <a:t> Replication with ACID</a:t>
             </a:r>
-            <a:r>
-              <a:rPr lang="en-US" dirty="0" smtClean="0"/>
-              <a:t/>
-            </a:r>
             <a:br>
-              <a:rPr lang="en-US" dirty="0" smtClean="0"/>
+              <a:rPr lang="en-US" dirty="0"/>
             </a:br>
             <a:r>
-              <a:rPr lang="en-US" sz="2000" dirty="0" smtClean="0"/>
+              <a:rPr lang="en-US" sz="2000" dirty="0"/>
               <a:t>(</a:t>
             </a:r>
             <a:r>
               <a:rPr lang="en-US" sz="2000" b="1" dirty="0"/>
-              <a:t>Atomicity, Consistency, Isolation, </a:t>
-            </a:r>
-            <a:r>
-              <a:rPr lang="en-US" sz="2000" b="1" dirty="0" smtClean="0"/>
-              <a:t>Durability)</a:t>
+              <a:t>Atomicity, Consistency, Isolation, Durability)</a:t>
             </a:r>
             <a:endParaRPr lang="en-US" sz="2000" dirty="0"/>
           </a:p>
@@ -4754,15 +4713,15 @@
           <a:lstStyle/>
           <a:p>
             <a:r>
-              <a:rPr lang="en-US" dirty="0" err="1" smtClean="0"/>
+              <a:rPr lang="en-US" dirty="0" err="1"/>
               <a:t>SocketPro</a:t>
             </a:r>
             <a:r>
-              <a:rPr lang="en-US" dirty="0" smtClean="0"/>
+              <a:rPr lang="en-US" dirty="0"/>
               <a:t> HTTP/</a:t>
             </a:r>
             <a:r>
-              <a:rPr lang="en-US" dirty="0" err="1" smtClean="0"/>
+              <a:rPr lang="en-US" dirty="0" err="1"/>
               <a:t>WebSocket</a:t>
             </a:r>
             <a:endParaRPr lang="en-US" dirty="0"/>
@@ -4842,11 +4801,11 @@
           <a:lstStyle/>
           <a:p>
             <a:r>
-              <a:rPr lang="en-US" b="1" dirty="0" smtClean="0"/>
+              <a:rPr lang="en-US" b="1" dirty="0"/>
               <a:t>Global Web Systems by </a:t>
             </a:r>
             <a:r>
-              <a:rPr lang="en-US" b="1" dirty="0" err="1" smtClean="0"/>
+              <a:rPr lang="en-US" b="1" dirty="0" err="1"/>
               <a:t>SocketPro</a:t>
             </a:r>
             <a:endParaRPr lang="en-US" b="1" dirty="0"/>
@@ -4928,10 +4887,9 @@
           <a:lstStyle/>
           <a:p>
             <a:r>
-              <a:rPr lang="en-US" sz="3400" b="1" dirty="0" smtClean="0"/>
+              <a:rPr lang="en-US" sz="3400" b="1" dirty="0"/>
               <a:t>Global Web Systems by Common Approach</a:t>
             </a:r>
-            <a:endParaRPr lang="en-US" sz="3400" b="1" dirty="0"/>
           </a:p>
         </p:txBody>
       </p:sp>
@@ -5015,21 +4973,16 @@
           <a:lstStyle/>
           <a:p>
             <a:r>
-              <a:rPr lang="en-US" sz="3600" b="1" dirty="0" smtClean="0"/>
+              <a:rPr lang="en-US" sz="3600" b="1" dirty="0"/>
               <a:t>Generic Middle Tier and Client Components</a:t>
             </a:r>
-            <a:r>
-              <a:rPr lang="en-US" dirty="0" smtClean="0"/>
-              <a:t/>
-            </a:r>
             <a:br>
-              <a:rPr lang="en-US" dirty="0" smtClean="0"/>
+              <a:rPr lang="en-US" dirty="0"/>
             </a:br>
             <a:r>
-              <a:rPr lang="en-US" sz="2700" dirty="0" smtClean="0"/>
+              <a:rPr lang="en-US" sz="2700" dirty="0"/>
               <a:t>(Real-time Cache and SQL/Request Streaming)</a:t>
             </a:r>
-            <a:endParaRPr lang="en-US" sz="2700" dirty="0"/>
           </a:p>
         </p:txBody>
       </p:sp>
@@ -5056,10 +5009,9 @@
           <a:lstStyle/>
           <a:p>
             <a:r>
-              <a:rPr lang="en-US" sz="6000" dirty="0" smtClean="0"/>
+              <a:rPr lang="en-US" sz="6000" dirty="0"/>
               <a:t>Developing</a:t>
             </a:r>
-            <a:endParaRPr lang="en-US" sz="6000" dirty="0"/>
           </a:p>
         </p:txBody>
       </p:sp>
@@ -5111,10 +5063,9 @@
           <a:lstStyle/>
           <a:p>
             <a:r>
-              <a:rPr lang="en-US" sz="3600" b="1" dirty="0" smtClean="0"/>
+              <a:rPr lang="en-US" sz="3600" b="1" dirty="0"/>
               <a:t>Two Basic Communication Patterns</a:t>
             </a:r>
-            <a:endParaRPr lang="en-US" sz="3600" b="1" dirty="0"/>
           </a:p>
         </p:txBody>
       </p:sp>
@@ -5155,13 +5106,6 @@
   <p:clrMapOvr>
     <a:masterClrMapping/>
   </p:clrMapOvr>
-  <p:timing>
-    <p:tnLst>
-      <p:par>
-        <p:cTn id="1" dur="indefinite" restart="never" nodeType="tmRoot"/>
-      </p:par>
-    </p:tnLst>
-  </p:timing>
 </p:sld>
 </file>
 
@@ -5269,7 +5213,7 @@
               <a:t>(</a:t>
             </a:r>
             <a:r>
-              <a:rPr lang="en-US" sz="1600" dirty="0" err="1" smtClean="0">
+              <a:rPr lang="en-US" sz="1600" dirty="0" err="1">
                 <a:solidFill>
                   <a:srgbClr val="000000"/>
                 </a:solidFill>
@@ -5277,20 +5221,12 @@
               <a:t>Async</a:t>
             </a:r>
             <a:r>
-              <a:rPr lang="en-US" sz="1600" dirty="0" smtClean="0">
-                <a:solidFill>
-                  <a:srgbClr val="000000"/>
-                </a:solidFill>
-              </a:rPr>
-              <a:t>/await, </a:t>
-            </a:r>
-            <a:r>
               <a:rPr lang="en-US" sz="1600" dirty="0">
                 <a:solidFill>
                   <a:srgbClr val="000000"/>
                 </a:solidFill>
               </a:rPr>
-              <a:t>integrated computation modes, freedom, flexibility and rich features)</a:t>
+              <a:t>/await, integrated computation modes, freedom, flexibility and rich features)</a:t>
             </a:r>
           </a:p>
           <a:p>
@@ -5769,40 +5705,27 @@
           <a:lstStyle/>
           <a:p>
             <a:r>
-              <a:rPr lang="en-US" b="1" dirty="0" smtClean="0"/>
+              <a:rPr lang="en-US" b="1" dirty="0"/>
               <a:t>Companies for </a:t>
             </a:r>
             <a:r>
-              <a:rPr lang="en-US" b="1" dirty="0" err="1" smtClean="0"/>
+              <a:rPr lang="en-US" b="1" dirty="0" err="1"/>
               <a:t>SocketPro</a:t>
             </a:r>
-            <a:r>
-              <a:rPr lang="en-US" b="1" dirty="0" smtClean="0"/>
-              <a:t/>
-            </a:r>
             <a:br>
-              <a:rPr lang="en-US" b="1" dirty="0" smtClean="0"/>
+              <a:rPr lang="en-US" b="1" dirty="0"/>
             </a:br>
-            <a:r>
-              <a:rPr lang="en-US" sz="2000" b="1" dirty="0" smtClean="0"/>
-              <a:t/>
-            </a:r>
             <a:br>
-              <a:rPr lang="en-US" sz="2000" b="1" dirty="0" smtClean="0"/>
+              <a:rPr lang="en-US" sz="2000" b="1" dirty="0"/>
             </a:br>
             <a:r>
-              <a:rPr lang="en-US" sz="3100" b="1" dirty="0" smtClean="0">
+              <a:rPr lang="en-US" sz="3100" b="1" dirty="0">
                 <a:solidFill>
                   <a:srgbClr val="00B050"/>
                 </a:solidFill>
               </a:rPr>
               <a:t>WAN Businesses</a:t>
             </a:r>
-            <a:endParaRPr lang="en-US" sz="3100" b="1" dirty="0">
-              <a:solidFill>
-                <a:srgbClr val="00B050"/>
-              </a:solidFill>
-            </a:endParaRPr>
           </a:p>
         </p:txBody>
       </p:sp>
@@ -5833,7 +5756,7 @@
               <a:buAutoNum type="arabicPeriod"/>
             </a:pPr>
             <a:r>
-              <a:rPr lang="en-US" dirty="0" smtClean="0"/>
+              <a:rPr lang="en-US" dirty="0"/>
               <a:t>Hybrid cloud (WAN)</a:t>
             </a:r>
           </a:p>
@@ -5843,7 +5766,7 @@
               <a:buAutoNum type="arabicPeriod"/>
             </a:pPr>
             <a:r>
-              <a:rPr lang="en-US" dirty="0" smtClean="0"/>
+              <a:rPr lang="en-US" dirty="0"/>
               <a:t>Globalization (WAN)</a:t>
             </a:r>
           </a:p>
@@ -5853,7 +5776,7 @@
               <a:buAutoNum type="arabicPeriod"/>
             </a:pPr>
             <a:r>
-              <a:rPr lang="en-US" dirty="0" smtClean="0"/>
+              <a:rPr lang="en-US" dirty="0"/>
               <a:t>Centralized data center for better security and management (WAN)</a:t>
             </a:r>
           </a:p>
@@ -5863,7 +5786,7 @@
               <a:buAutoNum type="arabicPeriod"/>
             </a:pPr>
             <a:r>
-              <a:rPr lang="en-US" dirty="0" smtClean="0"/>
+              <a:rPr lang="en-US" dirty="0"/>
               <a:t>Applications require decent stability, performance and scalability</a:t>
             </a:r>
           </a:p>
@@ -5873,7 +5796,7 @@
               <a:buAutoNum type="arabicPeriod"/>
             </a:pPr>
             <a:r>
-              <a:rPr lang="en-US" dirty="0" smtClean="0"/>
+              <a:rPr lang="en-US" dirty="0"/>
               <a:t>Faster development</a:t>
             </a:r>
           </a:p>
@@ -5906,11 +5829,11 @@
               <a:buAutoNum type="arabicPeriod"/>
             </a:pPr>
             <a:r>
-              <a:rPr lang="en-US" dirty="0" err="1" smtClean="0"/>
+              <a:rPr lang="en-US" dirty="0" err="1"/>
               <a:t>SocketPro</a:t>
             </a:r>
             <a:r>
-              <a:rPr lang="en-US" dirty="0" smtClean="0"/>
+              <a:rPr lang="en-US" dirty="0"/>
               <a:t> is running great on WAN and high latency due to its streaming feature.</a:t>
             </a:r>
           </a:p>
@@ -5920,14 +5843,14 @@
               <a:buAutoNum type="arabicPeriod"/>
             </a:pPr>
             <a:r>
-              <a:rPr lang="en-US" dirty="0" smtClean="0"/>
+              <a:rPr lang="en-US" dirty="0"/>
               <a:t>Less integration cost with </a:t>
             </a:r>
             <a:r>
-              <a:rPr lang="en-US" dirty="0" err="1" smtClean="0"/>
+              <a:rPr lang="en-US" dirty="0" err="1"/>
               <a:t>SocketPro</a:t>
             </a:r>
-            <a:endParaRPr lang="en-US" dirty="0" smtClean="0"/>
+            <a:endParaRPr lang="en-US" dirty="0"/>
           </a:p>
           <a:p>
             <a:pPr marL="342900" indent="-342900">
@@ -5935,18 +5858,17 @@
               <a:buAutoNum type="arabicPeriod"/>
             </a:pPr>
             <a:r>
-              <a:rPr lang="en-US" dirty="0" smtClean="0"/>
+              <a:rPr lang="en-US" dirty="0"/>
               <a:t>There is fewer competitors for WAN businesses to </a:t>
             </a:r>
             <a:r>
-              <a:rPr lang="en-US" dirty="0" err="1" smtClean="0"/>
+              <a:rPr lang="en-US" dirty="0" err="1"/>
               <a:t>SocketPro</a:t>
             </a:r>
             <a:r>
-              <a:rPr lang="en-US" dirty="0" smtClean="0"/>
+              <a:rPr lang="en-US" dirty="0"/>
               <a:t> yet.</a:t>
             </a:r>
-            <a:endParaRPr lang="en-US" dirty="0"/>
           </a:p>
         </p:txBody>
       </p:sp>
@@ -6017,14 +5939,14 @@
               </a:tabLst>
             </a:pPr>
             <a:r>
-              <a:rPr lang="en-US" sz="3600" b="1" dirty="0" smtClean="0"/>
+              <a:rPr lang="en-US" sz="3600" b="1" dirty="0"/>
               <a:t>Major Challenges</a:t>
             </a:r>
             <a:br>
-              <a:rPr lang="en-US" sz="3600" b="1" dirty="0" smtClean="0"/>
+              <a:rPr lang="en-US" sz="3600" b="1" dirty="0"/>
             </a:br>
             <a:r>
-              <a:rPr lang="en-US" sz="3600" b="1" dirty="0" smtClean="0"/>
+              <a:rPr lang="en-US" sz="3600" b="1" dirty="0"/>
               <a:t>Funding/Human Resources</a:t>
             </a:r>
           </a:p>
@@ -6074,7 +5996,7 @@
                 <a:tab pos="10055225" algn="l"/>
               </a:tabLst>
             </a:pPr>
-            <a:endParaRPr lang="en-US" sz="2400" dirty="0" smtClean="0"/>
+            <a:endParaRPr lang="en-US" sz="2400" dirty="0"/>
           </a:p>
           <a:p>
             <a:pPr marL="341313" indent="-341313" eaLnBrk="1" hangingPunct="1">
@@ -6101,7 +6023,7 @@
               </a:tabLst>
             </a:pPr>
             <a:r>
-              <a:rPr lang="en-US" sz="2400" dirty="0" smtClean="0"/>
+              <a:rPr lang="en-US" sz="2400" dirty="0"/>
               <a:t>Business developments and marketing</a:t>
             </a:r>
           </a:p>
@@ -6130,7 +6052,7 @@
               </a:tabLst>
             </a:pPr>
             <a:r>
-              <a:rPr lang="en-US" sz="2400" dirty="0" smtClean="0"/>
+              <a:rPr lang="en-US" sz="2400" dirty="0"/>
               <a:t>Better documentations</a:t>
             </a:r>
           </a:p>
@@ -6159,7 +6081,7 @@
               </a:tabLst>
             </a:pPr>
             <a:r>
-              <a:rPr lang="en-US" sz="2400" dirty="0" smtClean="0"/>
+              <a:rPr lang="en-US" sz="2400" dirty="0"/>
               <a:t>More QA tests</a:t>
             </a:r>
           </a:p>
@@ -6188,22 +6110,22 @@
               </a:tabLst>
             </a:pPr>
             <a:r>
-              <a:rPr lang="en-US" sz="2400" dirty="0" smtClean="0"/>
+              <a:rPr lang="en-US" sz="2400" dirty="0"/>
               <a:t>Not available for </a:t>
             </a:r>
             <a:r>
-              <a:rPr lang="en-US" sz="2400" dirty="0" err="1" smtClean="0"/>
+              <a:rPr lang="en-US" sz="2400" dirty="0" err="1"/>
               <a:t>IPhone</a:t>
             </a:r>
             <a:r>
-              <a:rPr lang="en-US" sz="2400" dirty="0" smtClean="0"/>
+              <a:rPr lang="en-US" sz="2400" dirty="0"/>
               <a:t>, Android and </a:t>
             </a:r>
             <a:r>
-              <a:rPr lang="en-US" sz="2400" dirty="0" err="1" smtClean="0"/>
+              <a:rPr lang="en-US" sz="2400" dirty="0" err="1"/>
               <a:t>MacOS</a:t>
             </a:r>
-            <a:endParaRPr lang="en-US" sz="2400" dirty="0" smtClean="0"/>
+            <a:endParaRPr lang="en-US" sz="2400" dirty="0"/>
           </a:p>
           <a:p>
             <a:pPr marL="341313" indent="-341313" eaLnBrk="1" hangingPunct="1">
@@ -6230,7 +6152,7 @@
               </a:tabLst>
             </a:pPr>
             <a:r>
-              <a:rPr lang="en-US" sz="2400" dirty="0" smtClean="0"/>
+              <a:rPr lang="en-US" sz="2400" dirty="0"/>
               <a:t>Many adapters (PHP and Node.js) not completed yet</a:t>
             </a:r>
           </a:p>
@@ -6259,7 +6181,7 @@
               </a:tabLst>
             </a:pPr>
             <a:r>
-              <a:rPr lang="en-US" sz="2400" dirty="0" smtClean="0"/>
+              <a:rPr lang="en-US" sz="2400" dirty="0"/>
               <a:t>Create services for customers</a:t>
             </a:r>
           </a:p>
@@ -6288,7 +6210,7 @@
               </a:tabLst>
             </a:pPr>
             <a:r>
-              <a:rPr lang="en-US" sz="2400" dirty="0" smtClean="0"/>
+              <a:rPr lang="en-US" sz="2400" dirty="0"/>
               <a:t>Generic client and middle tier with real-time cache</a:t>
             </a:r>
           </a:p>
@@ -6317,7 +6239,7 @@
               </a:tabLst>
             </a:pPr>
             <a:r>
-              <a:rPr lang="en-US" sz="2400" dirty="0" smtClean="0"/>
+              <a:rPr lang="en-US" sz="2400" dirty="0"/>
               <a:t>Remote file service</a:t>
             </a:r>
           </a:p>
@@ -6392,10 +6314,9 @@
           <a:lstStyle/>
           <a:p>
             <a:r>
-              <a:rPr lang="en-US" dirty="0" smtClean="0"/>
+              <a:rPr lang="en-US" dirty="0"/>
               <a:t>Major Web Sites</a:t>
             </a:r>
-            <a:endParaRPr lang="en-US" dirty="0"/>
           </a:p>
         </p:txBody>
       </p:sp>
@@ -6415,39 +6336,39 @@
           <a:lstStyle/>
           <a:p>
             <a:r>
-              <a:rPr lang="en-US" dirty="0" smtClean="0">
+              <a:rPr lang="en-US" dirty="0">
                 <a:hlinkClick r:id="rId2"/>
               </a:rPr>
               <a:t>https://github.com/udaparts/socketpro</a:t>
             </a:r>
-            <a:endParaRPr lang="en-US" dirty="0" smtClean="0"/>
-          </a:p>
-          <a:p>
-            <a:r>
-              <a:rPr lang="en-US" dirty="0" smtClean="0">
+            <a:endParaRPr lang="en-US" dirty="0"/>
+          </a:p>
+          <a:p>
+            <a:r>
+              <a:rPr lang="en-US" dirty="0">
                 <a:hlinkClick r:id="rId3"/>
               </a:rPr>
               <a:t>http://www.udaparts.com/</a:t>
             </a:r>
-            <a:endParaRPr lang="en-US" dirty="0" smtClean="0"/>
-          </a:p>
-          <a:p>
-            <a:r>
-              <a:rPr lang="en-US" dirty="0" smtClean="0">
+            <a:endParaRPr lang="en-US" dirty="0"/>
+          </a:p>
+          <a:p>
+            <a:r>
+              <a:rPr lang="en-US" dirty="0">
                 <a:hlinkClick r:id="rId4"/>
               </a:rPr>
               <a:t>https://www.codeproject.com/Articles/1204807/Brief-introduction-of-a-continuous-SQL-stream-send</a:t>
             </a:r>
-            <a:endParaRPr lang="en-US" dirty="0" smtClean="0"/>
-          </a:p>
-          <a:p>
-            <a:r>
-              <a:rPr lang="en-US" dirty="0" smtClean="0">
+            <a:endParaRPr lang="en-US" dirty="0"/>
+          </a:p>
+          <a:p>
+            <a:r>
+              <a:rPr lang="en-US" dirty="0">
                 <a:hlinkClick r:id="rId5"/>
               </a:rPr>
               <a:t>https://www.codeproject.com/Articles/1207129/Brief-introduction-of-a-continuous-SQL-stream-se</a:t>
             </a:r>
-            <a:endParaRPr lang="en-US" dirty="0" smtClean="0"/>
+            <a:endParaRPr lang="en-US" dirty="0"/>
           </a:p>
         </p:txBody>
       </p:sp>
@@ -6499,10 +6420,9 @@
           <a:lstStyle/>
           <a:p>
             <a:r>
-              <a:rPr lang="en-US" sz="8000" b="1" dirty="0" smtClean="0"/>
+              <a:rPr lang="en-US" sz="8000" b="1" dirty="0"/>
               <a:t>Questions ?</a:t>
             </a:r>
-            <a:endParaRPr lang="en-US" sz="8000" b="1" dirty="0"/>
           </a:p>
         </p:txBody>
       </p:sp>
@@ -6552,10 +6472,9 @@
           <a:lstStyle/>
           <a:p>
             <a:r>
-              <a:rPr lang="en-US" b="1" dirty="0" smtClean="0"/>
+              <a:rPr lang="en-US" b="1" dirty="0"/>
               <a:t>Advantages and Disadvantages</a:t>
             </a:r>
-            <a:endParaRPr lang="en-US" b="1" dirty="0"/>
           </a:p>
         </p:txBody>
       </p:sp>
@@ -6576,8 +6495,20 @@
             <a:tbl>
               <a:tblPr/>
               <a:tblGrid>
-                <a:gridCol w="4116388"/>
-                <a:gridCol w="4114800"/>
+                <a:gridCol w="4116388">
+                  <a:extLst>
+                    <a:ext uri="{9D8B030D-6E8A-4147-A177-3AD203B41FA5}">
+                      <a16:colId xmlns:a16="http://schemas.microsoft.com/office/drawing/2014/main" val="20000"/>
+                    </a:ext>
+                  </a:extLst>
+                </a:gridCol>
+                <a:gridCol w="4114800">
+                  <a:extLst>
+                    <a:ext uri="{9D8B030D-6E8A-4147-A177-3AD203B41FA5}">
+                      <a16:colId xmlns:a16="http://schemas.microsoft.com/office/drawing/2014/main" val="20001"/>
+                    </a:ext>
+                  </a:extLst>
+                </a:gridCol>
               </a:tblGrid>
               <a:tr h="697991">
                 <a:tc>
@@ -6615,7 +6546,7 @@
                         </a:tabLst>
                       </a:pPr>
                       <a:r>
-                        <a:rPr kumimoji="0" lang="en-US" sz="2800" b="1" i="0" u="none" strike="noStrike" cap="none" normalizeH="0" baseline="0" dirty="0" smtClean="0">
+                        <a:rPr kumimoji="0" lang="en-US" sz="2800" b="1" i="0" u="none" strike="noStrike" cap="none" normalizeH="0" baseline="0" dirty="0">
                           <a:ln>
                             <a:noFill/>
                           </a:ln>
@@ -6660,7 +6591,7 @@
                         </a:tabLst>
                       </a:pPr>
                       <a:r>
-                        <a:rPr kumimoji="0" lang="en-US" sz="1400" b="0" i="0" u="none" strike="noStrike" cap="none" normalizeH="0" baseline="0" dirty="0" smtClean="0">
+                        <a:rPr kumimoji="0" lang="en-US" sz="1400" b="0" i="0" u="none" strike="noStrike" cap="none" normalizeH="0" baseline="0" dirty="0">
                           <a:ln>
                             <a:noFill/>
                           </a:ln>
@@ -6756,7 +6687,7 @@
                         </a:tabLst>
                       </a:pPr>
                       <a:r>
-                        <a:rPr kumimoji="0" lang="en-US" sz="2800" b="1" i="0" u="none" strike="noStrike" cap="none" normalizeH="0" baseline="0" dirty="0" smtClean="0">
+                        <a:rPr kumimoji="0" lang="en-US" sz="2800" b="1" i="0" u="none" strike="noStrike" cap="none" normalizeH="0" baseline="0" dirty="0">
                           <a:ln>
                             <a:noFill/>
                           </a:ln>
@@ -6801,7 +6732,7 @@
                         </a:tabLst>
                       </a:pPr>
                       <a:r>
-                        <a:rPr kumimoji="0" lang="en-US" sz="1400" b="0" i="0" u="none" strike="noStrike" cap="none" normalizeH="0" baseline="0" dirty="0" smtClean="0">
+                        <a:rPr kumimoji="0" lang="en-US" sz="1400" b="0" i="0" u="none" strike="noStrike" cap="none" normalizeH="0" baseline="0" dirty="0">
                           <a:ln>
                             <a:noFill/>
                           </a:ln>
@@ -6862,6 +6793,11 @@
                     <a:noFill/>
                   </a:tcPr>
                 </a:tc>
+                <a:extLst>
+                  <a:ext uri="{0D108BD9-81ED-4DB2-BD59-A6C34878D82A}">
+                    <a16:rowId xmlns:a16="http://schemas.microsoft.com/office/drawing/2014/main" val="10000"/>
+                  </a:ext>
+                </a:extLst>
               </a:tr>
               <a:tr h="2052209">
                 <a:tc>
@@ -6901,7 +6837,7 @@
                         </a:tabLst>
                       </a:pPr>
                       <a:r>
-                        <a:rPr kumimoji="0" lang="en-US" sz="1400" b="0" i="0" u="none" strike="noStrike" cap="none" normalizeH="0" baseline="0" dirty="0" smtClean="0">
+                        <a:rPr kumimoji="0" lang="en-US" sz="1400" b="0" i="0" u="none" strike="noStrike" cap="none" normalizeH="0" baseline="0" dirty="0">
                           <a:ln>
                             <a:noFill/>
                           </a:ln>
@@ -6948,7 +6884,7 @@
                         </a:tabLst>
                       </a:pPr>
                       <a:r>
-                        <a:rPr kumimoji="0" lang="en-US" sz="1400" b="0" i="0" u="none" strike="noStrike" cap="none" normalizeH="0" baseline="0" dirty="0" smtClean="0">
+                        <a:rPr kumimoji="0" lang="en-US" sz="1400" b="0" i="0" u="none" strike="noStrike" cap="none" normalizeH="0" baseline="0" dirty="0">
                           <a:ln>
                             <a:noFill/>
                           </a:ln>
@@ -6995,7 +6931,7 @@
                         </a:tabLst>
                       </a:pPr>
                       <a:r>
-                        <a:rPr kumimoji="0" lang="en-US" sz="1400" b="0" i="0" u="none" strike="noStrike" cap="none" normalizeH="0" baseline="0" dirty="0" smtClean="0">
+                        <a:rPr kumimoji="0" lang="en-US" sz="1400" b="0" i="0" u="none" strike="noStrike" cap="none" normalizeH="0" baseline="0" dirty="0">
                           <a:ln>
                             <a:noFill/>
                           </a:ln>
@@ -7042,7 +6978,7 @@
                         </a:tabLst>
                       </a:pPr>
                       <a:r>
-                        <a:rPr kumimoji="0" lang="en-US" sz="1400" b="0" i="0" u="none" strike="noStrike" cap="none" normalizeH="0" baseline="0" dirty="0" smtClean="0">
+                        <a:rPr kumimoji="0" lang="en-US" sz="1400" b="0" i="0" u="none" strike="noStrike" cap="none" normalizeH="0" baseline="0" dirty="0">
                           <a:ln>
                             <a:noFill/>
                           </a:ln>
@@ -7089,7 +7025,7 @@
                         </a:tabLst>
                       </a:pPr>
                       <a:r>
-                        <a:rPr kumimoji="0" lang="en-US" sz="1400" b="0" i="0" u="none" strike="noStrike" cap="none" normalizeH="0" baseline="0" dirty="0" smtClean="0">
+                        <a:rPr kumimoji="0" lang="en-US" sz="1400" b="0" i="0" u="none" strike="noStrike" cap="none" normalizeH="0" baseline="0" dirty="0">
                           <a:ln>
                             <a:noFill/>
                           </a:ln>
@@ -7136,7 +7072,7 @@
                         </a:tabLst>
                       </a:pPr>
                       <a:r>
-                        <a:rPr kumimoji="0" lang="en-US" sz="1400" b="0" i="0" u="none" strike="noStrike" cap="none" normalizeH="0" baseline="0" dirty="0" smtClean="0">
+                        <a:rPr kumimoji="0" lang="en-US" sz="1400" b="0" i="0" u="none" strike="noStrike" cap="none" normalizeH="0" baseline="0" dirty="0">
                           <a:ln>
                             <a:noFill/>
                           </a:ln>
@@ -7234,7 +7170,7 @@
                         </a:tabLst>
                       </a:pPr>
                       <a:r>
-                        <a:rPr kumimoji="0" lang="en-US" sz="1400" b="0" i="0" u="none" strike="noStrike" cap="none" normalizeH="0" baseline="0" dirty="0" smtClean="0">
+                        <a:rPr kumimoji="0" lang="en-US" sz="1400" b="0" i="0" u="none" strike="noStrike" cap="none" normalizeH="0" baseline="0" dirty="0">
                           <a:ln>
                             <a:noFill/>
                           </a:ln>
@@ -7281,7 +7217,7 @@
                         </a:tabLst>
                       </a:pPr>
                       <a:r>
-                        <a:rPr kumimoji="0" lang="en-US" sz="1400" b="0" i="0" u="none" strike="noStrike" cap="none" normalizeH="0" baseline="0" dirty="0" smtClean="0">
+                        <a:rPr kumimoji="0" lang="en-US" sz="1400" b="0" i="0" u="none" strike="noStrike" cap="none" normalizeH="0" baseline="0" dirty="0">
                           <a:ln>
                             <a:noFill/>
                           </a:ln>
@@ -7328,7 +7264,7 @@
                         </a:tabLst>
                       </a:pPr>
                       <a:r>
-                        <a:rPr kumimoji="0" lang="en-US" sz="1400" b="0" i="0" u="none" strike="noStrike" cap="none" normalizeH="0" baseline="0" dirty="0" smtClean="0">
+                        <a:rPr kumimoji="0" lang="en-US" sz="1400" b="0" i="0" u="none" strike="noStrike" cap="none" normalizeH="0" baseline="0" dirty="0">
                           <a:ln>
                             <a:noFill/>
                           </a:ln>
@@ -7375,7 +7311,7 @@
                         </a:tabLst>
                       </a:pPr>
                       <a:r>
-                        <a:rPr kumimoji="0" lang="en-US" sz="1400" b="0" i="0" u="none" strike="noStrike" cap="none" normalizeH="0" baseline="0" dirty="0" smtClean="0">
+                        <a:rPr kumimoji="0" lang="en-US" sz="1400" b="0" i="0" u="none" strike="noStrike" cap="none" normalizeH="0" baseline="0" dirty="0">
                           <a:ln>
                             <a:noFill/>
                           </a:ln>
@@ -7389,7 +7325,7 @@
                         <a:t>Great for both LAN and </a:t>
                       </a:r>
                       <a:r>
-                        <a:rPr kumimoji="0" lang="en-US" sz="1400" b="1" i="0" u="none" strike="noStrike" cap="none" normalizeH="0" baseline="0" dirty="0" smtClean="0">
+                        <a:rPr kumimoji="0" lang="en-US" sz="1400" b="1" i="0" u="none" strike="noStrike" cap="none" normalizeH="0" baseline="0" dirty="0">
                           <a:ln>
                             <a:noFill/>
                           </a:ln>
@@ -7438,7 +7374,7 @@
                         </a:tabLst>
                       </a:pPr>
                       <a:r>
-                        <a:rPr kumimoji="0" lang="en-US" sz="1400" b="0" i="0" u="none" strike="noStrike" cap="none" normalizeH="0" baseline="0" dirty="0" smtClean="0">
+                        <a:rPr kumimoji="0" lang="en-US" sz="1400" b="0" i="0" u="none" strike="noStrike" cap="none" normalizeH="0" baseline="0" dirty="0">
                           <a:ln>
                             <a:noFill/>
                           </a:ln>
@@ -7452,7 +7388,7 @@
                         <a:t>Great performance, UI response and scalability because of </a:t>
                       </a:r>
                       <a:r>
-                        <a:rPr kumimoji="0" lang="en-US" sz="1400" b="0" i="0" u="none" strike="noStrike" cap="none" normalizeH="0" baseline="0" dirty="0" smtClean="0">
+                        <a:rPr kumimoji="0" lang="en-US" sz="1400" b="0" i="0" u="none" strike="noStrike" cap="none" normalizeH="0" baseline="0" dirty="0">
                           <a:ln>
                             <a:noFill/>
                           </a:ln>
@@ -7501,7 +7437,7 @@
                         </a:tabLst>
                       </a:pPr>
                       <a:r>
-                        <a:rPr kumimoji="0" lang="en-US" sz="1400" b="0" i="0" u="none" strike="noStrike" cap="none" normalizeH="0" baseline="0" dirty="0" smtClean="0">
+                        <a:rPr kumimoji="0" lang="en-US" sz="1400" b="0" i="0" u="none" strike="noStrike" cap="none" normalizeH="0" baseline="0" dirty="0">
                           <a:ln>
                             <a:noFill/>
                           </a:ln>
@@ -7515,7 +7451,7 @@
                         <a:t>Great for both </a:t>
                       </a:r>
                       <a:r>
-                        <a:rPr kumimoji="0" lang="en-US" sz="1400" b="1" i="0" u="none" strike="noStrike" cap="none" normalizeH="0" baseline="0" dirty="0" smtClean="0">
+                        <a:rPr kumimoji="0" lang="en-US" sz="1400" b="1" i="0" u="none" strike="noStrike" cap="none" normalizeH="0" baseline="0" dirty="0">
                           <a:ln>
                             <a:noFill/>
                           </a:ln>
@@ -7531,7 +7467,7 @@
                         <a:t>fat and thin </a:t>
                       </a:r>
                       <a:r>
-                        <a:rPr kumimoji="0" lang="en-US" sz="1400" b="0" i="0" u="none" strike="noStrike" cap="none" normalizeH="0" baseline="0" dirty="0" smtClean="0">
+                        <a:rPr kumimoji="0" lang="en-US" sz="1400" b="0" i="0" u="none" strike="noStrike" cap="none" normalizeH="0" baseline="0" dirty="0">
                           <a:ln>
                             <a:noFill/>
                           </a:ln>
@@ -7578,7 +7514,7 @@
                         </a:tabLst>
                       </a:pPr>
                       <a:r>
-                        <a:rPr kumimoji="0" lang="en-US" sz="1400" b="0" i="0" u="none" strike="noStrike" cap="none" normalizeH="0" baseline="0" dirty="0" smtClean="0">
+                        <a:rPr kumimoji="0" lang="en-US" sz="1400" b="0" i="0" u="none" strike="noStrike" cap="none" normalizeH="0" baseline="0" dirty="0">
                           <a:ln>
                             <a:noFill/>
                           </a:ln>
@@ -7625,7 +7561,7 @@
                         </a:tabLst>
                       </a:pPr>
                       <a:r>
-                        <a:rPr kumimoji="0" lang="en-US" sz="1400" b="0" i="0" u="none" strike="noStrike" cap="none" normalizeH="0" baseline="0" dirty="0" smtClean="0">
+                        <a:rPr kumimoji="0" lang="en-US" sz="1400" b="0" i="0" u="none" strike="noStrike" cap="none" normalizeH="0" baseline="0" dirty="0">
                           <a:ln>
                             <a:noFill/>
                           </a:ln>
@@ -7686,6 +7622,11 @@
                     <a:noFill/>
                   </a:tcPr>
                 </a:tc>
+                <a:extLst>
+                  <a:ext uri="{0D108BD9-81ED-4DB2-BD59-A6C34878D82A}">
+                    <a16:rowId xmlns:a16="http://schemas.microsoft.com/office/drawing/2014/main" val="10001"/>
+                  </a:ext>
+                </a:extLst>
               </a:tr>
               <a:tr h="1871013">
                 <a:tc>
@@ -7725,7 +7666,7 @@
                         </a:tabLst>
                       </a:pPr>
                       <a:r>
-                        <a:rPr kumimoji="0" lang="en-US" sz="1400" b="0" i="0" u="none" strike="noStrike" cap="none" normalizeH="0" baseline="0" dirty="0" smtClean="0">
+                        <a:rPr kumimoji="0" lang="en-US" sz="1400" b="0" i="0" u="none" strike="noStrike" cap="none" normalizeH="0" baseline="0" dirty="0">
                           <a:ln>
                             <a:noFill/>
                           </a:ln>
@@ -7772,7 +7713,7 @@
                         </a:tabLst>
                       </a:pPr>
                       <a:r>
-                        <a:rPr kumimoji="0" lang="en-US" sz="1400" b="0" i="0" u="none" strike="noStrike" cap="none" normalizeH="0" baseline="0" dirty="0" smtClean="0">
+                        <a:rPr kumimoji="0" lang="en-US" sz="1400" b="0" i="0" u="none" strike="noStrike" cap="none" normalizeH="0" baseline="0" dirty="0">
                           <a:ln>
                             <a:noFill/>
                           </a:ln>
@@ -7819,7 +7760,7 @@
                         </a:tabLst>
                       </a:pPr>
                       <a:r>
-                        <a:rPr kumimoji="0" lang="en-US" sz="1400" b="0" i="0" u="none" strike="noStrike" cap="none" normalizeH="0" baseline="0" dirty="0" smtClean="0">
+                        <a:rPr kumimoji="0" lang="en-US" sz="1400" b="0" i="0" u="none" strike="noStrike" cap="none" normalizeH="0" baseline="0" dirty="0">
                           <a:ln>
                             <a:noFill/>
                           </a:ln>
@@ -7866,7 +7807,7 @@
                         </a:tabLst>
                       </a:pPr>
                       <a:r>
-                        <a:rPr kumimoji="0" lang="en-US" sz="1400" b="0" i="0" u="none" strike="noStrike" cap="none" normalizeH="0" baseline="0" dirty="0" smtClean="0">
+                        <a:rPr kumimoji="0" lang="en-US" sz="1400" b="0" i="0" u="none" strike="noStrike" cap="none" normalizeH="0" baseline="0" dirty="0">
                           <a:ln>
                             <a:noFill/>
                           </a:ln>
@@ -7877,35 +7818,7 @@
                           <a:latin typeface="Arial" charset="0"/>
                           <a:cs typeface="Arial" charset="0"/>
                         </a:rPr>
-                        <a:t>Bad for Wide Area Networks </a:t>
-                      </a:r>
-                      <a:r>
-                        <a:rPr kumimoji="0" lang="en-US" sz="1400" b="0" i="0" u="none" strike="noStrike" cap="none" normalizeH="0" baseline="0" dirty="0" smtClean="0">
-                          <a:ln>
-                            <a:noFill/>
-                          </a:ln>
-                          <a:solidFill>
-                            <a:srgbClr val="000000"/>
-                          </a:solidFill>
-                          <a:effectLst/>
-                          <a:latin typeface="Arial" charset="0"/>
-                          <a:cs typeface="Arial" charset="0"/>
-                        </a:rPr>
-                        <a:t>(WAN</a:t>
-                      </a:r>
-                      <a:r>
-                        <a:rPr kumimoji="0" lang="en-US" sz="1400" b="0" i="0" u="none" strike="noStrike" cap="none" normalizeH="0" baseline="0" dirty="0" smtClean="0">
-                          <a:ln>
-                            <a:noFill/>
-                          </a:ln>
-                          <a:solidFill>
-                            <a:srgbClr val="000000"/>
-                          </a:solidFill>
-                          <a:effectLst/>
-                          <a:latin typeface="Arial" charset="0"/>
-                          <a:cs typeface="Arial" charset="0"/>
-                        </a:rPr>
-                        <a:t>) </a:t>
+                        <a:t>Bad for Wide Area Networks (WAN) </a:t>
                       </a:r>
                     </a:p>
                     <a:p>
@@ -7941,7 +7854,7 @@
                         </a:tabLst>
                       </a:pPr>
                       <a:r>
-                        <a:rPr kumimoji="0" lang="en-US" sz="1400" b="0" i="0" u="none" strike="noStrike" cap="none" normalizeH="0" baseline="0" dirty="0" smtClean="0">
+                        <a:rPr kumimoji="0" lang="en-US" sz="1400" b="0" i="0" u="none" strike="noStrike" cap="none" normalizeH="0" baseline="0" dirty="0">
                           <a:ln>
                             <a:noFill/>
                           </a:ln>
@@ -7988,7 +7901,7 @@
                         </a:tabLst>
                       </a:pPr>
                       <a:r>
-                        <a:rPr kumimoji="0" lang="en-US" sz="1400" b="0" i="0" u="none" strike="noStrike" cap="none" normalizeH="0" baseline="0" dirty="0" smtClean="0">
+                        <a:rPr kumimoji="0" lang="en-US" sz="1400" b="0" i="0" u="none" strike="noStrike" cap="none" normalizeH="0" baseline="0" dirty="0">
                           <a:ln>
                             <a:noFill/>
                           </a:ln>
@@ -8035,7 +7948,7 @@
                         </a:tabLst>
                       </a:pPr>
                       <a:r>
-                        <a:rPr kumimoji="0" lang="en-US" sz="1400" b="0" i="0" u="none" strike="noStrike" cap="none" normalizeH="0" baseline="0" dirty="0" smtClean="0">
+                        <a:rPr kumimoji="0" lang="en-US" sz="1400" b="0" i="0" u="none" strike="noStrike" cap="none" normalizeH="0" baseline="0" dirty="0">
                           <a:ln>
                             <a:noFill/>
                           </a:ln>
@@ -8082,7 +7995,7 @@
                         </a:tabLst>
                       </a:pPr>
                       <a:r>
-                        <a:rPr kumimoji="0" lang="en-US" sz="1400" b="0" i="0" u="none" strike="noStrike" cap="none" normalizeH="0" baseline="0" dirty="0" smtClean="0">
+                        <a:rPr kumimoji="0" lang="en-US" sz="1400" b="0" i="0" u="none" strike="noStrike" cap="none" normalizeH="0" baseline="0" dirty="0">
                           <a:ln>
                             <a:noFill/>
                           </a:ln>
@@ -8180,7 +8093,7 @@
                         </a:tabLst>
                       </a:pPr>
                       <a:r>
-                        <a:rPr kumimoji="0" lang="en-US" sz="1400" b="0" i="0" u="none" strike="noStrike" cap="none" normalizeH="0" baseline="0" dirty="0" smtClean="0">
+                        <a:rPr kumimoji="0" lang="en-US" sz="1400" b="0" i="0" u="none" strike="noStrike" cap="none" normalizeH="0" baseline="0" dirty="0">
                           <a:ln>
                             <a:noFill/>
                           </a:ln>
@@ -8227,7 +8140,7 @@
                         </a:tabLst>
                       </a:pPr>
                       <a:r>
-                        <a:rPr kumimoji="0" lang="en-US" sz="1400" b="0" i="0" u="none" strike="noStrike" cap="none" normalizeH="0" baseline="0" dirty="0" smtClean="0">
+                        <a:rPr kumimoji="0" lang="en-US" sz="1400" b="0" i="0" u="none" strike="noStrike" cap="none" normalizeH="0" baseline="0" dirty="0">
                           <a:ln>
                             <a:noFill/>
                           </a:ln>
@@ -8274,7 +8187,7 @@
                         </a:tabLst>
                       </a:pPr>
                       <a:r>
-                        <a:rPr kumimoji="0" lang="en-US" sz="1400" b="0" i="0" u="none" strike="noStrike" cap="none" normalizeH="0" baseline="0" dirty="0" smtClean="0">
+                        <a:rPr kumimoji="0" lang="en-US" sz="1400" b="0" i="0" u="none" strike="noStrike" cap="none" normalizeH="0" baseline="0" dirty="0">
                           <a:ln>
                             <a:noFill/>
                           </a:ln>
@@ -8321,7 +8234,7 @@
                         </a:tabLst>
                       </a:pPr>
                       <a:r>
-                        <a:rPr kumimoji="0" lang="en-US" sz="1400" b="0" i="0" u="none" strike="noStrike" cap="none" normalizeH="0" baseline="0" dirty="0" smtClean="0">
+                        <a:rPr kumimoji="0" lang="en-US" sz="1400" b="0" i="0" u="none" strike="noStrike" cap="none" normalizeH="0" baseline="0" dirty="0">
                           <a:ln>
                             <a:noFill/>
                           </a:ln>
@@ -8382,6 +8295,11 @@
                     <a:noFill/>
                   </a:tcPr>
                 </a:tc>
+                <a:extLst>
+                  <a:ext uri="{0D108BD9-81ED-4DB2-BD59-A6C34878D82A}">
+                    <a16:rowId xmlns:a16="http://schemas.microsoft.com/office/drawing/2014/main" val="10002"/>
+                  </a:ext>
+                </a:extLst>
               </a:tr>
             </a:tbl>
           </a:graphicData>
@@ -8392,13 +8310,6 @@
   <p:clrMapOvr>
     <a:masterClrMapping/>
   </p:clrMapOvr>
-  <p:timing>
-    <p:tnLst>
-      <p:par>
-        <p:cTn id="1" dur="indefinite" restart="never" nodeType="tmRoot"/>
-      </p:par>
-    </p:tnLst>
-  </p:timing>
 </p:sld>
 </file>
 
@@ -8431,12 +8342,14 @@
         </p:nvSpPr>
         <p:spPr>
           <a:xfrm>
-            <a:off x="457200" y="525462"/>
-            <a:ext cx="8229600" cy="1312863"/>
+            <a:off x="457200" y="548640"/>
+            <a:ext cx="8229600" cy="1289685"/>
           </a:xfrm>
         </p:spPr>
         <p:txBody>
-          <a:bodyPr/>
+          <a:bodyPr>
+            <a:normAutofit fontScale="90000"/>
+          </a:bodyPr>
           <a:lstStyle/>
           <a:p>
             <a:pPr eaLnBrk="1" hangingPunct="1">
@@ -8459,1552 +8372,1566 @@
               </a:tabLst>
             </a:pPr>
             <a:r>
-              <a:rPr lang="en-US" sz="4000" b="1" dirty="0" err="1" smtClean="0"/>
+              <a:rPr lang="en-US" sz="4000" b="1" dirty="0" err="1"/>
               <a:t>SocketPro</a:t>
             </a:r>
             <a:r>
-              <a:rPr lang="en-US" sz="4000" b="1" dirty="0" smtClean="0"/>
+              <a:rPr lang="en-US" sz="4000" b="1" dirty="0"/>
               <a:t> Communication Architecture and Components</a:t>
             </a:r>
           </a:p>
         </p:txBody>
       </p:sp>
-      <p:sp>
-        <p:nvSpPr>
-          <p:cNvPr id="5" name="AutoShape 10"/>
-          <p:cNvSpPr>
-            <a:spLocks noChangeArrowheads="1"/>
-          </p:cNvSpPr>
+      <p:grpSp>
+        <p:nvGrpSpPr>
+          <p:cNvPr id="2" name="Group 1">
+            <a:extLst>
+              <a:ext uri="{FF2B5EF4-FFF2-40B4-BE49-F238E27FC236}">
+                <a16:creationId xmlns:a16="http://schemas.microsoft.com/office/drawing/2014/main" id="{5D1E9AF0-C8BF-4D2D-B6C2-3A8B6F0CC836}"/>
+              </a:ext>
+            </a:extLst>
+          </p:cNvPr>
+          <p:cNvGrpSpPr/>
           <p:nvPr/>
-        </p:nvSpPr>
-        <p:spPr bwMode="auto">
+        </p:nvGrpSpPr>
+        <p:grpSpPr>
           <a:xfrm>
-            <a:off x="1524000" y="2135187"/>
-            <a:ext cx="588963" cy="1217613"/>
+            <a:off x="685800" y="2135187"/>
+            <a:ext cx="7847013" cy="3960813"/>
+            <a:chOff x="685800" y="2135187"/>
+            <a:chExt cx="7847013" cy="3960813"/>
           </a:xfrm>
-          <a:prstGeom prst="roundRect">
-            <a:avLst>
-              <a:gd name="adj" fmla="val 16667"/>
-            </a:avLst>
-          </a:prstGeom>
-          <a:solidFill>
-            <a:srgbClr val="BBE0E3"/>
-          </a:solidFill>
-          <a:ln w="9360" cap="sq">
+        </p:grpSpPr>
+        <p:sp>
+          <p:nvSpPr>
+            <p:cNvPr id="5" name="AutoShape 10"/>
+            <p:cNvSpPr>
+              <a:spLocks noChangeArrowheads="1"/>
+            </p:cNvSpPr>
+            <p:nvPr/>
+          </p:nvSpPr>
+          <p:spPr bwMode="auto">
+            <a:xfrm>
+              <a:off x="1524000" y="2135187"/>
+              <a:ext cx="588963" cy="1217613"/>
+            </a:xfrm>
+            <a:prstGeom prst="roundRect">
+              <a:avLst>
+                <a:gd name="adj" fmla="val 16667"/>
+              </a:avLst>
+            </a:prstGeom>
             <a:solidFill>
-              <a:srgbClr val="000000"/>
+              <a:srgbClr val="BBE0E3"/>
             </a:solidFill>
-            <a:miter lim="800000"/>
-            <a:headEnd/>
-            <a:tailEnd/>
-          </a:ln>
-        </p:spPr>
-        <p:txBody>
-          <a:bodyPr wrap="none" lIns="0" tIns="0" rIns="0" bIns="0" anchor="ctr"/>
-          <a:lstStyle/>
-          <a:p>
-            <a:pPr algn="ctr">
-              <a:buClrTx/>
-              <a:buFontTx/>
-              <a:buNone/>
-              <a:tabLst>
-                <a:tab pos="0" algn="l"/>
-                <a:tab pos="914400" algn="l"/>
-                <a:tab pos="1828800" algn="l"/>
-                <a:tab pos="2743200" algn="l"/>
-                <a:tab pos="3657600" algn="l"/>
-                <a:tab pos="4572000" algn="l"/>
-                <a:tab pos="5486400" algn="l"/>
-                <a:tab pos="6400800" algn="l"/>
-                <a:tab pos="7315200" algn="l"/>
-                <a:tab pos="8229600" algn="l"/>
-                <a:tab pos="9144000" algn="l"/>
-                <a:tab pos="10058400" algn="l"/>
-              </a:tabLst>
-            </a:pPr>
-            <a:r>
-              <a:rPr lang="en-US" sz="800" b="1" dirty="0">
+            <a:ln w="9360" cap="sq">
+              <a:solidFill>
+                <a:srgbClr val="000000"/>
+              </a:solidFill>
+              <a:miter lim="800000"/>
+              <a:headEnd/>
+              <a:tailEnd/>
+            </a:ln>
+          </p:spPr>
+          <p:txBody>
+            <a:bodyPr wrap="none" lIns="0" tIns="0" rIns="0" bIns="0" anchor="ctr"/>
+            <a:lstStyle/>
+            <a:p>
+              <a:pPr algn="ctr">
+                <a:buClrTx/>
+                <a:buFontTx/>
+                <a:buNone/>
+                <a:tabLst>
+                  <a:tab pos="0" algn="l"/>
+                  <a:tab pos="914400" algn="l"/>
+                  <a:tab pos="1828800" algn="l"/>
+                  <a:tab pos="2743200" algn="l"/>
+                  <a:tab pos="3657600" algn="l"/>
+                  <a:tab pos="4572000" algn="l"/>
+                  <a:tab pos="5486400" algn="l"/>
+                  <a:tab pos="6400800" algn="l"/>
+                  <a:tab pos="7315200" algn="l"/>
+                  <a:tab pos="8229600" algn="l"/>
+                  <a:tab pos="9144000" algn="l"/>
+                  <a:tab pos="10058400" algn="l"/>
+                </a:tabLst>
+              </a:pPr>
+              <a:r>
+                <a:rPr lang="en-US" sz="800" b="1" dirty="0">
+                  <a:solidFill>
+                    <a:srgbClr val="000000"/>
+                  </a:solidFill>
+                </a:rPr>
+                <a:t>Client Core</a:t>
+              </a:r>
+            </a:p>
+            <a:p>
+              <a:pPr algn="ctr">
+                <a:buClrTx/>
+                <a:buFontTx/>
+                <a:buNone/>
+                <a:tabLst>
+                  <a:tab pos="0" algn="l"/>
+                  <a:tab pos="914400" algn="l"/>
+                  <a:tab pos="1828800" algn="l"/>
+                  <a:tab pos="2743200" algn="l"/>
+                  <a:tab pos="3657600" algn="l"/>
+                  <a:tab pos="4572000" algn="l"/>
+                  <a:tab pos="5486400" algn="l"/>
+                  <a:tab pos="6400800" algn="l"/>
+                  <a:tab pos="7315200" algn="l"/>
+                  <a:tab pos="8229600" algn="l"/>
+                  <a:tab pos="9144000" algn="l"/>
+                  <a:tab pos="10058400" algn="l"/>
+                </a:tabLst>
+              </a:pPr>
+              <a:endParaRPr lang="en-US" sz="500" b="1" dirty="0">
                 <a:solidFill>
                   <a:srgbClr val="000000"/>
                 </a:solidFill>
-              </a:rPr>
-              <a:t>Client Core</a:t>
-            </a:r>
-          </a:p>
-          <a:p>
-            <a:pPr algn="ctr">
-              <a:buClrTx/>
-              <a:buFontTx/>
-              <a:buNone/>
-              <a:tabLst>
-                <a:tab pos="0" algn="l"/>
-                <a:tab pos="914400" algn="l"/>
-                <a:tab pos="1828800" algn="l"/>
-                <a:tab pos="2743200" algn="l"/>
-                <a:tab pos="3657600" algn="l"/>
-                <a:tab pos="4572000" algn="l"/>
-                <a:tab pos="5486400" algn="l"/>
-                <a:tab pos="6400800" algn="l"/>
-                <a:tab pos="7315200" algn="l"/>
-                <a:tab pos="8229600" algn="l"/>
-                <a:tab pos="9144000" algn="l"/>
-                <a:tab pos="10058400" algn="l"/>
-              </a:tabLst>
-            </a:pPr>
-            <a:endParaRPr lang="en-US" sz="500" b="1" dirty="0">
+              </a:endParaRPr>
+            </a:p>
+            <a:p>
+              <a:pPr algn="ctr">
+                <a:buClrTx/>
+                <a:buFontTx/>
+                <a:buNone/>
+                <a:tabLst>
+                  <a:tab pos="0" algn="l"/>
+                  <a:tab pos="914400" algn="l"/>
+                  <a:tab pos="1828800" algn="l"/>
+                  <a:tab pos="2743200" algn="l"/>
+                  <a:tab pos="3657600" algn="l"/>
+                  <a:tab pos="4572000" algn="l"/>
+                  <a:tab pos="5486400" algn="l"/>
+                  <a:tab pos="6400800" algn="l"/>
+                  <a:tab pos="7315200" algn="l"/>
+                  <a:tab pos="8229600" algn="l"/>
+                  <a:tab pos="9144000" algn="l"/>
+                  <a:tab pos="10058400" algn="l"/>
+                </a:tabLst>
+              </a:pPr>
+              <a:r>
+                <a:rPr lang="en-US" sz="600" dirty="0">
+                  <a:solidFill>
+                    <a:srgbClr val="000000"/>
+                  </a:solidFill>
+                </a:rPr>
+                <a:t>cross-platform</a:t>
+              </a:r>
+            </a:p>
+            <a:p>
+              <a:pPr algn="ctr">
+                <a:buClrTx/>
+                <a:buFontTx/>
+                <a:buNone/>
+                <a:tabLst>
+                  <a:tab pos="0" algn="l"/>
+                  <a:tab pos="914400" algn="l"/>
+                  <a:tab pos="1828800" algn="l"/>
+                  <a:tab pos="2743200" algn="l"/>
+                  <a:tab pos="3657600" algn="l"/>
+                  <a:tab pos="4572000" algn="l"/>
+                  <a:tab pos="5486400" algn="l"/>
+                  <a:tab pos="6400800" algn="l"/>
+                  <a:tab pos="7315200" algn="l"/>
+                  <a:tab pos="8229600" algn="l"/>
+                  <a:tab pos="9144000" algn="l"/>
+                  <a:tab pos="10058400" algn="l"/>
+                </a:tabLst>
+              </a:pPr>
+              <a:r>
+                <a:rPr lang="en-US" sz="600" dirty="0">
+                  <a:solidFill>
+                    <a:srgbClr val="000000"/>
+                  </a:solidFill>
+                </a:rPr>
+                <a:t>native code</a:t>
+              </a:r>
+            </a:p>
+          </p:txBody>
+        </p:sp>
+        <p:sp>
+          <p:nvSpPr>
+            <p:cNvPr id="6" name="AutoShape 11"/>
+            <p:cNvSpPr>
+              <a:spLocks noChangeArrowheads="1"/>
+            </p:cNvSpPr>
+            <p:nvPr/>
+          </p:nvSpPr>
+          <p:spPr bwMode="auto">
+            <a:xfrm>
+              <a:off x="685800" y="3963987"/>
+              <a:ext cx="588963" cy="1217613"/>
+            </a:xfrm>
+            <a:prstGeom prst="roundRect">
+              <a:avLst>
+                <a:gd name="adj" fmla="val 16667"/>
+              </a:avLst>
+            </a:prstGeom>
+            <a:solidFill>
+              <a:srgbClr val="CCFFFF"/>
+            </a:solidFill>
+            <a:ln w="9360" cap="sq">
               <a:solidFill>
                 <a:srgbClr val="000000"/>
               </a:solidFill>
-            </a:endParaRPr>
-          </a:p>
-          <a:p>
-            <a:pPr algn="ctr">
-              <a:buClrTx/>
-              <a:buFontTx/>
-              <a:buNone/>
-              <a:tabLst>
-                <a:tab pos="0" algn="l"/>
-                <a:tab pos="914400" algn="l"/>
-                <a:tab pos="1828800" algn="l"/>
-                <a:tab pos="2743200" algn="l"/>
-                <a:tab pos="3657600" algn="l"/>
-                <a:tab pos="4572000" algn="l"/>
-                <a:tab pos="5486400" algn="l"/>
-                <a:tab pos="6400800" algn="l"/>
-                <a:tab pos="7315200" algn="l"/>
-                <a:tab pos="8229600" algn="l"/>
-                <a:tab pos="9144000" algn="l"/>
-                <a:tab pos="10058400" algn="l"/>
-              </a:tabLst>
-            </a:pPr>
-            <a:r>
-              <a:rPr lang="en-US" sz="600" dirty="0">
+              <a:miter lim="800000"/>
+              <a:headEnd/>
+              <a:tailEnd/>
+            </a:ln>
+          </p:spPr>
+          <p:txBody>
+            <a:bodyPr wrap="none" lIns="0" tIns="0" rIns="0" bIns="0" anchor="ctr"/>
+            <a:lstStyle/>
+            <a:p>
+              <a:pPr algn="ctr">
+                <a:buClrTx/>
+                <a:buFontTx/>
+                <a:buNone/>
+                <a:tabLst>
+                  <a:tab pos="0" algn="l"/>
+                  <a:tab pos="914400" algn="l"/>
+                  <a:tab pos="1828800" algn="l"/>
+                  <a:tab pos="2743200" algn="l"/>
+                  <a:tab pos="3657600" algn="l"/>
+                  <a:tab pos="4572000" algn="l"/>
+                  <a:tab pos="5486400" algn="l"/>
+                  <a:tab pos="6400800" algn="l"/>
+                  <a:tab pos="7315200" algn="l"/>
+                  <a:tab pos="8229600" algn="l"/>
+                  <a:tab pos="9144000" algn="l"/>
+                  <a:tab pos="10058400" algn="l"/>
+                </a:tabLst>
+              </a:pPr>
+              <a:r>
+                <a:rPr lang="en-US" sz="800" b="1">
+                  <a:solidFill>
+                    <a:srgbClr val="000000"/>
+                  </a:solidFill>
+                </a:rPr>
+                <a:t>C++</a:t>
+              </a:r>
+            </a:p>
+            <a:p>
+              <a:pPr algn="ctr">
+                <a:buClrTx/>
+                <a:buFontTx/>
+                <a:buNone/>
+                <a:tabLst>
+                  <a:tab pos="0" algn="l"/>
+                  <a:tab pos="914400" algn="l"/>
+                  <a:tab pos="1828800" algn="l"/>
+                  <a:tab pos="2743200" algn="l"/>
+                  <a:tab pos="3657600" algn="l"/>
+                  <a:tab pos="4572000" algn="l"/>
+                  <a:tab pos="5486400" algn="l"/>
+                  <a:tab pos="6400800" algn="l"/>
+                  <a:tab pos="7315200" algn="l"/>
+                  <a:tab pos="8229600" algn="l"/>
+                  <a:tab pos="9144000" algn="l"/>
+                  <a:tab pos="10058400" algn="l"/>
+                </a:tabLst>
+              </a:pPr>
+              <a:r>
+                <a:rPr lang="en-US" sz="800" b="1">
+                  <a:solidFill>
+                    <a:srgbClr val="000000"/>
+                  </a:solidFill>
+                </a:rPr>
+                <a:t>Adapter</a:t>
+              </a:r>
+            </a:p>
+          </p:txBody>
+        </p:sp>
+        <p:sp>
+          <p:nvSpPr>
+            <p:cNvPr id="7" name="AutoShape 12"/>
+            <p:cNvSpPr>
+              <a:spLocks noChangeArrowheads="1"/>
+            </p:cNvSpPr>
+            <p:nvPr/>
+          </p:nvSpPr>
+          <p:spPr bwMode="auto">
+            <a:xfrm>
+              <a:off x="1374775" y="3963987"/>
+              <a:ext cx="588963" cy="1217613"/>
+            </a:xfrm>
+            <a:prstGeom prst="roundRect">
+              <a:avLst>
+                <a:gd name="adj" fmla="val 16667"/>
+              </a:avLst>
+            </a:prstGeom>
+            <a:solidFill>
+              <a:srgbClr val="CCFFFF"/>
+            </a:solidFill>
+            <a:ln w="9360" cap="sq">
+              <a:solidFill>
+                <a:srgbClr val="000000"/>
+              </a:solidFill>
+              <a:miter lim="800000"/>
+              <a:headEnd/>
+              <a:tailEnd/>
+            </a:ln>
+          </p:spPr>
+          <p:txBody>
+            <a:bodyPr wrap="none" lIns="0" tIns="0" rIns="0" bIns="0" anchor="ctr"/>
+            <a:lstStyle/>
+            <a:p>
+              <a:pPr algn="ctr">
+                <a:buClrTx/>
+                <a:buFontTx/>
+                <a:buNone/>
+                <a:tabLst>
+                  <a:tab pos="0" algn="l"/>
+                  <a:tab pos="914400" algn="l"/>
+                  <a:tab pos="1828800" algn="l"/>
+                  <a:tab pos="2743200" algn="l"/>
+                  <a:tab pos="3657600" algn="l"/>
+                  <a:tab pos="4572000" algn="l"/>
+                  <a:tab pos="5486400" algn="l"/>
+                  <a:tab pos="6400800" algn="l"/>
+                  <a:tab pos="7315200" algn="l"/>
+                  <a:tab pos="8229600" algn="l"/>
+                  <a:tab pos="9144000" algn="l"/>
+                  <a:tab pos="10058400" algn="l"/>
+                </a:tabLst>
+              </a:pPr>
+              <a:r>
+                <a:rPr lang="en-US" sz="800" b="1">
+                  <a:solidFill>
+                    <a:srgbClr val="000000"/>
+                  </a:solidFill>
+                </a:rPr>
+                <a:t>.Net</a:t>
+              </a:r>
+            </a:p>
+            <a:p>
+              <a:pPr algn="ctr">
+                <a:buClrTx/>
+                <a:buFontTx/>
+                <a:buNone/>
+                <a:tabLst>
+                  <a:tab pos="0" algn="l"/>
+                  <a:tab pos="914400" algn="l"/>
+                  <a:tab pos="1828800" algn="l"/>
+                  <a:tab pos="2743200" algn="l"/>
+                  <a:tab pos="3657600" algn="l"/>
+                  <a:tab pos="4572000" algn="l"/>
+                  <a:tab pos="5486400" algn="l"/>
+                  <a:tab pos="6400800" algn="l"/>
+                  <a:tab pos="7315200" algn="l"/>
+                  <a:tab pos="8229600" algn="l"/>
+                  <a:tab pos="9144000" algn="l"/>
+                  <a:tab pos="10058400" algn="l"/>
+                </a:tabLst>
+              </a:pPr>
+              <a:r>
+                <a:rPr lang="en-US" sz="800" b="1">
+                  <a:solidFill>
+                    <a:srgbClr val="000000"/>
+                  </a:solidFill>
+                </a:rPr>
+                <a:t>Adapter</a:t>
+              </a:r>
+            </a:p>
+          </p:txBody>
+        </p:sp>
+        <p:sp>
+          <p:nvSpPr>
+            <p:cNvPr id="8" name="AutoShape 13"/>
+            <p:cNvSpPr>
+              <a:spLocks noChangeArrowheads="1"/>
+            </p:cNvSpPr>
+            <p:nvPr/>
+          </p:nvSpPr>
+          <p:spPr bwMode="auto">
+            <a:xfrm>
+              <a:off x="3449638" y="3963987"/>
+              <a:ext cx="588962" cy="1217613"/>
+            </a:xfrm>
+            <a:prstGeom prst="roundRect">
+              <a:avLst>
+                <a:gd name="adj" fmla="val 16667"/>
+              </a:avLst>
+            </a:prstGeom>
+            <a:solidFill>
+              <a:srgbClr val="CCFFFF"/>
+            </a:solidFill>
+            <a:ln w="9360" cap="sq">
+              <a:solidFill>
+                <a:srgbClr val="000000"/>
+              </a:solidFill>
+              <a:miter lim="800000"/>
+              <a:headEnd/>
+              <a:tailEnd/>
+            </a:ln>
+          </p:spPr>
+          <p:txBody>
+            <a:bodyPr wrap="none" lIns="0" tIns="0" rIns="0" bIns="0" anchor="ctr"/>
+            <a:lstStyle/>
+            <a:p>
+              <a:pPr algn="ctr">
+                <a:buClrTx/>
+                <a:buFontTx/>
+                <a:buNone/>
+                <a:tabLst>
+                  <a:tab pos="0" algn="l"/>
+                  <a:tab pos="914400" algn="l"/>
+                  <a:tab pos="1828800" algn="l"/>
+                  <a:tab pos="2743200" algn="l"/>
+                  <a:tab pos="3657600" algn="l"/>
+                  <a:tab pos="4572000" algn="l"/>
+                  <a:tab pos="5486400" algn="l"/>
+                  <a:tab pos="6400800" algn="l"/>
+                  <a:tab pos="7315200" algn="l"/>
+                  <a:tab pos="8229600" algn="l"/>
+                  <a:tab pos="9144000" algn="l"/>
+                  <a:tab pos="10058400" algn="l"/>
+                </a:tabLst>
+              </a:pPr>
+              <a:r>
+                <a:rPr lang="en-US" sz="800" b="1">
+                  <a:solidFill>
+                    <a:srgbClr val="000000"/>
+                  </a:solidFill>
+                </a:rPr>
+                <a:t>JavaScript</a:t>
+              </a:r>
+            </a:p>
+            <a:p>
+              <a:pPr algn="ctr">
+                <a:buClrTx/>
+                <a:buFontTx/>
+                <a:buNone/>
+                <a:tabLst>
+                  <a:tab pos="0" algn="l"/>
+                  <a:tab pos="914400" algn="l"/>
+                  <a:tab pos="1828800" algn="l"/>
+                  <a:tab pos="2743200" algn="l"/>
+                  <a:tab pos="3657600" algn="l"/>
+                  <a:tab pos="4572000" algn="l"/>
+                  <a:tab pos="5486400" algn="l"/>
+                  <a:tab pos="6400800" algn="l"/>
+                  <a:tab pos="7315200" algn="l"/>
+                  <a:tab pos="8229600" algn="l"/>
+                  <a:tab pos="9144000" algn="l"/>
+                  <a:tab pos="10058400" algn="l"/>
+                </a:tabLst>
+              </a:pPr>
+              <a:r>
+                <a:rPr lang="en-US" sz="800" b="1">
+                  <a:solidFill>
+                    <a:srgbClr val="000000"/>
+                  </a:solidFill>
+                </a:rPr>
+                <a:t>Adapter</a:t>
+              </a:r>
+            </a:p>
+          </p:txBody>
+        </p:sp>
+        <p:sp>
+          <p:nvSpPr>
+            <p:cNvPr id="9" name="AutoShape 14"/>
+            <p:cNvSpPr>
+              <a:spLocks noChangeArrowheads="1"/>
+            </p:cNvSpPr>
+            <p:nvPr/>
+          </p:nvSpPr>
+          <p:spPr bwMode="auto">
+            <a:xfrm>
+              <a:off x="2754313" y="3963987"/>
+              <a:ext cx="588962" cy="1217613"/>
+            </a:xfrm>
+            <a:prstGeom prst="roundRect">
+              <a:avLst>
+                <a:gd name="adj" fmla="val 16667"/>
+              </a:avLst>
+            </a:prstGeom>
+            <a:solidFill>
+              <a:srgbClr val="CCFFFF"/>
+            </a:solidFill>
+            <a:ln w="9360" cap="sq">
+              <a:solidFill>
+                <a:srgbClr val="000000"/>
+              </a:solidFill>
+              <a:miter lim="800000"/>
+              <a:headEnd/>
+              <a:tailEnd/>
+            </a:ln>
+          </p:spPr>
+          <p:txBody>
+            <a:bodyPr wrap="none" lIns="0" tIns="0" rIns="0" bIns="0" anchor="ctr"/>
+            <a:lstStyle/>
+            <a:p>
+              <a:pPr algn="ctr">
+                <a:buClrTx/>
+                <a:buFontTx/>
+                <a:buNone/>
+                <a:tabLst>
+                  <a:tab pos="0" algn="l"/>
+                  <a:tab pos="914400" algn="l"/>
+                  <a:tab pos="1828800" algn="l"/>
+                  <a:tab pos="2743200" algn="l"/>
+                  <a:tab pos="3657600" algn="l"/>
+                  <a:tab pos="4572000" algn="l"/>
+                  <a:tab pos="5486400" algn="l"/>
+                  <a:tab pos="6400800" algn="l"/>
+                  <a:tab pos="7315200" algn="l"/>
+                  <a:tab pos="8229600" algn="l"/>
+                  <a:tab pos="9144000" algn="l"/>
+                  <a:tab pos="10058400" algn="l"/>
+                </a:tabLst>
+              </a:pPr>
+              <a:r>
+                <a:rPr lang="en-US" sz="800" b="1">
+                  <a:solidFill>
+                    <a:srgbClr val="000000"/>
+                  </a:solidFill>
+                </a:rPr>
+                <a:t>Python</a:t>
+              </a:r>
+            </a:p>
+            <a:p>
+              <a:pPr algn="ctr">
+                <a:buClrTx/>
+                <a:buFontTx/>
+                <a:buNone/>
+                <a:tabLst>
+                  <a:tab pos="0" algn="l"/>
+                  <a:tab pos="914400" algn="l"/>
+                  <a:tab pos="1828800" algn="l"/>
+                  <a:tab pos="2743200" algn="l"/>
+                  <a:tab pos="3657600" algn="l"/>
+                  <a:tab pos="4572000" algn="l"/>
+                  <a:tab pos="5486400" algn="l"/>
+                  <a:tab pos="6400800" algn="l"/>
+                  <a:tab pos="7315200" algn="l"/>
+                  <a:tab pos="8229600" algn="l"/>
+                  <a:tab pos="9144000" algn="l"/>
+                  <a:tab pos="10058400" algn="l"/>
+                </a:tabLst>
+              </a:pPr>
+              <a:r>
+                <a:rPr lang="en-US" sz="800" b="1">
+                  <a:solidFill>
+                    <a:srgbClr val="000000"/>
+                  </a:solidFill>
+                </a:rPr>
+                <a:t>Adapter</a:t>
+              </a:r>
+            </a:p>
+          </p:txBody>
+        </p:sp>
+        <p:sp>
+          <p:nvSpPr>
+            <p:cNvPr id="10" name="AutoShape 15"/>
+            <p:cNvSpPr>
+              <a:spLocks noChangeArrowheads="1"/>
+            </p:cNvSpPr>
+            <p:nvPr/>
+          </p:nvSpPr>
+          <p:spPr bwMode="auto">
+            <a:xfrm>
+              <a:off x="2078038" y="3963987"/>
+              <a:ext cx="588962" cy="1217613"/>
+            </a:xfrm>
+            <a:prstGeom prst="roundRect">
+              <a:avLst>
+                <a:gd name="adj" fmla="val 16667"/>
+              </a:avLst>
+            </a:prstGeom>
+            <a:solidFill>
+              <a:srgbClr val="CCFFFF"/>
+            </a:solidFill>
+            <a:ln w="9360" cap="sq">
+              <a:solidFill>
+                <a:srgbClr val="000000"/>
+              </a:solidFill>
+              <a:miter lim="800000"/>
+              <a:headEnd/>
+              <a:tailEnd/>
+            </a:ln>
+          </p:spPr>
+          <p:txBody>
+            <a:bodyPr wrap="none" lIns="0" tIns="0" rIns="0" bIns="0" anchor="ctr"/>
+            <a:lstStyle/>
+            <a:p>
+              <a:pPr algn="ctr">
+                <a:buClrTx/>
+                <a:buFontTx/>
+                <a:buNone/>
+                <a:tabLst>
+                  <a:tab pos="0" algn="l"/>
+                  <a:tab pos="914400" algn="l"/>
+                  <a:tab pos="1828800" algn="l"/>
+                  <a:tab pos="2743200" algn="l"/>
+                  <a:tab pos="3657600" algn="l"/>
+                  <a:tab pos="4572000" algn="l"/>
+                  <a:tab pos="5486400" algn="l"/>
+                  <a:tab pos="6400800" algn="l"/>
+                  <a:tab pos="7315200" algn="l"/>
+                  <a:tab pos="8229600" algn="l"/>
+                  <a:tab pos="9144000" algn="l"/>
+                  <a:tab pos="10058400" algn="l"/>
+                </a:tabLst>
+              </a:pPr>
+              <a:r>
+                <a:rPr lang="en-US" sz="800" b="1">
+                  <a:solidFill>
+                    <a:srgbClr val="000000"/>
+                  </a:solidFill>
+                </a:rPr>
+                <a:t>Java</a:t>
+              </a:r>
+            </a:p>
+            <a:p>
+              <a:pPr algn="ctr">
+                <a:buClrTx/>
+                <a:buFontTx/>
+                <a:buNone/>
+                <a:tabLst>
+                  <a:tab pos="0" algn="l"/>
+                  <a:tab pos="914400" algn="l"/>
+                  <a:tab pos="1828800" algn="l"/>
+                  <a:tab pos="2743200" algn="l"/>
+                  <a:tab pos="3657600" algn="l"/>
+                  <a:tab pos="4572000" algn="l"/>
+                  <a:tab pos="5486400" algn="l"/>
+                  <a:tab pos="6400800" algn="l"/>
+                  <a:tab pos="7315200" algn="l"/>
+                  <a:tab pos="8229600" algn="l"/>
+                  <a:tab pos="9144000" algn="l"/>
+                  <a:tab pos="10058400" algn="l"/>
+                </a:tabLst>
+              </a:pPr>
+              <a:r>
+                <a:rPr lang="en-US" sz="800" b="1">
+                  <a:solidFill>
+                    <a:srgbClr val="000000"/>
+                  </a:solidFill>
+                </a:rPr>
+                <a:t>Adapter</a:t>
+              </a:r>
+            </a:p>
+          </p:txBody>
+        </p:sp>
+        <p:sp>
+          <p:nvSpPr>
+            <p:cNvPr id="11" name="AutoShape 16"/>
+            <p:cNvSpPr>
+              <a:spLocks noChangeArrowheads="1"/>
+            </p:cNvSpPr>
+            <p:nvPr/>
+          </p:nvSpPr>
+          <p:spPr bwMode="auto">
+            <a:xfrm>
+              <a:off x="4133850" y="3963987"/>
+              <a:ext cx="588963" cy="1217613"/>
+            </a:xfrm>
+            <a:prstGeom prst="roundRect">
+              <a:avLst>
+                <a:gd name="adj" fmla="val 16667"/>
+              </a:avLst>
+            </a:prstGeom>
+            <a:solidFill>
+              <a:srgbClr val="CCFFFF"/>
+            </a:solidFill>
+            <a:ln w="9360" cap="sq">
+              <a:solidFill>
+                <a:srgbClr val="000000"/>
+              </a:solidFill>
+              <a:miter lim="800000"/>
+              <a:headEnd/>
+              <a:tailEnd/>
+            </a:ln>
+          </p:spPr>
+          <p:txBody>
+            <a:bodyPr wrap="none" lIns="0" tIns="0" rIns="0" bIns="0" anchor="ctr"/>
+            <a:lstStyle/>
+            <a:p>
+              <a:pPr algn="ctr">
+                <a:buClrTx/>
+                <a:buFontTx/>
+                <a:buNone/>
+                <a:tabLst>
+                  <a:tab pos="0" algn="l"/>
+                  <a:tab pos="914400" algn="l"/>
+                  <a:tab pos="1828800" algn="l"/>
+                  <a:tab pos="2743200" algn="l"/>
+                  <a:tab pos="3657600" algn="l"/>
+                  <a:tab pos="4572000" algn="l"/>
+                  <a:tab pos="5486400" algn="l"/>
+                  <a:tab pos="6400800" algn="l"/>
+                  <a:tab pos="7315200" algn="l"/>
+                  <a:tab pos="8229600" algn="l"/>
+                  <a:tab pos="9144000" algn="l"/>
+                  <a:tab pos="10058400" algn="l"/>
+                </a:tabLst>
+              </a:pPr>
+              <a:r>
+                <a:rPr lang="en-US" sz="800" b="1">
+                  <a:solidFill>
+                    <a:srgbClr val="000000"/>
+                  </a:solidFill>
+                </a:rPr>
+                <a:t>PHP</a:t>
+              </a:r>
+            </a:p>
+            <a:p>
+              <a:pPr algn="ctr">
+                <a:buClrTx/>
+                <a:buFontTx/>
+                <a:buNone/>
+                <a:tabLst>
+                  <a:tab pos="0" algn="l"/>
+                  <a:tab pos="914400" algn="l"/>
+                  <a:tab pos="1828800" algn="l"/>
+                  <a:tab pos="2743200" algn="l"/>
+                  <a:tab pos="3657600" algn="l"/>
+                  <a:tab pos="4572000" algn="l"/>
+                  <a:tab pos="5486400" algn="l"/>
+                  <a:tab pos="6400800" algn="l"/>
+                  <a:tab pos="7315200" algn="l"/>
+                  <a:tab pos="8229600" algn="l"/>
+                  <a:tab pos="9144000" algn="l"/>
+                  <a:tab pos="10058400" algn="l"/>
+                </a:tabLst>
+              </a:pPr>
+              <a:r>
+                <a:rPr lang="en-US" sz="800" b="1">
+                  <a:solidFill>
+                    <a:srgbClr val="000000"/>
+                  </a:solidFill>
+                </a:rPr>
+                <a:t>Adapter</a:t>
+              </a:r>
+              <a:r>
+                <a:rPr lang="en-US" sz="500">
+                  <a:solidFill>
+                    <a:srgbClr val="000000"/>
+                  </a:solidFill>
+                </a:rPr>
+                <a:t> </a:t>
+              </a:r>
+            </a:p>
+          </p:txBody>
+        </p:sp>
+        <p:sp>
+          <p:nvSpPr>
+            <p:cNvPr id="12" name="AutoShape 22"/>
+            <p:cNvSpPr>
+              <a:spLocks noChangeArrowheads="1"/>
+            </p:cNvSpPr>
+            <p:nvPr/>
+          </p:nvSpPr>
+          <p:spPr bwMode="auto">
+            <a:xfrm>
+              <a:off x="6953250" y="2135187"/>
+              <a:ext cx="742950" cy="1217613"/>
+            </a:xfrm>
+            <a:prstGeom prst="roundRect">
+              <a:avLst>
+                <a:gd name="adj" fmla="val 16667"/>
+              </a:avLst>
+            </a:prstGeom>
+            <a:solidFill>
+              <a:srgbClr val="BBE0E3"/>
+            </a:solidFill>
+            <a:ln w="9360" cap="sq">
+              <a:solidFill>
+                <a:srgbClr val="000000"/>
+              </a:solidFill>
+              <a:miter lim="800000"/>
+              <a:headEnd/>
+              <a:tailEnd/>
+            </a:ln>
+          </p:spPr>
+          <p:txBody>
+            <a:bodyPr wrap="none" lIns="0" tIns="0" rIns="0" bIns="0" anchor="ctr"/>
+            <a:lstStyle/>
+            <a:p>
+              <a:pPr algn="ctr">
+                <a:buClrTx/>
+                <a:buFontTx/>
+                <a:buNone/>
+                <a:tabLst>
+                  <a:tab pos="0" algn="l"/>
+                  <a:tab pos="914400" algn="l"/>
+                  <a:tab pos="1828800" algn="l"/>
+                  <a:tab pos="2743200" algn="l"/>
+                  <a:tab pos="3657600" algn="l"/>
+                  <a:tab pos="4572000" algn="l"/>
+                  <a:tab pos="5486400" algn="l"/>
+                  <a:tab pos="6400800" algn="l"/>
+                  <a:tab pos="7315200" algn="l"/>
+                  <a:tab pos="8229600" algn="l"/>
+                  <a:tab pos="9144000" algn="l"/>
+                  <a:tab pos="10058400" algn="l"/>
+                </a:tabLst>
+              </a:pPr>
+              <a:r>
+                <a:rPr lang="en-US" sz="1000" b="1">
+                  <a:solidFill>
+                    <a:srgbClr val="000000"/>
+                  </a:solidFill>
+                </a:rPr>
+                <a:t>Server Core</a:t>
+              </a:r>
+            </a:p>
+            <a:p>
+              <a:pPr algn="ctr">
+                <a:buClrTx/>
+                <a:buFontTx/>
+                <a:buNone/>
+                <a:tabLst>
+                  <a:tab pos="0" algn="l"/>
+                  <a:tab pos="914400" algn="l"/>
+                  <a:tab pos="1828800" algn="l"/>
+                  <a:tab pos="2743200" algn="l"/>
+                  <a:tab pos="3657600" algn="l"/>
+                  <a:tab pos="4572000" algn="l"/>
+                  <a:tab pos="5486400" algn="l"/>
+                  <a:tab pos="6400800" algn="l"/>
+                  <a:tab pos="7315200" algn="l"/>
+                  <a:tab pos="8229600" algn="l"/>
+                  <a:tab pos="9144000" algn="l"/>
+                  <a:tab pos="10058400" algn="l"/>
+                </a:tabLst>
+              </a:pPr>
+              <a:endParaRPr lang="en-US" sz="600">
                 <a:solidFill>
                   <a:srgbClr val="000000"/>
                 </a:solidFill>
-              </a:rPr>
-              <a:t>cross-platform</a:t>
-            </a:r>
-          </a:p>
-          <a:p>
-            <a:pPr algn="ctr">
-              <a:buClrTx/>
-              <a:buFontTx/>
-              <a:buNone/>
-              <a:tabLst>
-                <a:tab pos="0" algn="l"/>
-                <a:tab pos="914400" algn="l"/>
-                <a:tab pos="1828800" algn="l"/>
-                <a:tab pos="2743200" algn="l"/>
-                <a:tab pos="3657600" algn="l"/>
-                <a:tab pos="4572000" algn="l"/>
-                <a:tab pos="5486400" algn="l"/>
-                <a:tab pos="6400800" algn="l"/>
-                <a:tab pos="7315200" algn="l"/>
-                <a:tab pos="8229600" algn="l"/>
-                <a:tab pos="9144000" algn="l"/>
-                <a:tab pos="10058400" algn="l"/>
-              </a:tabLst>
-            </a:pPr>
-            <a:r>
-              <a:rPr lang="en-US" sz="600" dirty="0">
-                <a:solidFill>
-                  <a:srgbClr val="000000"/>
-                </a:solidFill>
-              </a:rPr>
-              <a:t>native code</a:t>
-            </a:r>
-          </a:p>
-        </p:txBody>
-      </p:sp>
-      <p:sp>
-        <p:nvSpPr>
-          <p:cNvPr id="6" name="AutoShape 11"/>
-          <p:cNvSpPr>
-            <a:spLocks noChangeArrowheads="1"/>
-          </p:cNvSpPr>
-          <p:nvPr/>
-        </p:nvSpPr>
-        <p:spPr bwMode="auto">
-          <a:xfrm>
-            <a:off x="685800" y="3963987"/>
-            <a:ext cx="588963" cy="1217613"/>
-          </a:xfrm>
-          <a:prstGeom prst="roundRect">
-            <a:avLst>
-              <a:gd name="adj" fmla="val 16667"/>
-            </a:avLst>
-          </a:prstGeom>
-          <a:solidFill>
-            <a:srgbClr val="CCFFFF"/>
-          </a:solidFill>
-          <a:ln w="9360" cap="sq">
+              </a:endParaRPr>
+            </a:p>
+            <a:p>
+              <a:pPr algn="ctr">
+                <a:buClrTx/>
+                <a:buFontTx/>
+                <a:buNone/>
+                <a:tabLst>
+                  <a:tab pos="0" algn="l"/>
+                  <a:tab pos="914400" algn="l"/>
+                  <a:tab pos="1828800" algn="l"/>
+                  <a:tab pos="2743200" algn="l"/>
+                  <a:tab pos="3657600" algn="l"/>
+                  <a:tab pos="4572000" algn="l"/>
+                  <a:tab pos="5486400" algn="l"/>
+                  <a:tab pos="6400800" algn="l"/>
+                  <a:tab pos="7315200" algn="l"/>
+                  <a:tab pos="8229600" algn="l"/>
+                  <a:tab pos="9144000" algn="l"/>
+                  <a:tab pos="10058400" algn="l"/>
+                </a:tabLst>
+              </a:pPr>
+              <a:r>
+                <a:rPr lang="en-US" sz="700">
+                  <a:solidFill>
+                    <a:srgbClr val="000000"/>
+                  </a:solidFill>
+                </a:rPr>
+                <a:t>cross-platform</a:t>
+              </a:r>
+            </a:p>
+            <a:p>
+              <a:pPr algn="ctr">
+                <a:buClrTx/>
+                <a:buFontTx/>
+                <a:buNone/>
+                <a:tabLst>
+                  <a:tab pos="0" algn="l"/>
+                  <a:tab pos="914400" algn="l"/>
+                  <a:tab pos="1828800" algn="l"/>
+                  <a:tab pos="2743200" algn="l"/>
+                  <a:tab pos="3657600" algn="l"/>
+                  <a:tab pos="4572000" algn="l"/>
+                  <a:tab pos="5486400" algn="l"/>
+                  <a:tab pos="6400800" algn="l"/>
+                  <a:tab pos="7315200" algn="l"/>
+                  <a:tab pos="8229600" algn="l"/>
+                  <a:tab pos="9144000" algn="l"/>
+                  <a:tab pos="10058400" algn="l"/>
+                </a:tabLst>
+              </a:pPr>
+              <a:r>
+                <a:rPr lang="en-US" sz="700">
+                  <a:solidFill>
+                    <a:srgbClr val="000000"/>
+                  </a:solidFill>
+                </a:rPr>
+                <a:t>native code</a:t>
+              </a:r>
+            </a:p>
+          </p:txBody>
+        </p:sp>
+        <p:sp>
+          <p:nvSpPr>
+            <p:cNvPr id="13" name="AutoShape 23"/>
+            <p:cNvSpPr>
+              <a:spLocks noChangeArrowheads="1"/>
+            </p:cNvSpPr>
+            <p:nvPr/>
+          </p:nvSpPr>
+          <p:spPr bwMode="auto">
+            <a:xfrm>
+              <a:off x="5943600" y="3963987"/>
+              <a:ext cx="590550" cy="1217613"/>
+            </a:xfrm>
+            <a:prstGeom prst="roundRect">
+              <a:avLst>
+                <a:gd name="adj" fmla="val 16667"/>
+              </a:avLst>
+            </a:prstGeom>
             <a:solidFill>
-              <a:srgbClr val="000000"/>
+              <a:srgbClr val="CCFFFF"/>
             </a:solidFill>
-            <a:miter lim="800000"/>
-            <a:headEnd/>
-            <a:tailEnd/>
-          </a:ln>
-        </p:spPr>
-        <p:txBody>
-          <a:bodyPr wrap="none" lIns="0" tIns="0" rIns="0" bIns="0" anchor="ctr"/>
-          <a:lstStyle/>
-          <a:p>
-            <a:pPr algn="ctr">
-              <a:buClrTx/>
-              <a:buFontTx/>
-              <a:buNone/>
-              <a:tabLst>
-                <a:tab pos="0" algn="l"/>
-                <a:tab pos="914400" algn="l"/>
-                <a:tab pos="1828800" algn="l"/>
-                <a:tab pos="2743200" algn="l"/>
-                <a:tab pos="3657600" algn="l"/>
-                <a:tab pos="4572000" algn="l"/>
-                <a:tab pos="5486400" algn="l"/>
-                <a:tab pos="6400800" algn="l"/>
-                <a:tab pos="7315200" algn="l"/>
-                <a:tab pos="8229600" algn="l"/>
-                <a:tab pos="9144000" algn="l"/>
-                <a:tab pos="10058400" algn="l"/>
-              </a:tabLst>
-            </a:pPr>
-            <a:r>
-              <a:rPr lang="en-US" sz="800" b="1">
-                <a:solidFill>
-                  <a:srgbClr val="000000"/>
-                </a:solidFill>
-              </a:rPr>
-              <a:t>C++</a:t>
-            </a:r>
-          </a:p>
-          <a:p>
-            <a:pPr algn="ctr">
-              <a:buClrTx/>
-              <a:buFontTx/>
-              <a:buNone/>
-              <a:tabLst>
-                <a:tab pos="0" algn="l"/>
-                <a:tab pos="914400" algn="l"/>
-                <a:tab pos="1828800" algn="l"/>
-                <a:tab pos="2743200" algn="l"/>
-                <a:tab pos="3657600" algn="l"/>
-                <a:tab pos="4572000" algn="l"/>
-                <a:tab pos="5486400" algn="l"/>
-                <a:tab pos="6400800" algn="l"/>
-                <a:tab pos="7315200" algn="l"/>
-                <a:tab pos="8229600" algn="l"/>
-                <a:tab pos="9144000" algn="l"/>
-                <a:tab pos="10058400" algn="l"/>
-              </a:tabLst>
-            </a:pPr>
-            <a:r>
-              <a:rPr lang="en-US" sz="800" b="1">
-                <a:solidFill>
-                  <a:srgbClr val="000000"/>
-                </a:solidFill>
-              </a:rPr>
-              <a:t>Adapter</a:t>
-            </a:r>
-          </a:p>
-        </p:txBody>
-      </p:sp>
-      <p:sp>
-        <p:nvSpPr>
-          <p:cNvPr id="7" name="AutoShape 12"/>
-          <p:cNvSpPr>
-            <a:spLocks noChangeArrowheads="1"/>
-          </p:cNvSpPr>
-          <p:nvPr/>
-        </p:nvSpPr>
-        <p:spPr bwMode="auto">
-          <a:xfrm>
-            <a:off x="1374775" y="3963987"/>
-            <a:ext cx="588963" cy="1217613"/>
-          </a:xfrm>
-          <a:prstGeom prst="roundRect">
-            <a:avLst>
-              <a:gd name="adj" fmla="val 16667"/>
-            </a:avLst>
-          </a:prstGeom>
-          <a:solidFill>
-            <a:srgbClr val="CCFFFF"/>
-          </a:solidFill>
-          <a:ln w="9360" cap="sq">
-            <a:solidFill>
-              <a:srgbClr val="000000"/>
-            </a:solidFill>
-            <a:miter lim="800000"/>
-            <a:headEnd/>
-            <a:tailEnd/>
-          </a:ln>
-        </p:spPr>
-        <p:txBody>
-          <a:bodyPr wrap="none" lIns="0" tIns="0" rIns="0" bIns="0" anchor="ctr"/>
-          <a:lstStyle/>
-          <a:p>
-            <a:pPr algn="ctr">
-              <a:buClrTx/>
-              <a:buFontTx/>
-              <a:buNone/>
-              <a:tabLst>
-                <a:tab pos="0" algn="l"/>
-                <a:tab pos="914400" algn="l"/>
-                <a:tab pos="1828800" algn="l"/>
-                <a:tab pos="2743200" algn="l"/>
-                <a:tab pos="3657600" algn="l"/>
-                <a:tab pos="4572000" algn="l"/>
-                <a:tab pos="5486400" algn="l"/>
-                <a:tab pos="6400800" algn="l"/>
-                <a:tab pos="7315200" algn="l"/>
-                <a:tab pos="8229600" algn="l"/>
-                <a:tab pos="9144000" algn="l"/>
-                <a:tab pos="10058400" algn="l"/>
-              </a:tabLst>
-            </a:pPr>
-            <a:r>
-              <a:rPr lang="en-US" sz="800" b="1">
-                <a:solidFill>
-                  <a:srgbClr val="000000"/>
-                </a:solidFill>
-              </a:rPr>
-              <a:t>.Net</a:t>
-            </a:r>
-          </a:p>
-          <a:p>
-            <a:pPr algn="ctr">
-              <a:buClrTx/>
-              <a:buFontTx/>
-              <a:buNone/>
-              <a:tabLst>
-                <a:tab pos="0" algn="l"/>
-                <a:tab pos="914400" algn="l"/>
-                <a:tab pos="1828800" algn="l"/>
-                <a:tab pos="2743200" algn="l"/>
-                <a:tab pos="3657600" algn="l"/>
-                <a:tab pos="4572000" algn="l"/>
-                <a:tab pos="5486400" algn="l"/>
-                <a:tab pos="6400800" algn="l"/>
-                <a:tab pos="7315200" algn="l"/>
-                <a:tab pos="8229600" algn="l"/>
-                <a:tab pos="9144000" algn="l"/>
-                <a:tab pos="10058400" algn="l"/>
-              </a:tabLst>
-            </a:pPr>
-            <a:r>
-              <a:rPr lang="en-US" sz="800" b="1">
-                <a:solidFill>
-                  <a:srgbClr val="000000"/>
-                </a:solidFill>
-              </a:rPr>
-              <a:t>Adapter</a:t>
-            </a:r>
-          </a:p>
-        </p:txBody>
-      </p:sp>
-      <p:sp>
-        <p:nvSpPr>
-          <p:cNvPr id="8" name="AutoShape 13"/>
-          <p:cNvSpPr>
-            <a:spLocks noChangeArrowheads="1"/>
-          </p:cNvSpPr>
-          <p:nvPr/>
-        </p:nvSpPr>
-        <p:spPr bwMode="auto">
-          <a:xfrm>
-            <a:off x="3449638" y="3963987"/>
-            <a:ext cx="588962" cy="1217613"/>
-          </a:xfrm>
-          <a:prstGeom prst="roundRect">
-            <a:avLst>
-              <a:gd name="adj" fmla="val 16667"/>
-            </a:avLst>
-          </a:prstGeom>
-          <a:solidFill>
-            <a:srgbClr val="CCFFFF"/>
-          </a:solidFill>
-          <a:ln w="9360" cap="sq">
-            <a:solidFill>
-              <a:srgbClr val="000000"/>
-            </a:solidFill>
-            <a:miter lim="800000"/>
-            <a:headEnd/>
-            <a:tailEnd/>
-          </a:ln>
-        </p:spPr>
-        <p:txBody>
-          <a:bodyPr wrap="none" lIns="0" tIns="0" rIns="0" bIns="0" anchor="ctr"/>
-          <a:lstStyle/>
-          <a:p>
-            <a:pPr algn="ctr">
-              <a:buClrTx/>
-              <a:buFontTx/>
-              <a:buNone/>
-              <a:tabLst>
-                <a:tab pos="0" algn="l"/>
-                <a:tab pos="914400" algn="l"/>
-                <a:tab pos="1828800" algn="l"/>
-                <a:tab pos="2743200" algn="l"/>
-                <a:tab pos="3657600" algn="l"/>
-                <a:tab pos="4572000" algn="l"/>
-                <a:tab pos="5486400" algn="l"/>
-                <a:tab pos="6400800" algn="l"/>
-                <a:tab pos="7315200" algn="l"/>
-                <a:tab pos="8229600" algn="l"/>
-                <a:tab pos="9144000" algn="l"/>
-                <a:tab pos="10058400" algn="l"/>
-              </a:tabLst>
-            </a:pPr>
-            <a:r>
-              <a:rPr lang="en-US" sz="800" b="1">
-                <a:solidFill>
-                  <a:srgbClr val="000000"/>
-                </a:solidFill>
-              </a:rPr>
-              <a:t>JavaScript</a:t>
-            </a:r>
-          </a:p>
-          <a:p>
-            <a:pPr algn="ctr">
-              <a:buClrTx/>
-              <a:buFontTx/>
-              <a:buNone/>
-              <a:tabLst>
-                <a:tab pos="0" algn="l"/>
-                <a:tab pos="914400" algn="l"/>
-                <a:tab pos="1828800" algn="l"/>
-                <a:tab pos="2743200" algn="l"/>
-                <a:tab pos="3657600" algn="l"/>
-                <a:tab pos="4572000" algn="l"/>
-                <a:tab pos="5486400" algn="l"/>
-                <a:tab pos="6400800" algn="l"/>
-                <a:tab pos="7315200" algn="l"/>
-                <a:tab pos="8229600" algn="l"/>
-                <a:tab pos="9144000" algn="l"/>
-                <a:tab pos="10058400" algn="l"/>
-              </a:tabLst>
-            </a:pPr>
-            <a:r>
-              <a:rPr lang="en-US" sz="800" b="1">
-                <a:solidFill>
-                  <a:srgbClr val="000000"/>
-                </a:solidFill>
-              </a:rPr>
-              <a:t>Adapter</a:t>
-            </a:r>
-          </a:p>
-        </p:txBody>
-      </p:sp>
-      <p:sp>
-        <p:nvSpPr>
-          <p:cNvPr id="9" name="AutoShape 14"/>
-          <p:cNvSpPr>
-            <a:spLocks noChangeArrowheads="1"/>
-          </p:cNvSpPr>
-          <p:nvPr/>
-        </p:nvSpPr>
-        <p:spPr bwMode="auto">
-          <a:xfrm>
-            <a:off x="2754313" y="3963987"/>
-            <a:ext cx="588962" cy="1217613"/>
-          </a:xfrm>
-          <a:prstGeom prst="roundRect">
-            <a:avLst>
-              <a:gd name="adj" fmla="val 16667"/>
-            </a:avLst>
-          </a:prstGeom>
-          <a:solidFill>
-            <a:srgbClr val="CCFFFF"/>
-          </a:solidFill>
-          <a:ln w="9360" cap="sq">
-            <a:solidFill>
-              <a:srgbClr val="000000"/>
-            </a:solidFill>
-            <a:miter lim="800000"/>
-            <a:headEnd/>
-            <a:tailEnd/>
-          </a:ln>
-        </p:spPr>
-        <p:txBody>
-          <a:bodyPr wrap="none" lIns="0" tIns="0" rIns="0" bIns="0" anchor="ctr"/>
-          <a:lstStyle/>
-          <a:p>
-            <a:pPr algn="ctr">
-              <a:buClrTx/>
-              <a:buFontTx/>
-              <a:buNone/>
-              <a:tabLst>
-                <a:tab pos="0" algn="l"/>
-                <a:tab pos="914400" algn="l"/>
-                <a:tab pos="1828800" algn="l"/>
-                <a:tab pos="2743200" algn="l"/>
-                <a:tab pos="3657600" algn="l"/>
-                <a:tab pos="4572000" algn="l"/>
-                <a:tab pos="5486400" algn="l"/>
-                <a:tab pos="6400800" algn="l"/>
-                <a:tab pos="7315200" algn="l"/>
-                <a:tab pos="8229600" algn="l"/>
-                <a:tab pos="9144000" algn="l"/>
-                <a:tab pos="10058400" algn="l"/>
-              </a:tabLst>
-            </a:pPr>
-            <a:r>
-              <a:rPr lang="en-US" sz="800" b="1">
-                <a:solidFill>
-                  <a:srgbClr val="000000"/>
-                </a:solidFill>
-              </a:rPr>
-              <a:t>Python</a:t>
-            </a:r>
-          </a:p>
-          <a:p>
-            <a:pPr algn="ctr">
-              <a:buClrTx/>
-              <a:buFontTx/>
-              <a:buNone/>
-              <a:tabLst>
-                <a:tab pos="0" algn="l"/>
-                <a:tab pos="914400" algn="l"/>
-                <a:tab pos="1828800" algn="l"/>
-                <a:tab pos="2743200" algn="l"/>
-                <a:tab pos="3657600" algn="l"/>
-                <a:tab pos="4572000" algn="l"/>
-                <a:tab pos="5486400" algn="l"/>
-                <a:tab pos="6400800" algn="l"/>
-                <a:tab pos="7315200" algn="l"/>
-                <a:tab pos="8229600" algn="l"/>
-                <a:tab pos="9144000" algn="l"/>
-                <a:tab pos="10058400" algn="l"/>
-              </a:tabLst>
-            </a:pPr>
-            <a:r>
-              <a:rPr lang="en-US" sz="800" b="1">
-                <a:solidFill>
-                  <a:srgbClr val="000000"/>
-                </a:solidFill>
-              </a:rPr>
-              <a:t>Adapter</a:t>
-            </a:r>
-          </a:p>
-        </p:txBody>
-      </p:sp>
-      <p:sp>
-        <p:nvSpPr>
-          <p:cNvPr id="10" name="AutoShape 15"/>
-          <p:cNvSpPr>
-            <a:spLocks noChangeArrowheads="1"/>
-          </p:cNvSpPr>
-          <p:nvPr/>
-        </p:nvSpPr>
-        <p:spPr bwMode="auto">
-          <a:xfrm>
-            <a:off x="2078038" y="3963987"/>
-            <a:ext cx="588962" cy="1217613"/>
-          </a:xfrm>
-          <a:prstGeom prst="roundRect">
-            <a:avLst>
-              <a:gd name="adj" fmla="val 16667"/>
-            </a:avLst>
-          </a:prstGeom>
-          <a:solidFill>
-            <a:srgbClr val="CCFFFF"/>
-          </a:solidFill>
-          <a:ln w="9360" cap="sq">
-            <a:solidFill>
-              <a:srgbClr val="000000"/>
-            </a:solidFill>
-            <a:miter lim="800000"/>
-            <a:headEnd/>
-            <a:tailEnd/>
-          </a:ln>
-        </p:spPr>
-        <p:txBody>
-          <a:bodyPr wrap="none" lIns="0" tIns="0" rIns="0" bIns="0" anchor="ctr"/>
-          <a:lstStyle/>
-          <a:p>
-            <a:pPr algn="ctr">
-              <a:buClrTx/>
-              <a:buFontTx/>
-              <a:buNone/>
-              <a:tabLst>
-                <a:tab pos="0" algn="l"/>
-                <a:tab pos="914400" algn="l"/>
-                <a:tab pos="1828800" algn="l"/>
-                <a:tab pos="2743200" algn="l"/>
-                <a:tab pos="3657600" algn="l"/>
-                <a:tab pos="4572000" algn="l"/>
-                <a:tab pos="5486400" algn="l"/>
-                <a:tab pos="6400800" algn="l"/>
-                <a:tab pos="7315200" algn="l"/>
-                <a:tab pos="8229600" algn="l"/>
-                <a:tab pos="9144000" algn="l"/>
-                <a:tab pos="10058400" algn="l"/>
-              </a:tabLst>
-            </a:pPr>
-            <a:r>
-              <a:rPr lang="en-US" sz="800" b="1">
-                <a:solidFill>
-                  <a:srgbClr val="000000"/>
-                </a:solidFill>
-              </a:rPr>
-              <a:t>Java</a:t>
-            </a:r>
-          </a:p>
-          <a:p>
-            <a:pPr algn="ctr">
-              <a:buClrTx/>
-              <a:buFontTx/>
-              <a:buNone/>
-              <a:tabLst>
-                <a:tab pos="0" algn="l"/>
-                <a:tab pos="914400" algn="l"/>
-                <a:tab pos="1828800" algn="l"/>
-                <a:tab pos="2743200" algn="l"/>
-                <a:tab pos="3657600" algn="l"/>
-                <a:tab pos="4572000" algn="l"/>
-                <a:tab pos="5486400" algn="l"/>
-                <a:tab pos="6400800" algn="l"/>
-                <a:tab pos="7315200" algn="l"/>
-                <a:tab pos="8229600" algn="l"/>
-                <a:tab pos="9144000" algn="l"/>
-                <a:tab pos="10058400" algn="l"/>
-              </a:tabLst>
-            </a:pPr>
-            <a:r>
-              <a:rPr lang="en-US" sz="800" b="1">
-                <a:solidFill>
-                  <a:srgbClr val="000000"/>
-                </a:solidFill>
-              </a:rPr>
-              <a:t>Adapter</a:t>
-            </a:r>
-          </a:p>
-        </p:txBody>
-      </p:sp>
-      <p:sp>
-        <p:nvSpPr>
-          <p:cNvPr id="11" name="AutoShape 16"/>
-          <p:cNvSpPr>
-            <a:spLocks noChangeArrowheads="1"/>
-          </p:cNvSpPr>
-          <p:nvPr/>
-        </p:nvSpPr>
-        <p:spPr bwMode="auto">
-          <a:xfrm>
-            <a:off x="4133850" y="3963987"/>
-            <a:ext cx="588963" cy="1217613"/>
-          </a:xfrm>
-          <a:prstGeom prst="roundRect">
-            <a:avLst>
-              <a:gd name="adj" fmla="val 16667"/>
-            </a:avLst>
-          </a:prstGeom>
-          <a:solidFill>
-            <a:srgbClr val="CCFFFF"/>
-          </a:solidFill>
-          <a:ln w="9360" cap="sq">
-            <a:solidFill>
-              <a:srgbClr val="000000"/>
-            </a:solidFill>
-            <a:miter lim="800000"/>
-            <a:headEnd/>
-            <a:tailEnd/>
-          </a:ln>
-        </p:spPr>
-        <p:txBody>
-          <a:bodyPr wrap="none" lIns="0" tIns="0" rIns="0" bIns="0" anchor="ctr"/>
-          <a:lstStyle/>
-          <a:p>
-            <a:pPr algn="ctr">
-              <a:buClrTx/>
-              <a:buFontTx/>
-              <a:buNone/>
-              <a:tabLst>
-                <a:tab pos="0" algn="l"/>
-                <a:tab pos="914400" algn="l"/>
-                <a:tab pos="1828800" algn="l"/>
-                <a:tab pos="2743200" algn="l"/>
-                <a:tab pos="3657600" algn="l"/>
-                <a:tab pos="4572000" algn="l"/>
-                <a:tab pos="5486400" algn="l"/>
-                <a:tab pos="6400800" algn="l"/>
-                <a:tab pos="7315200" algn="l"/>
-                <a:tab pos="8229600" algn="l"/>
-                <a:tab pos="9144000" algn="l"/>
-                <a:tab pos="10058400" algn="l"/>
-              </a:tabLst>
-            </a:pPr>
-            <a:r>
-              <a:rPr lang="en-US" sz="800" b="1">
-                <a:solidFill>
-                  <a:srgbClr val="000000"/>
-                </a:solidFill>
-              </a:rPr>
-              <a:t>PHP</a:t>
-            </a:r>
-          </a:p>
-          <a:p>
-            <a:pPr algn="ctr">
-              <a:buClrTx/>
-              <a:buFontTx/>
-              <a:buNone/>
-              <a:tabLst>
-                <a:tab pos="0" algn="l"/>
-                <a:tab pos="914400" algn="l"/>
-                <a:tab pos="1828800" algn="l"/>
-                <a:tab pos="2743200" algn="l"/>
-                <a:tab pos="3657600" algn="l"/>
-                <a:tab pos="4572000" algn="l"/>
-                <a:tab pos="5486400" algn="l"/>
-                <a:tab pos="6400800" algn="l"/>
-                <a:tab pos="7315200" algn="l"/>
-                <a:tab pos="8229600" algn="l"/>
-                <a:tab pos="9144000" algn="l"/>
-                <a:tab pos="10058400" algn="l"/>
-              </a:tabLst>
-            </a:pPr>
-            <a:r>
-              <a:rPr lang="en-US" sz="800" b="1">
-                <a:solidFill>
-                  <a:srgbClr val="000000"/>
-                </a:solidFill>
-              </a:rPr>
-              <a:t>Adapter</a:t>
-            </a:r>
-            <a:r>
-              <a:rPr lang="en-US" sz="500">
-                <a:solidFill>
-                  <a:srgbClr val="000000"/>
-                </a:solidFill>
-              </a:rPr>
-              <a:t> </a:t>
-            </a:r>
-          </a:p>
-        </p:txBody>
-      </p:sp>
-      <p:sp>
-        <p:nvSpPr>
-          <p:cNvPr id="12" name="AutoShape 22"/>
-          <p:cNvSpPr>
-            <a:spLocks noChangeArrowheads="1"/>
-          </p:cNvSpPr>
-          <p:nvPr/>
-        </p:nvSpPr>
-        <p:spPr bwMode="auto">
-          <a:xfrm>
-            <a:off x="6953250" y="2135187"/>
-            <a:ext cx="742950" cy="1217613"/>
-          </a:xfrm>
-          <a:prstGeom prst="roundRect">
-            <a:avLst>
-              <a:gd name="adj" fmla="val 16667"/>
-            </a:avLst>
-          </a:prstGeom>
-          <a:solidFill>
-            <a:srgbClr val="BBE0E3"/>
-          </a:solidFill>
-          <a:ln w="9360" cap="sq">
-            <a:solidFill>
-              <a:srgbClr val="000000"/>
-            </a:solidFill>
-            <a:miter lim="800000"/>
-            <a:headEnd/>
-            <a:tailEnd/>
-          </a:ln>
-        </p:spPr>
-        <p:txBody>
-          <a:bodyPr wrap="none" lIns="0" tIns="0" rIns="0" bIns="0" anchor="ctr"/>
-          <a:lstStyle/>
-          <a:p>
-            <a:pPr algn="ctr">
-              <a:buClrTx/>
-              <a:buFontTx/>
-              <a:buNone/>
-              <a:tabLst>
-                <a:tab pos="0" algn="l"/>
-                <a:tab pos="914400" algn="l"/>
-                <a:tab pos="1828800" algn="l"/>
-                <a:tab pos="2743200" algn="l"/>
-                <a:tab pos="3657600" algn="l"/>
-                <a:tab pos="4572000" algn="l"/>
-                <a:tab pos="5486400" algn="l"/>
-                <a:tab pos="6400800" algn="l"/>
-                <a:tab pos="7315200" algn="l"/>
-                <a:tab pos="8229600" algn="l"/>
-                <a:tab pos="9144000" algn="l"/>
-                <a:tab pos="10058400" algn="l"/>
-              </a:tabLst>
-            </a:pPr>
-            <a:r>
-              <a:rPr lang="en-US" sz="1000" b="1">
-                <a:solidFill>
-                  <a:srgbClr val="000000"/>
-                </a:solidFill>
-              </a:rPr>
-              <a:t>Server Core</a:t>
-            </a:r>
-          </a:p>
-          <a:p>
-            <a:pPr algn="ctr">
-              <a:buClrTx/>
-              <a:buFontTx/>
-              <a:buNone/>
-              <a:tabLst>
-                <a:tab pos="0" algn="l"/>
-                <a:tab pos="914400" algn="l"/>
-                <a:tab pos="1828800" algn="l"/>
-                <a:tab pos="2743200" algn="l"/>
-                <a:tab pos="3657600" algn="l"/>
-                <a:tab pos="4572000" algn="l"/>
-                <a:tab pos="5486400" algn="l"/>
-                <a:tab pos="6400800" algn="l"/>
-                <a:tab pos="7315200" algn="l"/>
-                <a:tab pos="8229600" algn="l"/>
-                <a:tab pos="9144000" algn="l"/>
-                <a:tab pos="10058400" algn="l"/>
-              </a:tabLst>
-            </a:pPr>
-            <a:endParaRPr lang="en-US" sz="600">
+            <a:ln w="9360" cap="sq">
               <a:solidFill>
                 <a:srgbClr val="000000"/>
               </a:solidFill>
-            </a:endParaRPr>
-          </a:p>
-          <a:p>
-            <a:pPr algn="ctr">
-              <a:buClrTx/>
-              <a:buFontTx/>
-              <a:buNone/>
-              <a:tabLst>
-                <a:tab pos="0" algn="l"/>
-                <a:tab pos="914400" algn="l"/>
-                <a:tab pos="1828800" algn="l"/>
-                <a:tab pos="2743200" algn="l"/>
-                <a:tab pos="3657600" algn="l"/>
-                <a:tab pos="4572000" algn="l"/>
-                <a:tab pos="5486400" algn="l"/>
-                <a:tab pos="6400800" algn="l"/>
-                <a:tab pos="7315200" algn="l"/>
-                <a:tab pos="8229600" algn="l"/>
-                <a:tab pos="9144000" algn="l"/>
-                <a:tab pos="10058400" algn="l"/>
-              </a:tabLst>
-            </a:pPr>
-            <a:r>
-              <a:rPr lang="en-US" sz="700">
-                <a:solidFill>
-                  <a:srgbClr val="000000"/>
-                </a:solidFill>
-              </a:rPr>
-              <a:t>cross-platform</a:t>
-            </a:r>
-          </a:p>
-          <a:p>
-            <a:pPr algn="ctr">
-              <a:buClrTx/>
-              <a:buFontTx/>
-              <a:buNone/>
-              <a:tabLst>
-                <a:tab pos="0" algn="l"/>
-                <a:tab pos="914400" algn="l"/>
-                <a:tab pos="1828800" algn="l"/>
-                <a:tab pos="2743200" algn="l"/>
-                <a:tab pos="3657600" algn="l"/>
-                <a:tab pos="4572000" algn="l"/>
-                <a:tab pos="5486400" algn="l"/>
-                <a:tab pos="6400800" algn="l"/>
-                <a:tab pos="7315200" algn="l"/>
-                <a:tab pos="8229600" algn="l"/>
-                <a:tab pos="9144000" algn="l"/>
-                <a:tab pos="10058400" algn="l"/>
-              </a:tabLst>
-            </a:pPr>
-            <a:r>
-              <a:rPr lang="en-US" sz="700">
-                <a:solidFill>
-                  <a:srgbClr val="000000"/>
-                </a:solidFill>
-              </a:rPr>
-              <a:t>native code</a:t>
-            </a:r>
-          </a:p>
-        </p:txBody>
-      </p:sp>
-      <p:sp>
-        <p:nvSpPr>
-          <p:cNvPr id="13" name="AutoShape 23"/>
-          <p:cNvSpPr>
-            <a:spLocks noChangeArrowheads="1"/>
-          </p:cNvSpPr>
-          <p:nvPr/>
-        </p:nvSpPr>
-        <p:spPr bwMode="auto">
-          <a:xfrm>
-            <a:off x="5943600" y="3963987"/>
-            <a:ext cx="590550" cy="1217613"/>
-          </a:xfrm>
-          <a:prstGeom prst="roundRect">
-            <a:avLst>
-              <a:gd name="adj" fmla="val 16667"/>
-            </a:avLst>
-          </a:prstGeom>
-          <a:solidFill>
-            <a:srgbClr val="CCFFFF"/>
-          </a:solidFill>
-          <a:ln w="9360" cap="sq">
+              <a:miter lim="800000"/>
+              <a:headEnd/>
+              <a:tailEnd/>
+            </a:ln>
+          </p:spPr>
+          <p:txBody>
+            <a:bodyPr wrap="none" lIns="0" tIns="0" rIns="0" bIns="0" anchor="ctr"/>
+            <a:lstStyle/>
+            <a:p>
+              <a:pPr algn="ctr">
+                <a:buClrTx/>
+                <a:buFontTx/>
+                <a:buNone/>
+                <a:tabLst>
+                  <a:tab pos="0" algn="l"/>
+                  <a:tab pos="914400" algn="l"/>
+                  <a:tab pos="1828800" algn="l"/>
+                  <a:tab pos="2743200" algn="l"/>
+                  <a:tab pos="3657600" algn="l"/>
+                  <a:tab pos="4572000" algn="l"/>
+                  <a:tab pos="5486400" algn="l"/>
+                  <a:tab pos="6400800" algn="l"/>
+                  <a:tab pos="7315200" algn="l"/>
+                  <a:tab pos="8229600" algn="l"/>
+                  <a:tab pos="9144000" algn="l"/>
+                  <a:tab pos="10058400" algn="l"/>
+                </a:tabLst>
+              </a:pPr>
+              <a:r>
+                <a:rPr lang="en-US" sz="800" b="1">
+                  <a:solidFill>
+                    <a:srgbClr val="000000"/>
+                  </a:solidFill>
+                </a:rPr>
+                <a:t>C++</a:t>
+              </a:r>
+            </a:p>
+            <a:p>
+              <a:pPr algn="ctr">
+                <a:buClrTx/>
+                <a:buFontTx/>
+                <a:buNone/>
+                <a:tabLst>
+                  <a:tab pos="0" algn="l"/>
+                  <a:tab pos="914400" algn="l"/>
+                  <a:tab pos="1828800" algn="l"/>
+                  <a:tab pos="2743200" algn="l"/>
+                  <a:tab pos="3657600" algn="l"/>
+                  <a:tab pos="4572000" algn="l"/>
+                  <a:tab pos="5486400" algn="l"/>
+                  <a:tab pos="6400800" algn="l"/>
+                  <a:tab pos="7315200" algn="l"/>
+                  <a:tab pos="8229600" algn="l"/>
+                  <a:tab pos="9144000" algn="l"/>
+                  <a:tab pos="10058400" algn="l"/>
+                </a:tabLst>
+              </a:pPr>
+              <a:r>
+                <a:rPr lang="en-US" sz="800" b="1">
+                  <a:solidFill>
+                    <a:srgbClr val="000000"/>
+                  </a:solidFill>
+                </a:rPr>
+                <a:t>Adapter</a:t>
+              </a:r>
+            </a:p>
+          </p:txBody>
+        </p:sp>
+        <p:sp>
+          <p:nvSpPr>
+            <p:cNvPr id="14" name="AutoShape 24"/>
+            <p:cNvSpPr>
+              <a:spLocks noChangeArrowheads="1"/>
+            </p:cNvSpPr>
+            <p:nvPr/>
+          </p:nvSpPr>
+          <p:spPr bwMode="auto">
+            <a:xfrm>
+              <a:off x="6616700" y="3963987"/>
+              <a:ext cx="546100" cy="1217613"/>
+            </a:xfrm>
+            <a:prstGeom prst="roundRect">
+              <a:avLst>
+                <a:gd name="adj" fmla="val 16667"/>
+              </a:avLst>
+            </a:prstGeom>
             <a:solidFill>
-              <a:srgbClr val="000000"/>
+              <a:srgbClr val="CCFFFF"/>
             </a:solidFill>
-            <a:miter lim="800000"/>
-            <a:headEnd/>
-            <a:tailEnd/>
-          </a:ln>
-        </p:spPr>
-        <p:txBody>
-          <a:bodyPr wrap="none" lIns="0" tIns="0" rIns="0" bIns="0" anchor="ctr"/>
-          <a:lstStyle/>
-          <a:p>
-            <a:pPr algn="ctr">
-              <a:buClrTx/>
-              <a:buFontTx/>
-              <a:buNone/>
-              <a:tabLst>
-                <a:tab pos="0" algn="l"/>
-                <a:tab pos="914400" algn="l"/>
-                <a:tab pos="1828800" algn="l"/>
-                <a:tab pos="2743200" algn="l"/>
-                <a:tab pos="3657600" algn="l"/>
-                <a:tab pos="4572000" algn="l"/>
-                <a:tab pos="5486400" algn="l"/>
-                <a:tab pos="6400800" algn="l"/>
-                <a:tab pos="7315200" algn="l"/>
-                <a:tab pos="8229600" algn="l"/>
-                <a:tab pos="9144000" algn="l"/>
-                <a:tab pos="10058400" algn="l"/>
-              </a:tabLst>
-            </a:pPr>
-            <a:r>
-              <a:rPr lang="en-US" sz="800" b="1">
-                <a:solidFill>
-                  <a:srgbClr val="000000"/>
-                </a:solidFill>
-              </a:rPr>
-              <a:t>C++</a:t>
-            </a:r>
-          </a:p>
-          <a:p>
-            <a:pPr algn="ctr">
-              <a:buClrTx/>
-              <a:buFontTx/>
-              <a:buNone/>
-              <a:tabLst>
-                <a:tab pos="0" algn="l"/>
-                <a:tab pos="914400" algn="l"/>
-                <a:tab pos="1828800" algn="l"/>
-                <a:tab pos="2743200" algn="l"/>
-                <a:tab pos="3657600" algn="l"/>
-                <a:tab pos="4572000" algn="l"/>
-                <a:tab pos="5486400" algn="l"/>
-                <a:tab pos="6400800" algn="l"/>
-                <a:tab pos="7315200" algn="l"/>
-                <a:tab pos="8229600" algn="l"/>
-                <a:tab pos="9144000" algn="l"/>
-                <a:tab pos="10058400" algn="l"/>
-              </a:tabLst>
-            </a:pPr>
-            <a:r>
-              <a:rPr lang="en-US" sz="800" b="1">
-                <a:solidFill>
-                  <a:srgbClr val="000000"/>
-                </a:solidFill>
-              </a:rPr>
-              <a:t>Adapter</a:t>
-            </a:r>
-          </a:p>
-        </p:txBody>
-      </p:sp>
-      <p:sp>
-        <p:nvSpPr>
-          <p:cNvPr id="14" name="AutoShape 24"/>
-          <p:cNvSpPr>
-            <a:spLocks noChangeArrowheads="1"/>
-          </p:cNvSpPr>
-          <p:nvPr/>
-        </p:nvSpPr>
-        <p:spPr bwMode="auto">
-          <a:xfrm>
-            <a:off x="6616700" y="3963987"/>
-            <a:ext cx="546100" cy="1217613"/>
-          </a:xfrm>
-          <a:prstGeom prst="roundRect">
-            <a:avLst>
-              <a:gd name="adj" fmla="val 16667"/>
-            </a:avLst>
-          </a:prstGeom>
-          <a:solidFill>
-            <a:srgbClr val="CCFFFF"/>
-          </a:solidFill>
-          <a:ln w="9360" cap="sq">
+            <a:ln w="9360" cap="sq">
+              <a:solidFill>
+                <a:srgbClr val="000000"/>
+              </a:solidFill>
+              <a:miter lim="800000"/>
+              <a:headEnd/>
+              <a:tailEnd/>
+            </a:ln>
+          </p:spPr>
+          <p:txBody>
+            <a:bodyPr wrap="none" lIns="0" tIns="0" rIns="0" bIns="0" anchor="ctr"/>
+            <a:lstStyle/>
+            <a:p>
+              <a:pPr algn="ctr">
+                <a:buClrTx/>
+                <a:buFontTx/>
+                <a:buNone/>
+                <a:tabLst>
+                  <a:tab pos="0" algn="l"/>
+                  <a:tab pos="914400" algn="l"/>
+                  <a:tab pos="1828800" algn="l"/>
+                  <a:tab pos="2743200" algn="l"/>
+                  <a:tab pos="3657600" algn="l"/>
+                  <a:tab pos="4572000" algn="l"/>
+                  <a:tab pos="5486400" algn="l"/>
+                  <a:tab pos="6400800" algn="l"/>
+                  <a:tab pos="7315200" algn="l"/>
+                  <a:tab pos="8229600" algn="l"/>
+                  <a:tab pos="9144000" algn="l"/>
+                  <a:tab pos="10058400" algn="l"/>
+                </a:tabLst>
+              </a:pPr>
+              <a:r>
+                <a:rPr lang="en-US" sz="800" b="1">
+                  <a:solidFill>
+                    <a:srgbClr val="000000"/>
+                  </a:solidFill>
+                </a:rPr>
+                <a:t>.Net</a:t>
+              </a:r>
+            </a:p>
+            <a:p>
+              <a:pPr algn="ctr">
+                <a:buClrTx/>
+                <a:buFontTx/>
+                <a:buNone/>
+                <a:tabLst>
+                  <a:tab pos="0" algn="l"/>
+                  <a:tab pos="914400" algn="l"/>
+                  <a:tab pos="1828800" algn="l"/>
+                  <a:tab pos="2743200" algn="l"/>
+                  <a:tab pos="3657600" algn="l"/>
+                  <a:tab pos="4572000" algn="l"/>
+                  <a:tab pos="5486400" algn="l"/>
+                  <a:tab pos="6400800" algn="l"/>
+                  <a:tab pos="7315200" algn="l"/>
+                  <a:tab pos="8229600" algn="l"/>
+                  <a:tab pos="9144000" algn="l"/>
+                  <a:tab pos="10058400" algn="l"/>
+                </a:tabLst>
+              </a:pPr>
+              <a:r>
+                <a:rPr lang="en-US" sz="800" b="1">
+                  <a:solidFill>
+                    <a:srgbClr val="000000"/>
+                  </a:solidFill>
+                </a:rPr>
+                <a:t>Adapter</a:t>
+              </a:r>
+            </a:p>
+          </p:txBody>
+        </p:sp>
+        <p:sp>
+          <p:nvSpPr>
+            <p:cNvPr id="15" name="AutoShape 25"/>
+            <p:cNvSpPr>
+              <a:spLocks noChangeArrowheads="1"/>
+            </p:cNvSpPr>
+            <p:nvPr/>
+          </p:nvSpPr>
+          <p:spPr bwMode="auto">
+            <a:xfrm>
+              <a:off x="7272338" y="3963987"/>
+              <a:ext cx="576262" cy="1217613"/>
+            </a:xfrm>
+            <a:prstGeom prst="roundRect">
+              <a:avLst>
+                <a:gd name="adj" fmla="val 16667"/>
+              </a:avLst>
+            </a:prstGeom>
             <a:solidFill>
-              <a:srgbClr val="000000"/>
+              <a:srgbClr val="CCFFFF"/>
             </a:solidFill>
-            <a:miter lim="800000"/>
-            <a:headEnd/>
-            <a:tailEnd/>
-          </a:ln>
-        </p:spPr>
-        <p:txBody>
-          <a:bodyPr wrap="none" lIns="0" tIns="0" rIns="0" bIns="0" anchor="ctr"/>
-          <a:lstStyle/>
-          <a:p>
-            <a:pPr algn="ctr">
-              <a:buClrTx/>
-              <a:buFontTx/>
-              <a:buNone/>
-              <a:tabLst>
-                <a:tab pos="0" algn="l"/>
-                <a:tab pos="914400" algn="l"/>
-                <a:tab pos="1828800" algn="l"/>
-                <a:tab pos="2743200" algn="l"/>
-                <a:tab pos="3657600" algn="l"/>
-                <a:tab pos="4572000" algn="l"/>
-                <a:tab pos="5486400" algn="l"/>
-                <a:tab pos="6400800" algn="l"/>
-                <a:tab pos="7315200" algn="l"/>
-                <a:tab pos="8229600" algn="l"/>
-                <a:tab pos="9144000" algn="l"/>
-                <a:tab pos="10058400" algn="l"/>
-              </a:tabLst>
-            </a:pPr>
-            <a:r>
-              <a:rPr lang="en-US" sz="800" b="1">
-                <a:solidFill>
-                  <a:srgbClr val="000000"/>
-                </a:solidFill>
-              </a:rPr>
-              <a:t>.Net</a:t>
-            </a:r>
-          </a:p>
-          <a:p>
-            <a:pPr algn="ctr">
-              <a:buClrTx/>
-              <a:buFontTx/>
-              <a:buNone/>
-              <a:tabLst>
-                <a:tab pos="0" algn="l"/>
-                <a:tab pos="914400" algn="l"/>
-                <a:tab pos="1828800" algn="l"/>
-                <a:tab pos="2743200" algn="l"/>
-                <a:tab pos="3657600" algn="l"/>
-                <a:tab pos="4572000" algn="l"/>
-                <a:tab pos="5486400" algn="l"/>
-                <a:tab pos="6400800" algn="l"/>
-                <a:tab pos="7315200" algn="l"/>
-                <a:tab pos="8229600" algn="l"/>
-                <a:tab pos="9144000" algn="l"/>
-                <a:tab pos="10058400" algn="l"/>
-              </a:tabLst>
-            </a:pPr>
-            <a:r>
-              <a:rPr lang="en-US" sz="800" b="1">
-                <a:solidFill>
-                  <a:srgbClr val="000000"/>
-                </a:solidFill>
-              </a:rPr>
-              <a:t>Adapter</a:t>
-            </a:r>
-          </a:p>
-        </p:txBody>
-      </p:sp>
-      <p:sp>
-        <p:nvSpPr>
-          <p:cNvPr id="15" name="AutoShape 25"/>
-          <p:cNvSpPr>
-            <a:spLocks noChangeArrowheads="1"/>
-          </p:cNvSpPr>
-          <p:nvPr/>
-        </p:nvSpPr>
-        <p:spPr bwMode="auto">
-          <a:xfrm>
-            <a:off x="7272338" y="3963987"/>
-            <a:ext cx="576262" cy="1217613"/>
-          </a:xfrm>
-          <a:prstGeom prst="roundRect">
-            <a:avLst>
-              <a:gd name="adj" fmla="val 16667"/>
-            </a:avLst>
-          </a:prstGeom>
-          <a:solidFill>
-            <a:srgbClr val="CCFFFF"/>
-          </a:solidFill>
-          <a:ln w="9360" cap="sq">
+            <a:ln w="9360" cap="sq">
+              <a:solidFill>
+                <a:srgbClr val="000000"/>
+              </a:solidFill>
+              <a:miter lim="800000"/>
+              <a:headEnd/>
+              <a:tailEnd/>
+            </a:ln>
+          </p:spPr>
+          <p:txBody>
+            <a:bodyPr wrap="none" lIns="0" tIns="0" rIns="0" bIns="0" anchor="ctr"/>
+            <a:lstStyle/>
+            <a:p>
+              <a:pPr algn="ctr">
+                <a:buClrTx/>
+                <a:buFontTx/>
+                <a:buNone/>
+                <a:tabLst>
+                  <a:tab pos="0" algn="l"/>
+                  <a:tab pos="914400" algn="l"/>
+                  <a:tab pos="1828800" algn="l"/>
+                  <a:tab pos="2743200" algn="l"/>
+                  <a:tab pos="3657600" algn="l"/>
+                  <a:tab pos="4572000" algn="l"/>
+                  <a:tab pos="5486400" algn="l"/>
+                  <a:tab pos="6400800" algn="l"/>
+                  <a:tab pos="7315200" algn="l"/>
+                  <a:tab pos="8229600" algn="l"/>
+                  <a:tab pos="9144000" algn="l"/>
+                  <a:tab pos="10058400" algn="l"/>
+                </a:tabLst>
+              </a:pPr>
+              <a:r>
+                <a:rPr lang="en-US" sz="800" b="1">
+                  <a:solidFill>
+                    <a:srgbClr val="000000"/>
+                  </a:solidFill>
+                </a:rPr>
+                <a:t>Python</a:t>
+              </a:r>
+            </a:p>
+            <a:p>
+              <a:pPr algn="ctr">
+                <a:buClrTx/>
+                <a:buFontTx/>
+                <a:buNone/>
+                <a:tabLst>
+                  <a:tab pos="0" algn="l"/>
+                  <a:tab pos="914400" algn="l"/>
+                  <a:tab pos="1828800" algn="l"/>
+                  <a:tab pos="2743200" algn="l"/>
+                  <a:tab pos="3657600" algn="l"/>
+                  <a:tab pos="4572000" algn="l"/>
+                  <a:tab pos="5486400" algn="l"/>
+                  <a:tab pos="6400800" algn="l"/>
+                  <a:tab pos="7315200" algn="l"/>
+                  <a:tab pos="8229600" algn="l"/>
+                  <a:tab pos="9144000" algn="l"/>
+                  <a:tab pos="10058400" algn="l"/>
+                </a:tabLst>
+              </a:pPr>
+              <a:r>
+                <a:rPr lang="en-US" sz="800" b="1">
+                  <a:solidFill>
+                    <a:srgbClr val="000000"/>
+                  </a:solidFill>
+                </a:rPr>
+                <a:t>Adapter</a:t>
+              </a:r>
+            </a:p>
+          </p:txBody>
+        </p:sp>
+        <p:sp>
+          <p:nvSpPr>
+            <p:cNvPr id="16" name="AutoShape 26"/>
+            <p:cNvSpPr>
+              <a:spLocks noChangeArrowheads="1"/>
+            </p:cNvSpPr>
+            <p:nvPr/>
+          </p:nvSpPr>
+          <p:spPr bwMode="auto">
+            <a:xfrm>
+              <a:off x="7924800" y="3963987"/>
+              <a:ext cx="608013" cy="1217613"/>
+            </a:xfrm>
+            <a:prstGeom prst="roundRect">
+              <a:avLst>
+                <a:gd name="adj" fmla="val 16667"/>
+              </a:avLst>
+            </a:prstGeom>
             <a:solidFill>
-              <a:srgbClr val="000000"/>
+              <a:srgbClr val="CCFFFF"/>
             </a:solidFill>
-            <a:miter lim="800000"/>
-            <a:headEnd/>
-            <a:tailEnd/>
-          </a:ln>
-        </p:spPr>
-        <p:txBody>
-          <a:bodyPr wrap="none" lIns="0" tIns="0" rIns="0" bIns="0" anchor="ctr"/>
-          <a:lstStyle/>
-          <a:p>
-            <a:pPr algn="ctr">
-              <a:buClrTx/>
-              <a:buFontTx/>
-              <a:buNone/>
-              <a:tabLst>
-                <a:tab pos="0" algn="l"/>
-                <a:tab pos="914400" algn="l"/>
-                <a:tab pos="1828800" algn="l"/>
-                <a:tab pos="2743200" algn="l"/>
-                <a:tab pos="3657600" algn="l"/>
-                <a:tab pos="4572000" algn="l"/>
-                <a:tab pos="5486400" algn="l"/>
-                <a:tab pos="6400800" algn="l"/>
-                <a:tab pos="7315200" algn="l"/>
-                <a:tab pos="8229600" algn="l"/>
-                <a:tab pos="9144000" algn="l"/>
-                <a:tab pos="10058400" algn="l"/>
-              </a:tabLst>
-            </a:pPr>
-            <a:r>
-              <a:rPr lang="en-US" sz="800" b="1">
-                <a:solidFill>
-                  <a:srgbClr val="000000"/>
-                </a:solidFill>
-              </a:rPr>
-              <a:t>Python</a:t>
-            </a:r>
-          </a:p>
-          <a:p>
-            <a:pPr algn="ctr">
-              <a:buClrTx/>
-              <a:buFontTx/>
-              <a:buNone/>
-              <a:tabLst>
-                <a:tab pos="0" algn="l"/>
-                <a:tab pos="914400" algn="l"/>
-                <a:tab pos="1828800" algn="l"/>
-                <a:tab pos="2743200" algn="l"/>
-                <a:tab pos="3657600" algn="l"/>
-                <a:tab pos="4572000" algn="l"/>
-                <a:tab pos="5486400" algn="l"/>
-                <a:tab pos="6400800" algn="l"/>
-                <a:tab pos="7315200" algn="l"/>
-                <a:tab pos="8229600" algn="l"/>
-                <a:tab pos="9144000" algn="l"/>
-                <a:tab pos="10058400" algn="l"/>
-              </a:tabLst>
-            </a:pPr>
-            <a:r>
-              <a:rPr lang="en-US" sz="800" b="1">
-                <a:solidFill>
-                  <a:srgbClr val="000000"/>
-                </a:solidFill>
-              </a:rPr>
-              <a:t>Adapter</a:t>
-            </a:r>
-          </a:p>
-        </p:txBody>
-      </p:sp>
-      <p:sp>
-        <p:nvSpPr>
-          <p:cNvPr id="16" name="AutoShape 26"/>
-          <p:cNvSpPr>
-            <a:spLocks noChangeArrowheads="1"/>
-          </p:cNvSpPr>
-          <p:nvPr/>
-        </p:nvSpPr>
-        <p:spPr bwMode="auto">
-          <a:xfrm>
-            <a:off x="7924800" y="3963987"/>
-            <a:ext cx="608013" cy="1217613"/>
-          </a:xfrm>
-          <a:prstGeom prst="roundRect">
-            <a:avLst>
-              <a:gd name="adj" fmla="val 16667"/>
-            </a:avLst>
-          </a:prstGeom>
-          <a:solidFill>
-            <a:srgbClr val="CCFFFF"/>
-          </a:solidFill>
-          <a:ln w="9360" cap="sq">
+            <a:ln w="9360" cap="sq">
+              <a:solidFill>
+                <a:srgbClr val="000000"/>
+              </a:solidFill>
+              <a:miter lim="800000"/>
+              <a:headEnd/>
+              <a:tailEnd/>
+            </a:ln>
+          </p:spPr>
+          <p:txBody>
+            <a:bodyPr wrap="none" lIns="0" tIns="0" rIns="0" bIns="0" anchor="ctr"/>
+            <a:lstStyle/>
+            <a:p>
+              <a:pPr algn="ctr">
+                <a:buClrTx/>
+                <a:buFontTx/>
+                <a:buNone/>
+                <a:tabLst>
+                  <a:tab pos="0" algn="l"/>
+                  <a:tab pos="914400" algn="l"/>
+                  <a:tab pos="1828800" algn="l"/>
+                  <a:tab pos="2743200" algn="l"/>
+                  <a:tab pos="3657600" algn="l"/>
+                  <a:tab pos="4572000" algn="l"/>
+                  <a:tab pos="5486400" algn="l"/>
+                  <a:tab pos="6400800" algn="l"/>
+                  <a:tab pos="7315200" algn="l"/>
+                  <a:tab pos="8229600" algn="l"/>
+                  <a:tab pos="9144000" algn="l"/>
+                  <a:tab pos="10058400" algn="l"/>
+                </a:tabLst>
+              </a:pPr>
+              <a:r>
+                <a:rPr lang="en-US" sz="800" b="1">
+                  <a:solidFill>
+                    <a:srgbClr val="000000"/>
+                  </a:solidFill>
+                </a:rPr>
+                <a:t>Java</a:t>
+              </a:r>
+            </a:p>
+            <a:p>
+              <a:pPr algn="ctr">
+                <a:buClrTx/>
+                <a:buFontTx/>
+                <a:buNone/>
+                <a:tabLst>
+                  <a:tab pos="0" algn="l"/>
+                  <a:tab pos="914400" algn="l"/>
+                  <a:tab pos="1828800" algn="l"/>
+                  <a:tab pos="2743200" algn="l"/>
+                  <a:tab pos="3657600" algn="l"/>
+                  <a:tab pos="4572000" algn="l"/>
+                  <a:tab pos="5486400" algn="l"/>
+                  <a:tab pos="6400800" algn="l"/>
+                  <a:tab pos="7315200" algn="l"/>
+                  <a:tab pos="8229600" algn="l"/>
+                  <a:tab pos="9144000" algn="l"/>
+                  <a:tab pos="10058400" algn="l"/>
+                </a:tabLst>
+              </a:pPr>
+              <a:r>
+                <a:rPr lang="en-US" sz="800" b="1">
+                  <a:solidFill>
+                    <a:srgbClr val="000000"/>
+                  </a:solidFill>
+                </a:rPr>
+                <a:t>Adapter</a:t>
+              </a:r>
+            </a:p>
+          </p:txBody>
+        </p:sp>
+        <p:sp>
+          <p:nvSpPr>
+            <p:cNvPr id="17" name="AutoShape 27"/>
+            <p:cNvSpPr>
+              <a:spLocks noChangeArrowheads="1"/>
+            </p:cNvSpPr>
+            <p:nvPr/>
+          </p:nvSpPr>
+          <p:spPr bwMode="auto">
+            <a:xfrm>
+              <a:off x="2209800" y="2363787"/>
+              <a:ext cx="4648200" cy="533400"/>
+            </a:xfrm>
+            <a:prstGeom prst="leftRightArrow">
+              <a:avLst>
+                <a:gd name="adj1" fmla="val 50000"/>
+                <a:gd name="adj2" fmla="val 149757"/>
+              </a:avLst>
+            </a:prstGeom>
             <a:solidFill>
-              <a:srgbClr val="000000"/>
+              <a:srgbClr val="BBE0E3"/>
             </a:solidFill>
-            <a:miter lim="800000"/>
-            <a:headEnd/>
-            <a:tailEnd/>
-          </a:ln>
-        </p:spPr>
-        <p:txBody>
-          <a:bodyPr wrap="none" lIns="0" tIns="0" rIns="0" bIns="0" anchor="ctr"/>
-          <a:lstStyle/>
-          <a:p>
-            <a:pPr algn="ctr">
-              <a:buClrTx/>
-              <a:buFontTx/>
-              <a:buNone/>
-              <a:tabLst>
-                <a:tab pos="0" algn="l"/>
-                <a:tab pos="914400" algn="l"/>
-                <a:tab pos="1828800" algn="l"/>
-                <a:tab pos="2743200" algn="l"/>
-                <a:tab pos="3657600" algn="l"/>
-                <a:tab pos="4572000" algn="l"/>
-                <a:tab pos="5486400" algn="l"/>
-                <a:tab pos="6400800" algn="l"/>
-                <a:tab pos="7315200" algn="l"/>
-                <a:tab pos="8229600" algn="l"/>
-                <a:tab pos="9144000" algn="l"/>
-                <a:tab pos="10058400" algn="l"/>
-              </a:tabLst>
-            </a:pPr>
-            <a:r>
-              <a:rPr lang="en-US" sz="800" b="1">
-                <a:solidFill>
-                  <a:srgbClr val="000000"/>
-                </a:solidFill>
-              </a:rPr>
-              <a:t>Java</a:t>
-            </a:r>
-          </a:p>
-          <a:p>
-            <a:pPr algn="ctr">
-              <a:buClrTx/>
-              <a:buFontTx/>
-              <a:buNone/>
-              <a:tabLst>
-                <a:tab pos="0" algn="l"/>
-                <a:tab pos="914400" algn="l"/>
-                <a:tab pos="1828800" algn="l"/>
-                <a:tab pos="2743200" algn="l"/>
-                <a:tab pos="3657600" algn="l"/>
-                <a:tab pos="4572000" algn="l"/>
-                <a:tab pos="5486400" algn="l"/>
-                <a:tab pos="6400800" algn="l"/>
-                <a:tab pos="7315200" algn="l"/>
-                <a:tab pos="8229600" algn="l"/>
-                <a:tab pos="9144000" algn="l"/>
-                <a:tab pos="10058400" algn="l"/>
-              </a:tabLst>
-            </a:pPr>
-            <a:r>
-              <a:rPr lang="en-US" sz="800" b="1">
-                <a:solidFill>
-                  <a:srgbClr val="000000"/>
-                </a:solidFill>
-              </a:rPr>
-              <a:t>Adapter</a:t>
-            </a:r>
-          </a:p>
-        </p:txBody>
-      </p:sp>
-      <p:sp>
-        <p:nvSpPr>
-          <p:cNvPr id="17" name="AutoShape 27"/>
-          <p:cNvSpPr>
-            <a:spLocks noChangeArrowheads="1"/>
-          </p:cNvSpPr>
-          <p:nvPr/>
-        </p:nvSpPr>
-        <p:spPr bwMode="auto">
-          <a:xfrm>
-            <a:off x="2209800" y="2363787"/>
-            <a:ext cx="4648200" cy="533400"/>
-          </a:xfrm>
-          <a:prstGeom prst="leftRightArrow">
-            <a:avLst>
-              <a:gd name="adj1" fmla="val 50000"/>
-              <a:gd name="adj2" fmla="val 149757"/>
-            </a:avLst>
-          </a:prstGeom>
-          <a:solidFill>
-            <a:srgbClr val="BBE0E3"/>
-          </a:solidFill>
-          <a:ln w="9360" cap="sq">
+            <a:ln w="9360" cap="sq">
+              <a:solidFill>
+                <a:srgbClr val="000000"/>
+              </a:solidFill>
+              <a:miter lim="800000"/>
+              <a:headEnd/>
+              <a:tailEnd/>
+            </a:ln>
+          </p:spPr>
+          <p:txBody>
+            <a:bodyPr wrap="none" lIns="90000" tIns="46800" rIns="90000" bIns="46800" anchor="ctr"/>
+            <a:lstStyle/>
+            <a:p>
+              <a:pPr algn="ctr">
+                <a:buClrTx/>
+                <a:buFontTx/>
+                <a:buNone/>
+                <a:tabLst>
+                  <a:tab pos="0" algn="l"/>
+                  <a:tab pos="914400" algn="l"/>
+                  <a:tab pos="1828800" algn="l"/>
+                  <a:tab pos="2743200" algn="l"/>
+                  <a:tab pos="3657600" algn="l"/>
+                  <a:tab pos="4572000" algn="l"/>
+                  <a:tab pos="5486400" algn="l"/>
+                  <a:tab pos="6400800" algn="l"/>
+                  <a:tab pos="7315200" algn="l"/>
+                  <a:tab pos="8229600" algn="l"/>
+                  <a:tab pos="9144000" algn="l"/>
+                  <a:tab pos="10058400" algn="l"/>
+                </a:tabLst>
+              </a:pPr>
+              <a:r>
+                <a:rPr lang="en-US" sz="700" b="1">
+                  <a:solidFill>
+                    <a:srgbClr val="FF0066"/>
+                  </a:solidFill>
+                </a:rPr>
+                <a:t>Request batching and streaming, asynchrony, secure, parallel communication on TCP/IP</a:t>
+              </a:r>
+            </a:p>
+          </p:txBody>
+        </p:sp>
+        <p:sp>
+          <p:nvSpPr>
+            <p:cNvPr id="18" name="Rectangle 28"/>
+            <p:cNvSpPr>
+              <a:spLocks noChangeArrowheads="1"/>
+            </p:cNvSpPr>
+            <p:nvPr/>
+          </p:nvSpPr>
+          <p:spPr bwMode="auto">
+            <a:xfrm>
+              <a:off x="685800" y="5411787"/>
+              <a:ext cx="4724400" cy="684213"/>
+            </a:xfrm>
+            <a:prstGeom prst="rect">
+              <a:avLst/>
+            </a:prstGeom>
             <a:solidFill>
-              <a:srgbClr val="000000"/>
+              <a:srgbClr val="FFFF99"/>
             </a:solidFill>
-            <a:miter lim="800000"/>
-            <a:headEnd/>
-            <a:tailEnd/>
-          </a:ln>
-        </p:spPr>
-        <p:txBody>
-          <a:bodyPr wrap="none" lIns="90000" tIns="46800" rIns="90000" bIns="46800" anchor="ctr"/>
-          <a:lstStyle/>
-          <a:p>
-            <a:pPr algn="ctr">
-              <a:buClrTx/>
-              <a:buFontTx/>
-              <a:buNone/>
-              <a:tabLst>
-                <a:tab pos="0" algn="l"/>
-                <a:tab pos="914400" algn="l"/>
-                <a:tab pos="1828800" algn="l"/>
-                <a:tab pos="2743200" algn="l"/>
-                <a:tab pos="3657600" algn="l"/>
-                <a:tab pos="4572000" algn="l"/>
-                <a:tab pos="5486400" algn="l"/>
-                <a:tab pos="6400800" algn="l"/>
-                <a:tab pos="7315200" algn="l"/>
-                <a:tab pos="8229600" algn="l"/>
-                <a:tab pos="9144000" algn="l"/>
-                <a:tab pos="10058400" algn="l"/>
-              </a:tabLst>
-            </a:pPr>
-            <a:r>
-              <a:rPr lang="en-US" sz="700" b="1">
-                <a:solidFill>
-                  <a:srgbClr val="FF0066"/>
-                </a:solidFill>
-              </a:rPr>
-              <a:t>Request batching and streaming, asynchrony, secure, parallel communication on TCP/IP</a:t>
-            </a:r>
-          </a:p>
-        </p:txBody>
-      </p:sp>
-      <p:sp>
-        <p:nvSpPr>
-          <p:cNvPr id="18" name="Rectangle 28"/>
-          <p:cNvSpPr>
-            <a:spLocks noChangeArrowheads="1"/>
-          </p:cNvSpPr>
-          <p:nvPr/>
-        </p:nvSpPr>
-        <p:spPr bwMode="auto">
-          <a:xfrm>
-            <a:off x="685800" y="5411787"/>
-            <a:ext cx="4724400" cy="684213"/>
-          </a:xfrm>
-          <a:prstGeom prst="rect">
-            <a:avLst/>
-          </a:prstGeom>
-          <a:solidFill>
-            <a:srgbClr val="FFFF99"/>
-          </a:solidFill>
-          <a:ln w="9360" cap="sq">
+            <a:ln w="9360" cap="sq">
+              <a:solidFill>
+                <a:srgbClr val="000000"/>
+              </a:solidFill>
+              <a:miter lim="800000"/>
+              <a:headEnd/>
+              <a:tailEnd/>
+            </a:ln>
+          </p:spPr>
+          <p:txBody>
+            <a:bodyPr wrap="none" lIns="90000" tIns="46800" rIns="90000" bIns="46800" anchor="ctr"/>
+            <a:lstStyle/>
+            <a:p>
+              <a:pPr algn="ctr">
+                <a:buClrTx/>
+                <a:buFontTx/>
+                <a:buNone/>
+                <a:tabLst>
+                  <a:tab pos="0" algn="l"/>
+                  <a:tab pos="914400" algn="l"/>
+                  <a:tab pos="1828800" algn="l"/>
+                  <a:tab pos="2743200" algn="l"/>
+                  <a:tab pos="3657600" algn="l"/>
+                  <a:tab pos="4572000" algn="l"/>
+                  <a:tab pos="5486400" algn="l"/>
+                  <a:tab pos="6400800" algn="l"/>
+                  <a:tab pos="7315200" algn="l"/>
+                  <a:tab pos="8229600" algn="l"/>
+                  <a:tab pos="9144000" algn="l"/>
+                  <a:tab pos="10058400" algn="l"/>
+                </a:tabLst>
+              </a:pPr>
+              <a:r>
+                <a:rPr lang="en-US" sz="2000" b="1">
+                  <a:solidFill>
+                    <a:srgbClr val="000000"/>
+                  </a:solidFill>
+                </a:rPr>
+                <a:t>User Client Code</a:t>
+              </a:r>
+            </a:p>
+          </p:txBody>
+        </p:sp>
+        <p:sp>
+          <p:nvSpPr>
+            <p:cNvPr id="19" name="Rectangle 29"/>
+            <p:cNvSpPr>
+              <a:spLocks noChangeArrowheads="1"/>
+            </p:cNvSpPr>
+            <p:nvPr/>
+          </p:nvSpPr>
+          <p:spPr bwMode="auto">
+            <a:xfrm>
+              <a:off x="5943600" y="5411787"/>
+              <a:ext cx="2589213" cy="684213"/>
+            </a:xfrm>
+            <a:prstGeom prst="rect">
+              <a:avLst/>
+            </a:prstGeom>
             <a:solidFill>
-              <a:srgbClr val="000000"/>
+              <a:srgbClr val="FFFF99"/>
             </a:solidFill>
-            <a:miter lim="800000"/>
-            <a:headEnd/>
-            <a:tailEnd/>
-          </a:ln>
-        </p:spPr>
-        <p:txBody>
-          <a:bodyPr wrap="none" lIns="90000" tIns="46800" rIns="90000" bIns="46800" anchor="ctr"/>
-          <a:lstStyle/>
-          <a:p>
-            <a:pPr algn="ctr">
-              <a:buClrTx/>
-              <a:buFontTx/>
-              <a:buNone/>
-              <a:tabLst>
-                <a:tab pos="0" algn="l"/>
-                <a:tab pos="914400" algn="l"/>
-                <a:tab pos="1828800" algn="l"/>
-                <a:tab pos="2743200" algn="l"/>
-                <a:tab pos="3657600" algn="l"/>
-                <a:tab pos="4572000" algn="l"/>
-                <a:tab pos="5486400" algn="l"/>
-                <a:tab pos="6400800" algn="l"/>
-                <a:tab pos="7315200" algn="l"/>
-                <a:tab pos="8229600" algn="l"/>
-                <a:tab pos="9144000" algn="l"/>
-                <a:tab pos="10058400" algn="l"/>
-              </a:tabLst>
-            </a:pPr>
-            <a:r>
-              <a:rPr lang="en-US" sz="2000" b="1">
-                <a:solidFill>
-                  <a:srgbClr val="000000"/>
-                </a:solidFill>
-              </a:rPr>
-              <a:t>User Client Code</a:t>
-            </a:r>
-          </a:p>
-        </p:txBody>
-      </p:sp>
-      <p:sp>
-        <p:nvSpPr>
-          <p:cNvPr id="19" name="Rectangle 29"/>
-          <p:cNvSpPr>
-            <a:spLocks noChangeArrowheads="1"/>
-          </p:cNvSpPr>
-          <p:nvPr/>
-        </p:nvSpPr>
-        <p:spPr bwMode="auto">
-          <a:xfrm>
-            <a:off x="5943600" y="5411787"/>
-            <a:ext cx="2589213" cy="684213"/>
-          </a:xfrm>
-          <a:prstGeom prst="rect">
-            <a:avLst/>
-          </a:prstGeom>
-          <a:solidFill>
-            <a:srgbClr val="FFFF99"/>
-          </a:solidFill>
-          <a:ln w="9360" cap="sq">
+            <a:ln w="9360" cap="sq">
+              <a:solidFill>
+                <a:srgbClr val="000000"/>
+              </a:solidFill>
+              <a:miter lim="800000"/>
+              <a:headEnd/>
+              <a:tailEnd/>
+            </a:ln>
+          </p:spPr>
+          <p:txBody>
+            <a:bodyPr wrap="none" lIns="90000" tIns="46800" rIns="90000" bIns="46800" anchor="ctr"/>
+            <a:lstStyle/>
+            <a:p>
+              <a:pPr algn="ctr">
+                <a:buClrTx/>
+                <a:buFontTx/>
+                <a:buNone/>
+                <a:tabLst>
+                  <a:tab pos="0" algn="l"/>
+                  <a:tab pos="914400" algn="l"/>
+                  <a:tab pos="1828800" algn="l"/>
+                  <a:tab pos="2743200" algn="l"/>
+                  <a:tab pos="3657600" algn="l"/>
+                  <a:tab pos="4572000" algn="l"/>
+                  <a:tab pos="5486400" algn="l"/>
+                  <a:tab pos="6400800" algn="l"/>
+                  <a:tab pos="7315200" algn="l"/>
+                  <a:tab pos="8229600" algn="l"/>
+                  <a:tab pos="9144000" algn="l"/>
+                  <a:tab pos="10058400" algn="l"/>
+                </a:tabLst>
+              </a:pPr>
+              <a:r>
+                <a:rPr lang="en-US" sz="2000" b="1">
+                  <a:solidFill>
+                    <a:srgbClr val="000000"/>
+                  </a:solidFill>
+                </a:rPr>
+                <a:t>User Server Code</a:t>
+              </a:r>
+            </a:p>
+          </p:txBody>
+        </p:sp>
+        <p:sp>
+          <p:nvSpPr>
+            <p:cNvPr id="20" name="AutoShape 16"/>
+            <p:cNvSpPr>
+              <a:spLocks noChangeArrowheads="1"/>
+            </p:cNvSpPr>
+            <p:nvPr/>
+          </p:nvSpPr>
+          <p:spPr bwMode="auto">
+            <a:xfrm>
+              <a:off x="4821238" y="3963987"/>
+              <a:ext cx="588962" cy="1217613"/>
+            </a:xfrm>
+            <a:prstGeom prst="roundRect">
+              <a:avLst>
+                <a:gd name="adj" fmla="val 16667"/>
+              </a:avLst>
+            </a:prstGeom>
             <a:solidFill>
-              <a:srgbClr val="000000"/>
+              <a:srgbClr val="CCFFFF"/>
             </a:solidFill>
-            <a:miter lim="800000"/>
-            <a:headEnd/>
-            <a:tailEnd/>
-          </a:ln>
-        </p:spPr>
-        <p:txBody>
-          <a:bodyPr wrap="none" lIns="90000" tIns="46800" rIns="90000" bIns="46800" anchor="ctr"/>
-          <a:lstStyle/>
-          <a:p>
-            <a:pPr algn="ctr">
-              <a:buClrTx/>
-              <a:buFontTx/>
-              <a:buNone/>
-              <a:tabLst>
-                <a:tab pos="0" algn="l"/>
-                <a:tab pos="914400" algn="l"/>
-                <a:tab pos="1828800" algn="l"/>
-                <a:tab pos="2743200" algn="l"/>
-                <a:tab pos="3657600" algn="l"/>
-                <a:tab pos="4572000" algn="l"/>
-                <a:tab pos="5486400" algn="l"/>
-                <a:tab pos="6400800" algn="l"/>
-                <a:tab pos="7315200" algn="l"/>
-                <a:tab pos="8229600" algn="l"/>
-                <a:tab pos="9144000" algn="l"/>
-                <a:tab pos="10058400" algn="l"/>
-              </a:tabLst>
-            </a:pPr>
-            <a:r>
-              <a:rPr lang="en-US" sz="2000" b="1">
-                <a:solidFill>
-                  <a:srgbClr val="000000"/>
-                </a:solidFill>
-              </a:rPr>
-              <a:t>User Server Code</a:t>
-            </a:r>
-          </a:p>
-        </p:txBody>
-      </p:sp>
-      <p:sp>
-        <p:nvSpPr>
-          <p:cNvPr id="20" name="AutoShape 16"/>
-          <p:cNvSpPr>
-            <a:spLocks noChangeArrowheads="1"/>
-          </p:cNvSpPr>
-          <p:nvPr/>
-        </p:nvSpPr>
-        <p:spPr bwMode="auto">
-          <a:xfrm>
-            <a:off x="4821238" y="3963987"/>
-            <a:ext cx="588962" cy="1217613"/>
-          </a:xfrm>
-          <a:prstGeom prst="roundRect">
-            <a:avLst>
-              <a:gd name="adj" fmla="val 16667"/>
-            </a:avLst>
-          </a:prstGeom>
-          <a:solidFill>
-            <a:srgbClr val="CCFFFF"/>
-          </a:solidFill>
-          <a:ln w="9360" cap="sq">
-            <a:solidFill>
-              <a:srgbClr val="000000"/>
-            </a:solidFill>
-            <a:miter lim="800000"/>
-            <a:headEnd/>
-            <a:tailEnd/>
-          </a:ln>
-        </p:spPr>
-        <p:txBody>
-          <a:bodyPr wrap="none" lIns="0" tIns="0" rIns="0" bIns="0" anchor="ctr"/>
-          <a:lstStyle/>
-          <a:p>
-            <a:pPr algn="ctr">
-              <a:buClrTx/>
-              <a:buFontTx/>
-              <a:buNone/>
-              <a:tabLst>
-                <a:tab pos="0" algn="l"/>
-                <a:tab pos="914400" algn="l"/>
-                <a:tab pos="1828800" algn="l"/>
-                <a:tab pos="2743200" algn="l"/>
-                <a:tab pos="3657600" algn="l"/>
-                <a:tab pos="4572000" algn="l"/>
-                <a:tab pos="5486400" algn="l"/>
-                <a:tab pos="6400800" algn="l"/>
-                <a:tab pos="7315200" algn="l"/>
-                <a:tab pos="8229600" algn="l"/>
-                <a:tab pos="9144000" algn="l"/>
-                <a:tab pos="10058400" algn="l"/>
-              </a:tabLst>
-            </a:pPr>
-            <a:r>
-              <a:rPr lang="en-US" sz="800" b="1">
-                <a:solidFill>
-                  <a:srgbClr val="000000"/>
-                </a:solidFill>
-              </a:rPr>
-              <a:t>Node.js</a:t>
-            </a:r>
-          </a:p>
-          <a:p>
-            <a:pPr algn="ctr">
-              <a:buClrTx/>
-              <a:buFontTx/>
-              <a:buNone/>
-              <a:tabLst>
-                <a:tab pos="0" algn="l"/>
-                <a:tab pos="914400" algn="l"/>
-                <a:tab pos="1828800" algn="l"/>
-                <a:tab pos="2743200" algn="l"/>
-                <a:tab pos="3657600" algn="l"/>
-                <a:tab pos="4572000" algn="l"/>
-                <a:tab pos="5486400" algn="l"/>
-                <a:tab pos="6400800" algn="l"/>
-                <a:tab pos="7315200" algn="l"/>
-                <a:tab pos="8229600" algn="l"/>
-                <a:tab pos="9144000" algn="l"/>
-                <a:tab pos="10058400" algn="l"/>
-              </a:tabLst>
-            </a:pPr>
-            <a:r>
-              <a:rPr lang="en-US" sz="800" b="1">
-                <a:solidFill>
-                  <a:srgbClr val="000000"/>
-                </a:solidFill>
-              </a:rPr>
-              <a:t>Adapter</a:t>
-            </a:r>
-            <a:r>
-              <a:rPr lang="en-US" sz="500">
-                <a:solidFill>
-                  <a:srgbClr val="000000"/>
-                </a:solidFill>
-              </a:rPr>
-              <a:t> </a:t>
-            </a:r>
-          </a:p>
-        </p:txBody>
-      </p:sp>
+            <a:ln w="9360" cap="sq">
+              <a:solidFill>
+                <a:srgbClr val="000000"/>
+              </a:solidFill>
+              <a:miter lim="800000"/>
+              <a:headEnd/>
+              <a:tailEnd/>
+            </a:ln>
+          </p:spPr>
+          <p:txBody>
+            <a:bodyPr wrap="none" lIns="0" tIns="0" rIns="0" bIns="0" anchor="ctr"/>
+            <a:lstStyle/>
+            <a:p>
+              <a:pPr algn="ctr">
+                <a:buClrTx/>
+                <a:buFontTx/>
+                <a:buNone/>
+                <a:tabLst>
+                  <a:tab pos="0" algn="l"/>
+                  <a:tab pos="914400" algn="l"/>
+                  <a:tab pos="1828800" algn="l"/>
+                  <a:tab pos="2743200" algn="l"/>
+                  <a:tab pos="3657600" algn="l"/>
+                  <a:tab pos="4572000" algn="l"/>
+                  <a:tab pos="5486400" algn="l"/>
+                  <a:tab pos="6400800" algn="l"/>
+                  <a:tab pos="7315200" algn="l"/>
+                  <a:tab pos="8229600" algn="l"/>
+                  <a:tab pos="9144000" algn="l"/>
+                  <a:tab pos="10058400" algn="l"/>
+                </a:tabLst>
+              </a:pPr>
+              <a:r>
+                <a:rPr lang="en-US" sz="800" b="1">
+                  <a:solidFill>
+                    <a:srgbClr val="000000"/>
+                  </a:solidFill>
+                </a:rPr>
+                <a:t>Node.js</a:t>
+              </a:r>
+            </a:p>
+            <a:p>
+              <a:pPr algn="ctr">
+                <a:buClrTx/>
+                <a:buFontTx/>
+                <a:buNone/>
+                <a:tabLst>
+                  <a:tab pos="0" algn="l"/>
+                  <a:tab pos="914400" algn="l"/>
+                  <a:tab pos="1828800" algn="l"/>
+                  <a:tab pos="2743200" algn="l"/>
+                  <a:tab pos="3657600" algn="l"/>
+                  <a:tab pos="4572000" algn="l"/>
+                  <a:tab pos="5486400" algn="l"/>
+                  <a:tab pos="6400800" algn="l"/>
+                  <a:tab pos="7315200" algn="l"/>
+                  <a:tab pos="8229600" algn="l"/>
+                  <a:tab pos="9144000" algn="l"/>
+                  <a:tab pos="10058400" algn="l"/>
+                </a:tabLst>
+              </a:pPr>
+              <a:r>
+                <a:rPr lang="en-US" sz="800" b="1">
+                  <a:solidFill>
+                    <a:srgbClr val="000000"/>
+                  </a:solidFill>
+                </a:rPr>
+                <a:t>Adapter</a:t>
+              </a:r>
+              <a:r>
+                <a:rPr lang="en-US" sz="500">
+                  <a:solidFill>
+                    <a:srgbClr val="000000"/>
+                  </a:solidFill>
+                </a:rPr>
+                <a:t> </a:t>
+              </a:r>
+            </a:p>
+          </p:txBody>
+        </p:sp>
+      </p:grpSp>
     </p:spTree>
   </p:cSld>
   <p:clrMapOvr>
     <a:masterClrMapping/>
   </p:clrMapOvr>
-  <p:timing>
-    <p:tnLst>
-      <p:par>
-        <p:cTn id="1" dur="indefinite" restart="never" nodeType="tmRoot"/>
-      </p:par>
-    </p:tnLst>
-  </p:timing>
 </p:sld>
 </file>
 
@@ -10065,7 +9992,7 @@
               </a:tabLst>
             </a:pPr>
             <a:r>
-              <a:rPr lang="en-US" sz="4000" b="1" dirty="0" smtClean="0"/>
+              <a:rPr lang="en-US" sz="4000" b="1" dirty="0"/>
               <a:t>Client Core Features</a:t>
             </a:r>
           </a:p>
@@ -10196,7 +10123,7 @@
               </a:tabLst>
             </a:pPr>
             <a:r>
-              <a:rPr lang="en-US" sz="4000" b="1" dirty="0" smtClean="0"/>
+              <a:rPr lang="en-US" sz="4000" b="1" dirty="0"/>
               <a:t>Client Socket Pool</a:t>
             </a:r>
           </a:p>
@@ -10284,7 +10211,7 @@
               </a:tabLst>
             </a:pPr>
             <a:r>
-              <a:rPr lang="en-US" sz="1400" b="1" dirty="0" smtClean="0">
+              <a:rPr lang="en-US" sz="1400" b="1" dirty="0">
                 <a:solidFill>
                   <a:srgbClr val="000000"/>
                 </a:solidFill>
@@ -10292,7 +10219,7 @@
               <a:t>A socket pool has three worker threads and each of these threads hosts two </a:t>
             </a:r>
             <a:r>
-              <a:rPr lang="en-US" sz="1400" b="1" dirty="0" smtClean="0">
+              <a:rPr lang="en-US" sz="1400" b="1" dirty="0">
                 <a:solidFill>
                   <a:srgbClr val="7030A0"/>
                 </a:solidFill>
@@ -10300,7 +10227,7 @@
               <a:t>non-blocking</a:t>
             </a:r>
             <a:r>
-              <a:rPr lang="en-US" sz="1400" b="1" dirty="0" smtClean="0">
+              <a:rPr lang="en-US" sz="1400" b="1" dirty="0">
                 <a:solidFill>
                   <a:srgbClr val="000000"/>
                 </a:solidFill>
@@ -10308,7 +10235,7 @@
               <a:t> sockets with </a:t>
             </a:r>
             <a:r>
-              <a:rPr lang="en-US" sz="1400" b="1" dirty="0" smtClean="0">
+              <a:rPr lang="en-US" sz="1400" b="1" dirty="0">
                 <a:solidFill>
                   <a:srgbClr val="7030A0"/>
                 </a:solidFill>
@@ -10316,22 +10243,17 @@
               <a:t>fault tolerance </a:t>
             </a:r>
             <a:r>
-              <a:rPr lang="en-US" sz="1400" b="1" dirty="0" smtClean="0"/>
+              <a:rPr lang="en-US" sz="1400" b="1" dirty="0"/>
               <a:t>for the best </a:t>
             </a:r>
             <a:r>
-              <a:rPr lang="en-US" sz="1400" b="1" dirty="0" smtClean="0">
+              <a:rPr lang="en-US" sz="1400" b="1" dirty="0">
                 <a:solidFill>
                   <a:srgbClr val="7030A0"/>
                 </a:solidFill>
               </a:rPr>
               <a:t>parallelism</a:t>
             </a:r>
-            <a:endParaRPr lang="en-US" sz="1400" b="1" dirty="0">
-              <a:solidFill>
-                <a:srgbClr val="7030A0"/>
-              </a:solidFill>
-            </a:endParaRPr>
           </a:p>
         </p:txBody>
       </p:sp>
@@ -10428,7 +10350,7 @@
               </a:tabLst>
             </a:pPr>
             <a:r>
-              <a:rPr lang="en-US" sz="4000" b="1" dirty="0" smtClean="0"/>
+              <a:rPr lang="en-US" sz="4000" b="1" dirty="0"/>
               <a:t>Server Core Features</a:t>
             </a:r>
           </a:p>
@@ -10563,11 +10485,11 @@
               </a:tabLst>
             </a:pPr>
             <a:r>
-              <a:rPr lang="en-US" sz="4000" b="1" dirty="0" err="1" smtClean="0"/>
+              <a:rPr lang="en-US" sz="4000" b="1" dirty="0" err="1"/>
               <a:t>SocketPro</a:t>
             </a:r>
             <a:r>
-              <a:rPr lang="en-US" sz="4000" b="1" dirty="0" smtClean="0"/>
+              <a:rPr lang="en-US" sz="4000" b="1" dirty="0"/>
               <a:t> Scalabilities</a:t>
             </a:r>
           </a:p>
@@ -10638,11 +10560,11 @@
               </a:tabLst>
             </a:pPr>
             <a:r>
-              <a:rPr lang="en-US" sz="4000" b="1" dirty="0" err="1" smtClean="0"/>
+              <a:rPr lang="en-US" sz="4000" b="1" dirty="0" err="1"/>
               <a:t>SocketPro</a:t>
             </a:r>
             <a:r>
-              <a:rPr lang="en-US" sz="4000" b="1" dirty="0" smtClean="0"/>
+              <a:rPr lang="en-US" sz="4000" b="1" dirty="0"/>
               <a:t> Adapters for More Developers</a:t>
             </a:r>
           </a:p>
@@ -10660,8 +10582,8 @@
         </p:nvSpPr>
         <p:spPr>
           <a:xfrm>
-            <a:off x="1143000" y="1905000"/>
-            <a:ext cx="7086600" cy="3657600"/>
+            <a:off x="1143000" y="1881051"/>
+            <a:ext cx="7086600" cy="3681549"/>
           </a:xfrm>
         </p:spPr>
         <p:txBody>
@@ -10694,7 +10616,7 @@
               </a:tabLst>
             </a:pPr>
             <a:r>
-              <a:rPr lang="en-US" sz="2800" dirty="0" smtClean="0">
+              <a:rPr lang="en-US" sz="2800" dirty="0">
                 <a:solidFill>
                   <a:srgbClr val="000099"/>
                 </a:solidFill>
@@ -10702,7 +10624,7 @@
               <a:t>C++ adapters – a few header and </a:t>
             </a:r>
             <a:r>
-              <a:rPr lang="en-US" sz="2800" dirty="0" err="1" smtClean="0">
+              <a:rPr lang="en-US" sz="2800" dirty="0" err="1">
                 <a:solidFill>
                   <a:srgbClr val="000099"/>
                 </a:solidFill>
@@ -10710,7 +10632,7 @@
               <a:t>cpp</a:t>
             </a:r>
             <a:r>
-              <a:rPr lang="en-US" sz="2800" dirty="0" smtClean="0">
+              <a:rPr lang="en-US" sz="2800" dirty="0">
                 <a:solidFill>
                   <a:srgbClr val="000099"/>
                 </a:solidFill>
@@ -10743,7 +10665,7 @@
               </a:tabLst>
             </a:pPr>
             <a:r>
-              <a:rPr lang="en-US" sz="2800" dirty="0" smtClean="0">
+              <a:rPr lang="en-US" sz="2800" dirty="0">
                 <a:solidFill>
                   <a:srgbClr val="000099"/>
                 </a:solidFill>
@@ -10776,7 +10698,7 @@
               </a:tabLst>
             </a:pPr>
             <a:r>
-              <a:rPr lang="en-US" sz="2800" dirty="0" smtClean="0">
+              <a:rPr lang="en-US" sz="2800" dirty="0">
                 <a:solidFill>
                   <a:srgbClr val="000099"/>
                 </a:solidFill>
@@ -10809,12 +10731,45 @@
               </a:tabLst>
             </a:pPr>
             <a:r>
-              <a:rPr lang="en-US" sz="2800" dirty="0" smtClean="0">
+              <a:rPr lang="en-US" sz="2800" dirty="0">
                 <a:solidFill>
                   <a:srgbClr val="000099"/>
                 </a:solidFill>
               </a:rPr>
               <a:t>Python adapter</a:t>
+            </a:r>
+          </a:p>
+          <a:p>
+            <a:pPr marL="341313" indent="-341313">
+              <a:spcBef>
+                <a:spcPts val="600"/>
+              </a:spcBef>
+              <a:buClr>
+                <a:srgbClr val="000099"/>
+              </a:buClr>
+              <a:buFont typeface="Arial" charset="0"/>
+              <a:buChar char="•"/>
+              <a:tabLst>
+                <a:tab pos="911225" algn="l"/>
+                <a:tab pos="1825625" algn="l"/>
+                <a:tab pos="2740025" algn="l"/>
+                <a:tab pos="3654425" algn="l"/>
+                <a:tab pos="4568825" algn="l"/>
+                <a:tab pos="5483225" algn="l"/>
+                <a:tab pos="6397625" algn="l"/>
+                <a:tab pos="7312025" algn="l"/>
+                <a:tab pos="8226425" algn="l"/>
+                <a:tab pos="9140825" algn="l"/>
+                <a:tab pos="10055225" algn="l"/>
+              </a:tabLst>
+            </a:pPr>
+            <a:r>
+              <a:rPr lang="en-US" sz="2800" dirty="0">
+                <a:solidFill>
+                  <a:srgbClr val="0000FF"/>
+                </a:solidFill>
+              </a:rPr>
+              <a:t>Node.js adapter</a:t>
             </a:r>
           </a:p>
           <a:p>
@@ -10842,14 +10797,14 @@
               </a:tabLst>
             </a:pPr>
             <a:r>
-              <a:rPr lang="en-US" sz="2800" dirty="0" smtClean="0">
+              <a:rPr lang="en-US" sz="2800" dirty="0">
                 <a:solidFill>
                   <a:srgbClr val="000099"/>
                 </a:solidFill>
               </a:rPr>
               <a:t>One JavaScript adapter for browsers</a:t>
             </a:r>
-            <a:endParaRPr lang="en-US" sz="2800" dirty="0" smtClean="0">
+            <a:endParaRPr lang="en-US" sz="2800" dirty="0">
               <a:solidFill>
                 <a:schemeClr val="accent2"/>
               </a:solidFill>
@@ -10877,34 +10832,8 @@
               </a:tabLst>
             </a:pPr>
             <a:r>
-              <a:rPr lang="en-US" sz="2800" dirty="0" smtClean="0"/>
-              <a:t>PHP adapter in the near future</a:t>
-            </a:r>
-          </a:p>
-          <a:p>
-            <a:pPr marL="341313" indent="-341313" eaLnBrk="1" hangingPunct="1">
-              <a:spcBef>
-                <a:spcPts val="600"/>
-              </a:spcBef>
-              <a:buFont typeface="Arial" charset="0"/>
-              <a:buChar char="•"/>
-              <a:tabLst>
-                <a:tab pos="911225" algn="l"/>
-                <a:tab pos="1825625" algn="l"/>
-                <a:tab pos="2740025" algn="l"/>
-                <a:tab pos="3654425" algn="l"/>
-                <a:tab pos="4568825" algn="l"/>
-                <a:tab pos="5483225" algn="l"/>
-                <a:tab pos="6397625" algn="l"/>
-                <a:tab pos="7312025" algn="l"/>
-                <a:tab pos="8226425" algn="l"/>
-                <a:tab pos="9140825" algn="l"/>
-                <a:tab pos="10055225" algn="l"/>
-              </a:tabLst>
-            </a:pPr>
-            <a:r>
-              <a:rPr lang="en-US" sz="2800" dirty="0" smtClean="0"/>
-              <a:t>Node.js adapter in the near future</a:t>
+              <a:rPr lang="en-US" sz="2800" dirty="0"/>
+              <a:t>PHP adapter in the future</a:t>
             </a:r>
           </a:p>
         </p:txBody>
